--- a/SCJ-CONTAINER_TRABALHO_MOD.pptx
+++ b/SCJ-CONTAINER_TRABALHO_MOD.pptx
@@ -1,27 +1,27 @@
 
 <file path=ppt/presentation.xml><?xml version="1.0" encoding="utf-8"?>
-<p:presentation xmlns:a="http://schemas.openxmlformats.org/drawingml/2006/main" xmlns:r="http://schemas.openxmlformats.org/officeDocument/2006/relationships" xmlns:p="http://schemas.openxmlformats.org/presentationml/2006/main" saveSubsetFonts="1" autoCompressPictures="0">
+<p:presentation xmlns:a="http://schemas.openxmlformats.org/drawingml/2006/main" xmlns:r="http://schemas.openxmlformats.org/officeDocument/2006/relationships" xmlns:p="http://schemas.openxmlformats.org/presentationml/2006/main" autoCompressPictures="0">
   <p:sldMasterIdLst>
-    <p:sldMasterId id="2147483765" r:id="rId1"/>
+    <p:sldMasterId id="2147483648" r:id="rId1"/>
   </p:sldMasterIdLst>
   <p:notesMasterIdLst>
-    <p:notesMasterId r:id="rId8"/>
+    <p:notesMasterId r:id="rId4"/>
   </p:notesMasterIdLst>
   <p:sldIdLst>
-    <p:sldId id="277" r:id="rId2"/>
-    <p:sldId id="260" r:id="rId3"/>
-    <p:sldId id="391" r:id="rId4"/>
-    <p:sldId id="396" r:id="rId5"/>
-    <p:sldId id="618" r:id="rId6"/>
-    <p:sldId id="619" r:id="rId7"/>
+    <p:sldId id="277" r:id="rId3"/>
+    <p:sldId id="260" r:id="rId5"/>
+    <p:sldId id="391" r:id="rId6"/>
+    <p:sldId id="396" r:id="rId7"/>
+    <p:sldId id="618" r:id="rId8"/>
+    <p:sldId id="619" r:id="rId9"/>
   </p:sldIdLst>
-  <p:sldSz cx="6858000" cy="5148263"/>
+  <p:sldSz cx="6858000" cy="5147945"/>
   <p:notesSz cx="6858000" cy="9144000"/>
   <p:defaultTextStyle>
     <a:defPPr>
       <a:defRPr lang="en-US"/>
     </a:defPPr>
-    <a:lvl1pPr marL="0" algn="l" defTabSz="342761" rtl="0" eaLnBrk="1" latinLnBrk="0" hangingPunct="1">
+    <a:lvl1pPr marL="0" algn="l" defTabSz="342900" rtl="0" eaLnBrk="1" latinLnBrk="0" hangingPunct="1">
       <a:defRPr sz="1400" kern="1200">
         <a:solidFill>
           <a:schemeClr val="tx1"/>
@@ -31,7 +31,7 @@
         <a:cs typeface="+mn-cs"/>
       </a:defRPr>
     </a:lvl1pPr>
-    <a:lvl2pPr marL="342761" algn="l" defTabSz="342761" rtl="0" eaLnBrk="1" latinLnBrk="0" hangingPunct="1">
+    <a:lvl2pPr marL="342900" algn="l" defTabSz="342900" rtl="0" eaLnBrk="1" latinLnBrk="0" hangingPunct="1">
       <a:defRPr sz="1400" kern="1200">
         <a:solidFill>
           <a:schemeClr val="tx1"/>
@@ -41,7 +41,7 @@
         <a:cs typeface="+mn-cs"/>
       </a:defRPr>
     </a:lvl2pPr>
-    <a:lvl3pPr marL="685525" algn="l" defTabSz="342761" rtl="0" eaLnBrk="1" latinLnBrk="0" hangingPunct="1">
+    <a:lvl3pPr marL="685800" algn="l" defTabSz="342900" rtl="0" eaLnBrk="1" latinLnBrk="0" hangingPunct="1">
       <a:defRPr sz="1400" kern="1200">
         <a:solidFill>
           <a:schemeClr val="tx1"/>
@@ -51,7 +51,7 @@
         <a:cs typeface="+mn-cs"/>
       </a:defRPr>
     </a:lvl3pPr>
-    <a:lvl4pPr marL="1028287" algn="l" defTabSz="342761" rtl="0" eaLnBrk="1" latinLnBrk="0" hangingPunct="1">
+    <a:lvl4pPr marL="1028065" algn="l" defTabSz="342900" rtl="0" eaLnBrk="1" latinLnBrk="0" hangingPunct="1">
       <a:defRPr sz="1400" kern="1200">
         <a:solidFill>
           <a:schemeClr val="tx1"/>
@@ -61,7 +61,7 @@
         <a:cs typeface="+mn-cs"/>
       </a:defRPr>
     </a:lvl4pPr>
-    <a:lvl5pPr marL="1371051" algn="l" defTabSz="342761" rtl="0" eaLnBrk="1" latinLnBrk="0" hangingPunct="1">
+    <a:lvl5pPr marL="1370965" algn="l" defTabSz="342900" rtl="0" eaLnBrk="1" latinLnBrk="0" hangingPunct="1">
       <a:defRPr sz="1400" kern="1200">
         <a:solidFill>
           <a:schemeClr val="tx1"/>
@@ -71,7 +71,7 @@
         <a:cs typeface="+mn-cs"/>
       </a:defRPr>
     </a:lvl5pPr>
-    <a:lvl6pPr marL="1713812" algn="l" defTabSz="342761" rtl="0" eaLnBrk="1" latinLnBrk="0" hangingPunct="1">
+    <a:lvl6pPr marL="1713865" algn="l" defTabSz="342900" rtl="0" eaLnBrk="1" latinLnBrk="0" hangingPunct="1">
       <a:defRPr sz="1400" kern="1200">
         <a:solidFill>
           <a:schemeClr val="tx1"/>
@@ -81,7 +81,7 @@
         <a:cs typeface="+mn-cs"/>
       </a:defRPr>
     </a:lvl6pPr>
-    <a:lvl7pPr marL="2056576" algn="l" defTabSz="342761" rtl="0" eaLnBrk="1" latinLnBrk="0" hangingPunct="1">
+    <a:lvl7pPr marL="2056765" algn="l" defTabSz="342900" rtl="0" eaLnBrk="1" latinLnBrk="0" hangingPunct="1">
       <a:defRPr sz="1400" kern="1200">
         <a:solidFill>
           <a:schemeClr val="tx1"/>
@@ -91,7 +91,7 @@
         <a:cs typeface="+mn-cs"/>
       </a:defRPr>
     </a:lvl7pPr>
-    <a:lvl8pPr marL="2399339" algn="l" defTabSz="342761" rtl="0" eaLnBrk="1" latinLnBrk="0" hangingPunct="1">
+    <a:lvl8pPr marL="2399030" algn="l" defTabSz="342900" rtl="0" eaLnBrk="1" latinLnBrk="0" hangingPunct="1">
       <a:defRPr sz="1400" kern="1200">
         <a:solidFill>
           <a:schemeClr val="tx1"/>
@@ -101,7 +101,7 @@
         <a:cs typeface="+mn-cs"/>
       </a:defRPr>
     </a:lvl8pPr>
-    <a:lvl9pPr marL="2742102" algn="l" defTabSz="342761" rtl="0" eaLnBrk="1" latinLnBrk="0" hangingPunct="1">
+    <a:lvl9pPr marL="2741930" algn="l" defTabSz="342900" rtl="0" eaLnBrk="1" latinLnBrk="0" hangingPunct="1">
       <a:defRPr sz="1400" kern="1200">
         <a:solidFill>
           <a:schemeClr val="tx1"/>
@@ -112,161 +112,7 @@
       </a:defRPr>
     </a:lvl9pPr>
   </p:defaultTextStyle>
-  <p:extLst>
-    <p:ext uri="{EFAFB233-063F-42B5-8137-9DF3F51BA10A}">
-      <p15:sldGuideLst xmlns:p15="http://schemas.microsoft.com/office/powerpoint/2012/main">
-        <p15:guide id="1" orient="horz" pos="1622">
-          <p15:clr>
-            <a:srgbClr val="A4A3A4"/>
-          </p15:clr>
-        </p15:guide>
-        <p15:guide id="2" pos="2160">
-          <p15:clr>
-            <a:srgbClr val="A4A3A4"/>
-          </p15:clr>
-        </p15:guide>
-      </p15:sldGuideLst>
-    </p:ext>
-  </p:extLst>
 </p:presentation>
-</file>
-
-<file path=ppt/changesInfos/changesInfo1.xml><?xml version="1.0" encoding="utf-8"?>
-<pc:chgInfo xmlns:a="http://schemas.openxmlformats.org/drawingml/2006/main" xmlns:r="http://schemas.openxmlformats.org/officeDocument/2006/relationships" xmlns:ac="http://schemas.microsoft.com/office/drawing/2013/main/command" xmlns:pc="http://schemas.microsoft.com/office/powerpoint/2013/main/command">
-  <pc:docChgLst>
-    <pc:chgData name="André Pontes Sampaio" userId="0eaa375e-b457-47d7-9870-519e14bb9e31" providerId="ADAL" clId="{BA4DCE57-3C8C-0A46-B1F6-81A4F8946310}"/>
-    <pc:docChg chg="modSld">
-      <pc:chgData name="André Pontes Sampaio" userId="0eaa375e-b457-47d7-9870-519e14bb9e31" providerId="ADAL" clId="{BA4DCE57-3C8C-0A46-B1F6-81A4F8946310}" dt="2022-06-02T23:54:00.223" v="31" actId="20577"/>
-      <pc:docMkLst>
-        <pc:docMk/>
-      </pc:docMkLst>
-      <pc:sldChg chg="modSp mod">
-        <pc:chgData name="André Pontes Sampaio" userId="0eaa375e-b457-47d7-9870-519e14bb9e31" providerId="ADAL" clId="{BA4DCE57-3C8C-0A46-B1F6-81A4F8946310}" dt="2022-06-02T23:54:00.223" v="31" actId="20577"/>
-        <pc:sldMkLst>
-          <pc:docMk/>
-          <pc:sldMk cId="2612494020" sldId="260"/>
-        </pc:sldMkLst>
-        <pc:spChg chg="mod">
-          <ac:chgData name="André Pontes Sampaio" userId="0eaa375e-b457-47d7-9870-519e14bb9e31" providerId="ADAL" clId="{BA4DCE57-3C8C-0A46-B1F6-81A4F8946310}" dt="2022-06-02T23:54:00.223" v="31" actId="20577"/>
-          <ac:spMkLst>
-            <pc:docMk/>
-            <pc:sldMk cId="2612494020" sldId="260"/>
-            <ac:spMk id="9" creationId="{84DC1B38-1F09-B74F-BA39-59B80008A055}"/>
-          </ac:spMkLst>
-        </pc:spChg>
-      </pc:sldChg>
-    </pc:docChg>
-  </pc:docChgLst>
-  <pc:docChgLst>
-    <pc:chgData name="André Pontes Sampaio" userId="0eaa375e-b457-47d7-9870-519e14bb9e31" providerId="ADAL" clId="{5DFBB1C9-B735-A44E-ACBA-D46E37D22DBB}"/>
-    <pc:docChg chg="undo custSel addSld modSld sldOrd">
-      <pc:chgData name="André Pontes Sampaio" userId="0eaa375e-b457-47d7-9870-519e14bb9e31" providerId="ADAL" clId="{5DFBB1C9-B735-A44E-ACBA-D46E37D22DBB}" dt="2021-08-04T16:55:42.370" v="398" actId="20578"/>
-      <pc:docMkLst>
-        <pc:docMk/>
-      </pc:docMkLst>
-      <pc:sldChg chg="modSp mod ord">
-        <pc:chgData name="André Pontes Sampaio" userId="0eaa375e-b457-47d7-9870-519e14bb9e31" providerId="ADAL" clId="{5DFBB1C9-B735-A44E-ACBA-D46E37D22DBB}" dt="2021-08-04T16:55:42.370" v="398" actId="20578"/>
-        <pc:sldMkLst>
-          <pc:docMk/>
-          <pc:sldMk cId="2612494020" sldId="260"/>
-        </pc:sldMkLst>
-        <pc:spChg chg="mod">
-          <ac:chgData name="André Pontes Sampaio" userId="0eaa375e-b457-47d7-9870-519e14bb9e31" providerId="ADAL" clId="{5DFBB1C9-B735-A44E-ACBA-D46E37D22DBB}" dt="2021-08-04T16:35:20.832" v="216" actId="20577"/>
-          <ac:spMkLst>
-            <pc:docMk/>
-            <pc:sldMk cId="2612494020" sldId="260"/>
-            <ac:spMk id="9" creationId="{84DC1B38-1F09-B74F-BA39-59B80008A055}"/>
-          </ac:spMkLst>
-        </pc:spChg>
-      </pc:sldChg>
-      <pc:sldChg chg="addSp delSp modSp add mod">
-        <pc:chgData name="André Pontes Sampaio" userId="0eaa375e-b457-47d7-9870-519e14bb9e31" providerId="ADAL" clId="{5DFBB1C9-B735-A44E-ACBA-D46E37D22DBB}" dt="2021-08-04T16:47:42.222" v="384" actId="20577"/>
-        <pc:sldMkLst>
-          <pc:docMk/>
-          <pc:sldMk cId="3223938091" sldId="391"/>
-        </pc:sldMkLst>
-        <pc:spChg chg="add del mod">
-          <ac:chgData name="André Pontes Sampaio" userId="0eaa375e-b457-47d7-9870-519e14bb9e31" providerId="ADAL" clId="{5DFBB1C9-B735-A44E-ACBA-D46E37D22DBB}" dt="2021-08-04T16:39:37.373" v="351" actId="1076"/>
-          <ac:spMkLst>
-            <pc:docMk/>
-            <pc:sldMk cId="3223938091" sldId="391"/>
-            <ac:spMk id="2" creationId="{27D7A92F-E430-7649-B712-FB55052CA236}"/>
-          </ac:spMkLst>
-        </pc:spChg>
-        <pc:spChg chg="mod">
-          <ac:chgData name="André Pontes Sampaio" userId="0eaa375e-b457-47d7-9870-519e14bb9e31" providerId="ADAL" clId="{5DFBB1C9-B735-A44E-ACBA-D46E37D22DBB}" dt="2021-08-04T16:38:29.864" v="336" actId="20577"/>
-          <ac:spMkLst>
-            <pc:docMk/>
-            <pc:sldMk cId="3223938091" sldId="391"/>
-            <ac:spMk id="3" creationId="{401AEE7C-7401-45EF-9BD2-05F337644C25}"/>
-          </ac:spMkLst>
-        </pc:spChg>
-        <pc:spChg chg="add mod">
-          <ac:chgData name="André Pontes Sampaio" userId="0eaa375e-b457-47d7-9870-519e14bb9e31" providerId="ADAL" clId="{5DFBB1C9-B735-A44E-ACBA-D46E37D22DBB}" dt="2021-08-04T16:33:07.050" v="41" actId="20577"/>
-          <ac:spMkLst>
-            <pc:docMk/>
-            <pc:sldMk cId="3223938091" sldId="391"/>
-            <ac:spMk id="4" creationId="{3899E32C-DE80-114D-BF0A-FB6947E4E8A1}"/>
-          </ac:spMkLst>
-        </pc:spChg>
-        <pc:spChg chg="mod">
-          <ac:chgData name="André Pontes Sampaio" userId="0eaa375e-b457-47d7-9870-519e14bb9e31" providerId="ADAL" clId="{5DFBB1C9-B735-A44E-ACBA-D46E37D22DBB}" dt="2021-08-04T16:47:42.222" v="384" actId="20577"/>
-          <ac:spMkLst>
-            <pc:docMk/>
-            <pc:sldMk cId="3223938091" sldId="391"/>
-            <ac:spMk id="171" creationId="{00000000-0000-0000-0000-000000000000}"/>
-          </ac:spMkLst>
-        </pc:spChg>
-      </pc:sldChg>
-      <pc:sldChg chg="modSp mod">
-        <pc:chgData name="André Pontes Sampaio" userId="0eaa375e-b457-47d7-9870-519e14bb9e31" providerId="ADAL" clId="{5DFBB1C9-B735-A44E-ACBA-D46E37D22DBB}" dt="2021-08-04T16:54:12.939" v="397" actId="20577"/>
-        <pc:sldMkLst>
-          <pc:docMk/>
-          <pc:sldMk cId="436659116" sldId="618"/>
-        </pc:sldMkLst>
-        <pc:graphicFrameChg chg="modGraphic">
-          <ac:chgData name="André Pontes Sampaio" userId="0eaa375e-b457-47d7-9870-519e14bb9e31" providerId="ADAL" clId="{5DFBB1C9-B735-A44E-ACBA-D46E37D22DBB}" dt="2021-08-04T16:54:12.939" v="397" actId="20577"/>
-          <ac:graphicFrameMkLst>
-            <pc:docMk/>
-            <pc:sldMk cId="436659116" sldId="618"/>
-            <ac:graphicFrameMk id="9" creationId="{FE5B8DBD-E72B-244A-BE76-6CA67CAE2465}"/>
-          </ac:graphicFrameMkLst>
-        </pc:graphicFrameChg>
-      </pc:sldChg>
-      <pc:sldChg chg="addSp delSp modSp mod">
-        <pc:chgData name="André Pontes Sampaio" userId="0eaa375e-b457-47d7-9870-519e14bb9e31" providerId="ADAL" clId="{5DFBB1C9-B735-A44E-ACBA-D46E37D22DBB}" dt="2021-08-04T16:46:53.571" v="383"/>
-        <pc:sldMkLst>
-          <pc:docMk/>
-          <pc:sldMk cId="139236812" sldId="619"/>
-        </pc:sldMkLst>
-        <pc:spChg chg="del">
-          <ac:chgData name="André Pontes Sampaio" userId="0eaa375e-b457-47d7-9870-519e14bb9e31" providerId="ADAL" clId="{5DFBB1C9-B735-A44E-ACBA-D46E37D22DBB}" dt="2021-08-04T16:42:08.273" v="372" actId="478"/>
-          <ac:spMkLst>
-            <pc:docMk/>
-            <pc:sldMk cId="139236812" sldId="619"/>
-            <ac:spMk id="12" creationId="{E466F3E9-B0A4-E44D-AFFF-7752D3549FA7}"/>
-          </ac:spMkLst>
-        </pc:spChg>
-        <pc:spChg chg="add mod">
-          <ac:chgData name="André Pontes Sampaio" userId="0eaa375e-b457-47d7-9870-519e14bb9e31" providerId="ADAL" clId="{5DFBB1C9-B735-A44E-ACBA-D46E37D22DBB}" dt="2021-08-04T16:42:28.819" v="381" actId="1076"/>
-          <ac:spMkLst>
-            <pc:docMk/>
-            <pc:sldMk cId="139236812" sldId="619"/>
-            <ac:spMk id="15" creationId="{EDC7731D-C98B-CB4C-8060-C9BB8FEAD229}"/>
-          </ac:spMkLst>
-        </pc:spChg>
-        <pc:graphicFrameChg chg="mod modGraphic">
-          <ac:chgData name="André Pontes Sampaio" userId="0eaa375e-b457-47d7-9870-519e14bb9e31" providerId="ADAL" clId="{5DFBB1C9-B735-A44E-ACBA-D46E37D22DBB}" dt="2021-08-04T16:46:53.571" v="383"/>
-          <ac:graphicFrameMkLst>
-            <pc:docMk/>
-            <pc:sldMk cId="139236812" sldId="619"/>
-            <ac:graphicFrameMk id="11" creationId="{8E9EED7D-971A-C54C-9E3E-13D53DBE0DA1}"/>
-          </ac:graphicFrameMkLst>
-        </pc:graphicFrameChg>
-      </pc:sldChg>
-    </pc:docChg>
-  </pc:docChgLst>
-</pc:chgInfo>
 </file>
 
 <file path=ppt/notesMasters/notesMaster1.xml><?xml version="1.0" encoding="utf-8"?>
@@ -351,7 +197,6 @@
           <a:p>
             <a:fld id="{288CB831-621B-B447-BA05-33BBB51106E9}" type="datetimeFigureOut">
               <a:rPr lang="en-US" smtClean="0"/>
-              <a:t>6/2/22</a:t>
             </a:fld>
             <a:endParaRPr lang="en-US"/>
           </a:p>
@@ -418,6 +263,7 @@
               <a:rPr lang="en-US"/>
               <a:t>Click to edit Master text styles</a:t>
             </a:r>
+            <a:endParaRPr lang="en-US"/>
           </a:p>
           <a:p>
             <a:pPr lvl="1"/>
@@ -425,6 +271,7 @@
               <a:rPr lang="en-US"/>
               <a:t>Second level</a:t>
             </a:r>
+            <a:endParaRPr lang="en-US"/>
           </a:p>
           <a:p>
             <a:pPr lvl="2"/>
@@ -432,6 +279,7 @@
               <a:rPr lang="en-US"/>
               <a:t>Third level</a:t>
             </a:r>
+            <a:endParaRPr lang="en-US"/>
           </a:p>
           <a:p>
             <a:pPr lvl="3"/>
@@ -439,6 +287,7 @@
               <a:rPr lang="en-US"/>
               <a:t>Fourth level</a:t>
             </a:r>
+            <a:endParaRPr lang="en-US"/>
           </a:p>
           <a:p>
             <a:pPr lvl="4"/>
@@ -446,6 +295,7 @@
               <a:rPr lang="en-US"/>
               <a:t>Fifth level</a:t>
             </a:r>
+            <a:endParaRPr lang="en-US"/>
           </a:p>
         </p:txBody>
       </p:sp>
@@ -509,22 +359,16 @@
           <a:p>
             <a:fld id="{BAD8AFF9-521A-A140-89FE-20F54EFA29C0}" type="slidenum">
               <a:rPr lang="en-US" smtClean="0"/>
-              <a:t>‹nº›</a:t>
             </a:fld>
             <a:endParaRPr lang="en-US"/>
           </a:p>
         </p:txBody>
       </p:sp>
     </p:spTree>
-    <p:extLst>
-      <p:ext uri="{BB962C8B-B14F-4D97-AF65-F5344CB8AC3E}">
-        <p14:creationId xmlns:p14="http://schemas.microsoft.com/office/powerpoint/2010/main" val="357931671"/>
-      </p:ext>
-    </p:extLst>
   </p:cSld>
   <p:clrMap bg1="lt1" tx1="dk1" bg2="lt2" tx2="dk2" accent1="accent1" accent2="accent2" accent3="accent3" accent4="accent4" accent5="accent5" accent6="accent6" hlink="hlink" folHlink="folHlink"/>
   <p:notesStyle>
-    <a:lvl1pPr marL="0" algn="l" defTabSz="342761" rtl="0" eaLnBrk="1" latinLnBrk="0" hangingPunct="1">
+    <a:lvl1pPr marL="0" algn="l" defTabSz="342900" rtl="0" eaLnBrk="1" latinLnBrk="0" hangingPunct="1">
       <a:defRPr sz="900" kern="1200">
         <a:solidFill>
           <a:schemeClr val="tx1"/>
@@ -534,7 +378,7 @@
         <a:cs typeface="+mn-cs"/>
       </a:defRPr>
     </a:lvl1pPr>
-    <a:lvl2pPr marL="342761" algn="l" defTabSz="342761" rtl="0" eaLnBrk="1" latinLnBrk="0" hangingPunct="1">
+    <a:lvl2pPr marL="342900" algn="l" defTabSz="342900" rtl="0" eaLnBrk="1" latinLnBrk="0" hangingPunct="1">
       <a:defRPr sz="900" kern="1200">
         <a:solidFill>
           <a:schemeClr val="tx1"/>
@@ -544,7 +388,7 @@
         <a:cs typeface="+mn-cs"/>
       </a:defRPr>
     </a:lvl2pPr>
-    <a:lvl3pPr marL="685525" algn="l" defTabSz="342761" rtl="0" eaLnBrk="1" latinLnBrk="0" hangingPunct="1">
+    <a:lvl3pPr marL="685800" algn="l" defTabSz="342900" rtl="0" eaLnBrk="1" latinLnBrk="0" hangingPunct="1">
       <a:defRPr sz="900" kern="1200">
         <a:solidFill>
           <a:schemeClr val="tx1"/>
@@ -554,7 +398,7 @@
         <a:cs typeface="+mn-cs"/>
       </a:defRPr>
     </a:lvl3pPr>
-    <a:lvl4pPr marL="1028287" algn="l" defTabSz="342761" rtl="0" eaLnBrk="1" latinLnBrk="0" hangingPunct="1">
+    <a:lvl4pPr marL="1028065" algn="l" defTabSz="342900" rtl="0" eaLnBrk="1" latinLnBrk="0" hangingPunct="1">
       <a:defRPr sz="900" kern="1200">
         <a:solidFill>
           <a:schemeClr val="tx1"/>
@@ -564,7 +408,7 @@
         <a:cs typeface="+mn-cs"/>
       </a:defRPr>
     </a:lvl4pPr>
-    <a:lvl5pPr marL="1371051" algn="l" defTabSz="342761" rtl="0" eaLnBrk="1" latinLnBrk="0" hangingPunct="1">
+    <a:lvl5pPr marL="1370965" algn="l" defTabSz="342900" rtl="0" eaLnBrk="1" latinLnBrk="0" hangingPunct="1">
       <a:defRPr sz="900" kern="1200">
         <a:solidFill>
           <a:schemeClr val="tx1"/>
@@ -574,7 +418,7 @@
         <a:cs typeface="+mn-cs"/>
       </a:defRPr>
     </a:lvl5pPr>
-    <a:lvl6pPr marL="1713812" algn="l" defTabSz="342761" rtl="0" eaLnBrk="1" latinLnBrk="0" hangingPunct="1">
+    <a:lvl6pPr marL="1713865" algn="l" defTabSz="342900" rtl="0" eaLnBrk="1" latinLnBrk="0" hangingPunct="1">
       <a:defRPr sz="900" kern="1200">
         <a:solidFill>
           <a:schemeClr val="tx1"/>
@@ -584,7 +428,7 @@
         <a:cs typeface="+mn-cs"/>
       </a:defRPr>
     </a:lvl6pPr>
-    <a:lvl7pPr marL="2056576" algn="l" defTabSz="342761" rtl="0" eaLnBrk="1" latinLnBrk="0" hangingPunct="1">
+    <a:lvl7pPr marL="2056765" algn="l" defTabSz="342900" rtl="0" eaLnBrk="1" latinLnBrk="0" hangingPunct="1">
       <a:defRPr sz="900" kern="1200">
         <a:solidFill>
           <a:schemeClr val="tx1"/>
@@ -594,7 +438,7 @@
         <a:cs typeface="+mn-cs"/>
       </a:defRPr>
     </a:lvl7pPr>
-    <a:lvl8pPr marL="2399339" algn="l" defTabSz="342761" rtl="0" eaLnBrk="1" latinLnBrk="0" hangingPunct="1">
+    <a:lvl8pPr marL="2399030" algn="l" defTabSz="342900" rtl="0" eaLnBrk="1" latinLnBrk="0" hangingPunct="1">
       <a:defRPr sz="900" kern="1200">
         <a:solidFill>
           <a:schemeClr val="tx1"/>
@@ -604,7 +448,7 @@
         <a:cs typeface="+mn-cs"/>
       </a:defRPr>
     </a:lvl8pPr>
-    <a:lvl9pPr marL="2742102" algn="l" defTabSz="342761" rtl="0" eaLnBrk="1" latinLnBrk="0" hangingPunct="1">
+    <a:lvl9pPr marL="2741930" algn="l" defTabSz="342900" rtl="0" eaLnBrk="1" latinLnBrk="0" hangingPunct="1">
       <a:defRPr sz="900" kern="1200">
         <a:solidFill>
           <a:schemeClr val="tx1"/>
@@ -619,7 +463,7 @@
 </file>
 
 <file path=ppt/notesSlides/notesSlide1.xml><?xml version="1.0" encoding="utf-8"?>
-<p:notes xmlns:a="http://schemas.openxmlformats.org/drawingml/2006/main" xmlns:r="http://schemas.openxmlformats.org/officeDocument/2006/relationships" xmlns:p="http://schemas.openxmlformats.org/presentationml/2006/main" showMasterSp="0" showMasterPhAnim="0">
+<p:notes xmlns:a="http://schemas.openxmlformats.org/drawingml/2006/main" xmlns:r="http://schemas.openxmlformats.org/officeDocument/2006/relationships" xmlns:p="http://schemas.openxmlformats.org/presentationml/2006/main" showMasterPhAnim="0" showMasterSp="0">
   <p:cSld>
     <p:spTree>
       <p:nvGrpSpPr>
@@ -669,7 +513,6 @@
               </a:spcAft>
               <a:buNone/>
             </a:pPr>
-            <a:endParaRPr/>
           </a:p>
         </p:txBody>
       </p:sp>
@@ -715,11 +558,6 @@
         </p:spPr>
       </p:sp>
     </p:spTree>
-    <p:extLst>
-      <p:ext uri="{BB962C8B-B14F-4D97-AF65-F5344CB8AC3E}">
-        <p14:creationId xmlns:p14="http://schemas.microsoft.com/office/powerpoint/2010/main" val="1375065429"/>
-      </p:ext>
-    </p:extLst>
   </p:cSld>
   <p:clrMapOvr>
     <a:masterClrMapping/>
@@ -728,7 +566,7 @@
 </file>
 
 <file path=ppt/notesSlides/notesSlide2.xml><?xml version="1.0" encoding="utf-8"?>
-<p:notes xmlns:a="http://schemas.openxmlformats.org/drawingml/2006/main" xmlns:r="http://schemas.openxmlformats.org/officeDocument/2006/relationships" xmlns:p="http://schemas.openxmlformats.org/presentationml/2006/main" showMasterSp="0" showMasterPhAnim="0">
+<p:notes xmlns:a="http://schemas.openxmlformats.org/drawingml/2006/main" xmlns:r="http://schemas.openxmlformats.org/officeDocument/2006/relationships" xmlns:p="http://schemas.openxmlformats.org/presentationml/2006/main" showMasterPhAnim="0" showMasterSp="0">
   <p:cSld>
     <p:spTree>
       <p:nvGrpSpPr>
@@ -824,11 +662,6 @@
         </p:spPr>
       </p:sp>
     </p:spTree>
-    <p:extLst>
-      <p:ext uri="{BB962C8B-B14F-4D97-AF65-F5344CB8AC3E}">
-        <p14:creationId xmlns:p14="http://schemas.microsoft.com/office/powerpoint/2010/main" val="1319363289"/>
-      </p:ext>
-    </p:extLst>
   </p:cSld>
   <p:clrMapOvr>
     <a:masterClrMapping/>
@@ -916,7 +749,7 @@
                 </a:solidFill>
               </a:defRPr>
             </a:lvl1pPr>
-            <a:lvl2pPr marL="342715" indent="0" algn="ctr">
+            <a:lvl2pPr marL="342900" indent="0" algn="ctr">
               <a:buNone/>
               <a:defRPr>
                 <a:solidFill>
@@ -926,7 +759,7 @@
                 </a:solidFill>
               </a:defRPr>
             </a:lvl2pPr>
-            <a:lvl3pPr marL="685434" indent="0" algn="ctr">
+            <a:lvl3pPr marL="685165" indent="0" algn="ctr">
               <a:buNone/>
               <a:defRPr>
                 <a:solidFill>
@@ -936,7 +769,7 @@
                 </a:solidFill>
               </a:defRPr>
             </a:lvl3pPr>
-            <a:lvl4pPr marL="1028150" indent="0" algn="ctr">
+            <a:lvl4pPr marL="1028065" indent="0" algn="ctr">
               <a:buNone/>
               <a:defRPr>
                 <a:solidFill>
@@ -946,7 +779,7 @@
                 </a:solidFill>
               </a:defRPr>
             </a:lvl4pPr>
-            <a:lvl5pPr marL="1370868" indent="0" algn="ctr">
+            <a:lvl5pPr marL="1370965" indent="0" algn="ctr">
               <a:buNone/>
               <a:defRPr>
                 <a:solidFill>
@@ -956,7 +789,7 @@
                 </a:solidFill>
               </a:defRPr>
             </a:lvl5pPr>
-            <a:lvl6pPr marL="1713584" indent="0" algn="ctr">
+            <a:lvl6pPr marL="1713865" indent="0" algn="ctr">
               <a:buNone/>
               <a:defRPr>
                 <a:solidFill>
@@ -966,7 +799,7 @@
                 </a:solidFill>
               </a:defRPr>
             </a:lvl6pPr>
-            <a:lvl7pPr marL="2056301" indent="0" algn="ctr">
+            <a:lvl7pPr marL="2056130" indent="0" algn="ctr">
               <a:buNone/>
               <a:defRPr>
                 <a:solidFill>
@@ -976,7 +809,7 @@
                 </a:solidFill>
               </a:defRPr>
             </a:lvl7pPr>
-            <a:lvl8pPr marL="2399019" indent="0" algn="ctr">
+            <a:lvl8pPr marL="2399030" indent="0" algn="ctr">
               <a:buNone/>
               <a:defRPr>
                 <a:solidFill>
@@ -986,7 +819,7 @@
                 </a:solidFill>
               </a:defRPr>
             </a:lvl8pPr>
-            <a:lvl9pPr marL="2741736" indent="0" algn="ctr">
+            <a:lvl9pPr marL="2741930" indent="0" algn="ctr">
               <a:buNone/>
               <a:defRPr>
                 <a:solidFill>
@@ -1031,7 +864,6 @@
           <a:p>
             <a:fld id="{08B874B1-D9C3-694D-A4DA-18092E26C5F8}" type="datetimeFigureOut">
               <a:rPr lang="en-US" smtClean="0"/>
-              <a:t>6/2/22</a:t>
             </a:fld>
             <a:endParaRPr lang="en-US"/>
           </a:p>
@@ -1089,18 +921,12 @@
           <a:p>
             <a:fld id="{3B555A39-F4FC-2F4C-BCD2-8F8E6BD40159}" type="slidenum">
               <a:rPr lang="en-US" smtClean="0"/>
-              <a:t>‹nº›</a:t>
             </a:fld>
             <a:endParaRPr lang="en-US"/>
           </a:p>
         </p:txBody>
       </p:sp>
     </p:spTree>
-    <p:extLst>
-      <p:ext uri="{BB962C8B-B14F-4D97-AF65-F5344CB8AC3E}">
-        <p14:creationId xmlns:p14="http://schemas.microsoft.com/office/powerpoint/2010/main" val="2838230770"/>
-      </p:ext>
-    </p:extLst>
   </p:cSld>
   <p:clrMapOvr>
     <a:masterClrMapping/>
@@ -1184,6 +1010,7 @@
               <a:rPr lang="x-none"/>
               <a:t>Click to edit Master text styles</a:t>
             </a:r>
+            <a:endParaRPr lang="x-none"/>
           </a:p>
           <a:p>
             <a:pPr lvl="1"/>
@@ -1191,6 +1018,7 @@
               <a:rPr lang="x-none"/>
               <a:t>Second level</a:t>
             </a:r>
+            <a:endParaRPr lang="x-none"/>
           </a:p>
           <a:p>
             <a:pPr lvl="2"/>
@@ -1198,6 +1026,7 @@
               <a:rPr lang="x-none"/>
               <a:t>Third level</a:t>
             </a:r>
+            <a:endParaRPr lang="x-none"/>
           </a:p>
           <a:p>
             <a:pPr lvl="3"/>
@@ -1205,6 +1034,7 @@
               <a:rPr lang="x-none"/>
               <a:t>Fourth level</a:t>
             </a:r>
+            <a:endParaRPr lang="x-none"/>
           </a:p>
           <a:p>
             <a:pPr lvl="4"/>
@@ -1241,7 +1071,6 @@
           <a:p>
             <a:fld id="{08B874B1-D9C3-694D-A4DA-18092E26C5F8}" type="datetimeFigureOut">
               <a:rPr lang="en-US" smtClean="0"/>
-              <a:t>6/2/22</a:t>
             </a:fld>
             <a:endParaRPr lang="en-US"/>
           </a:p>
@@ -1299,18 +1128,12 @@
           <a:p>
             <a:fld id="{3B555A39-F4FC-2F4C-BCD2-8F8E6BD40159}" type="slidenum">
               <a:rPr lang="en-US" smtClean="0"/>
-              <a:t>‹nº›</a:t>
             </a:fld>
             <a:endParaRPr lang="en-US"/>
           </a:p>
         </p:txBody>
       </p:sp>
     </p:spTree>
-    <p:extLst>
-      <p:ext uri="{BB962C8B-B14F-4D97-AF65-F5344CB8AC3E}">
-        <p14:creationId xmlns:p14="http://schemas.microsoft.com/office/powerpoint/2010/main" val="229839270"/>
-      </p:ext>
-    </p:extLst>
   </p:cSld>
   <p:clrMapOvr>
     <a:masterClrMapping/>
@@ -1394,6 +1217,7 @@
               <a:rPr lang="x-none"/>
               <a:t>Click to edit Master text styles</a:t>
             </a:r>
+            <a:endParaRPr lang="x-none"/>
           </a:p>
           <a:p>
             <a:pPr lvl="1"/>
@@ -1401,6 +1225,7 @@
               <a:rPr lang="x-none"/>
               <a:t>Second level</a:t>
             </a:r>
+            <a:endParaRPr lang="x-none"/>
           </a:p>
           <a:p>
             <a:pPr lvl="2"/>
@@ -1408,6 +1233,7 @@
               <a:rPr lang="x-none"/>
               <a:t>Third level</a:t>
             </a:r>
+            <a:endParaRPr lang="x-none"/>
           </a:p>
           <a:p>
             <a:pPr lvl="3"/>
@@ -1415,6 +1241,7 @@
               <a:rPr lang="x-none"/>
               <a:t>Fourth level</a:t>
             </a:r>
+            <a:endParaRPr lang="x-none"/>
           </a:p>
           <a:p>
             <a:pPr lvl="4"/>
@@ -1451,7 +1278,6 @@
           <a:p>
             <a:fld id="{08B874B1-D9C3-694D-A4DA-18092E26C5F8}" type="datetimeFigureOut">
               <a:rPr lang="en-US" smtClean="0"/>
-              <a:t>6/2/22</a:t>
             </a:fld>
             <a:endParaRPr lang="en-US"/>
           </a:p>
@@ -1509,18 +1335,12 @@
           <a:p>
             <a:fld id="{3B555A39-F4FC-2F4C-BCD2-8F8E6BD40159}" type="slidenum">
               <a:rPr lang="en-US" smtClean="0"/>
-              <a:t>‹nº›</a:t>
             </a:fld>
             <a:endParaRPr lang="en-US"/>
           </a:p>
         </p:txBody>
       </p:sp>
     </p:spTree>
-    <p:extLst>
-      <p:ext uri="{BB962C8B-B14F-4D97-AF65-F5344CB8AC3E}">
-        <p14:creationId xmlns:p14="http://schemas.microsoft.com/office/powerpoint/2010/main" val="4052369133"/>
-      </p:ext>
-    </p:extLst>
   </p:cSld>
   <p:clrMapOvr>
     <a:masterClrMapping/>
@@ -1582,16 +1402,16 @@
                 <a:schemeClr val="lt1"/>
               </a:buClr>
               <a:buSzPts val="2000"/>
-              <a:buFont typeface="Arial"/>
+              <a:buFont typeface="Arial" panose="020B0604020202020204"/>
               <a:buNone/>
               <a:defRPr sz="1500" b="1" i="0" u="none" strike="noStrike" cap="none">
                 <a:solidFill>
                   <a:schemeClr val="lt1"/>
                 </a:solidFill>
-                <a:latin typeface="Arial"/>
-                <a:ea typeface="Arial"/>
-                <a:cs typeface="Arial"/>
-                <a:sym typeface="Arial"/>
+                <a:latin typeface="Arial" panose="020B0604020202020204"/>
+                <a:ea typeface="Arial" panose="020B0604020202020204"/>
+                <a:cs typeface="Arial" panose="020B0604020202020204"/>
+                <a:sym typeface="Arial" panose="020B0604020202020204"/>
               </a:defRPr>
             </a:lvl1pPr>
             <a:lvl2pPr marL="685800" marR="0" lvl="1" indent="-304800" algn="l" rtl="0">
@@ -1605,16 +1425,16 @@
                 <a:schemeClr val="dk1"/>
               </a:buClr>
               <a:buSzPts val="2800"/>
-              <a:buFont typeface="Arial"/>
+              <a:buFont typeface="Arial" panose="020B0604020202020204"/>
               <a:buChar char="–"/>
               <a:defRPr sz="2100" b="0" i="0" u="none" strike="noStrike" cap="none">
                 <a:solidFill>
                   <a:schemeClr val="dk1"/>
                 </a:solidFill>
-                <a:latin typeface="Calibri"/>
-                <a:ea typeface="Calibri"/>
-                <a:cs typeface="Calibri"/>
-                <a:sym typeface="Calibri"/>
+                <a:latin typeface="Calibri" panose="020F0502020204030204"/>
+                <a:ea typeface="Calibri" panose="020F0502020204030204"/>
+                <a:cs typeface="Calibri" panose="020F0502020204030204"/>
+                <a:sym typeface="Calibri" panose="020F0502020204030204"/>
               </a:defRPr>
             </a:lvl2pPr>
             <a:lvl3pPr marL="1028700" marR="0" lvl="2" indent="-285750" algn="l" rtl="0">
@@ -1628,16 +1448,16 @@
                 <a:schemeClr val="dk1"/>
               </a:buClr>
               <a:buSzPts val="2400"/>
-              <a:buFont typeface="Arial"/>
+              <a:buFont typeface="Arial" panose="020B0604020202020204"/>
               <a:buChar char="•"/>
               <a:defRPr sz="1800" b="0" i="0" u="none" strike="noStrike" cap="none">
                 <a:solidFill>
                   <a:schemeClr val="dk1"/>
                 </a:solidFill>
-                <a:latin typeface="Calibri"/>
-                <a:ea typeface="Calibri"/>
-                <a:cs typeface="Calibri"/>
-                <a:sym typeface="Calibri"/>
+                <a:latin typeface="Calibri" panose="020F0502020204030204"/>
+                <a:ea typeface="Calibri" panose="020F0502020204030204"/>
+                <a:cs typeface="Calibri" panose="020F0502020204030204"/>
+                <a:sym typeface="Calibri" panose="020F0502020204030204"/>
               </a:defRPr>
             </a:lvl3pPr>
             <a:lvl4pPr marL="1371600" marR="0" lvl="3" indent="-266700" algn="l" rtl="0">
@@ -1651,16 +1471,16 @@
                 <a:schemeClr val="dk1"/>
               </a:buClr>
               <a:buSzPts val="2000"/>
-              <a:buFont typeface="Arial"/>
+              <a:buFont typeface="Arial" panose="020B0604020202020204"/>
               <a:buChar char="–"/>
               <a:defRPr sz="1500" b="0" i="0" u="none" strike="noStrike" cap="none">
                 <a:solidFill>
                   <a:schemeClr val="dk1"/>
                 </a:solidFill>
-                <a:latin typeface="Calibri"/>
-                <a:ea typeface="Calibri"/>
-                <a:cs typeface="Calibri"/>
-                <a:sym typeface="Calibri"/>
+                <a:latin typeface="Calibri" panose="020F0502020204030204"/>
+                <a:ea typeface="Calibri" panose="020F0502020204030204"/>
+                <a:cs typeface="Calibri" panose="020F0502020204030204"/>
+                <a:sym typeface="Calibri" panose="020F0502020204030204"/>
               </a:defRPr>
             </a:lvl4pPr>
             <a:lvl5pPr marL="1714500" marR="0" lvl="4" indent="-266700" algn="l" rtl="0">
@@ -1674,16 +1494,16 @@
                 <a:schemeClr val="dk1"/>
               </a:buClr>
               <a:buSzPts val="2000"/>
-              <a:buFont typeface="Arial"/>
+              <a:buFont typeface="Arial" panose="020B0604020202020204"/>
               <a:buChar char="»"/>
               <a:defRPr sz="1500" b="0" i="0" u="none" strike="noStrike" cap="none">
                 <a:solidFill>
                   <a:schemeClr val="dk1"/>
                 </a:solidFill>
-                <a:latin typeface="Calibri"/>
-                <a:ea typeface="Calibri"/>
-                <a:cs typeface="Calibri"/>
-                <a:sym typeface="Calibri"/>
+                <a:latin typeface="Calibri" panose="020F0502020204030204"/>
+                <a:ea typeface="Calibri" panose="020F0502020204030204"/>
+                <a:cs typeface="Calibri" panose="020F0502020204030204"/>
+                <a:sym typeface="Calibri" panose="020F0502020204030204"/>
               </a:defRPr>
             </a:lvl5pPr>
             <a:lvl6pPr marL="2057400" marR="0" lvl="5" indent="-266700" algn="l" rtl="0">
@@ -1697,16 +1517,16 @@
                 <a:schemeClr val="dk1"/>
               </a:buClr>
               <a:buSzPts val="2000"/>
-              <a:buFont typeface="Arial"/>
+              <a:buFont typeface="Arial" panose="020B0604020202020204"/>
               <a:buChar char="•"/>
               <a:defRPr sz="1500" b="0" i="0" u="none" strike="noStrike" cap="none">
                 <a:solidFill>
                   <a:schemeClr val="dk1"/>
                 </a:solidFill>
-                <a:latin typeface="Calibri"/>
-                <a:ea typeface="Calibri"/>
-                <a:cs typeface="Calibri"/>
-                <a:sym typeface="Calibri"/>
+                <a:latin typeface="Calibri" panose="020F0502020204030204"/>
+                <a:ea typeface="Calibri" panose="020F0502020204030204"/>
+                <a:cs typeface="Calibri" panose="020F0502020204030204"/>
+                <a:sym typeface="Calibri" panose="020F0502020204030204"/>
               </a:defRPr>
             </a:lvl6pPr>
             <a:lvl7pPr marL="2400300" marR="0" lvl="6" indent="-266700" algn="l" rtl="0">
@@ -1720,16 +1540,16 @@
                 <a:schemeClr val="dk1"/>
               </a:buClr>
               <a:buSzPts val="2000"/>
-              <a:buFont typeface="Arial"/>
+              <a:buFont typeface="Arial" panose="020B0604020202020204"/>
               <a:buChar char="•"/>
               <a:defRPr sz="1500" b="0" i="0" u="none" strike="noStrike" cap="none">
                 <a:solidFill>
                   <a:schemeClr val="dk1"/>
                 </a:solidFill>
-                <a:latin typeface="Calibri"/>
-                <a:ea typeface="Calibri"/>
-                <a:cs typeface="Calibri"/>
-                <a:sym typeface="Calibri"/>
+                <a:latin typeface="Calibri" panose="020F0502020204030204"/>
+                <a:ea typeface="Calibri" panose="020F0502020204030204"/>
+                <a:cs typeface="Calibri" panose="020F0502020204030204"/>
+                <a:sym typeface="Calibri" panose="020F0502020204030204"/>
               </a:defRPr>
             </a:lvl7pPr>
             <a:lvl8pPr marL="2743200" marR="0" lvl="7" indent="-266700" algn="l" rtl="0">
@@ -1743,16 +1563,16 @@
                 <a:schemeClr val="dk1"/>
               </a:buClr>
               <a:buSzPts val="2000"/>
-              <a:buFont typeface="Arial"/>
+              <a:buFont typeface="Arial" panose="020B0604020202020204"/>
               <a:buChar char="•"/>
               <a:defRPr sz="1500" b="0" i="0" u="none" strike="noStrike" cap="none">
                 <a:solidFill>
                   <a:schemeClr val="dk1"/>
                 </a:solidFill>
-                <a:latin typeface="Calibri"/>
-                <a:ea typeface="Calibri"/>
-                <a:cs typeface="Calibri"/>
-                <a:sym typeface="Calibri"/>
+                <a:latin typeface="Calibri" panose="020F0502020204030204"/>
+                <a:ea typeface="Calibri" panose="020F0502020204030204"/>
+                <a:cs typeface="Calibri" panose="020F0502020204030204"/>
+                <a:sym typeface="Calibri" panose="020F0502020204030204"/>
               </a:defRPr>
             </a:lvl8pPr>
             <a:lvl9pPr marL="3086100" marR="0" lvl="8" indent="-266700" algn="l" rtl="0">
@@ -1766,30 +1586,23 @@
                 <a:schemeClr val="dk1"/>
               </a:buClr>
               <a:buSzPts val="2000"/>
-              <a:buFont typeface="Arial"/>
+              <a:buFont typeface="Arial" panose="020B0604020202020204"/>
               <a:buChar char="•"/>
               <a:defRPr sz="1500" b="0" i="0" u="none" strike="noStrike" cap="none">
                 <a:solidFill>
                   <a:schemeClr val="dk1"/>
                 </a:solidFill>
-                <a:latin typeface="Calibri"/>
-                <a:ea typeface="Calibri"/>
-                <a:cs typeface="Calibri"/>
-                <a:sym typeface="Calibri"/>
+                <a:latin typeface="Calibri" panose="020F0502020204030204"/>
+                <a:ea typeface="Calibri" panose="020F0502020204030204"/>
+                <a:cs typeface="Calibri" panose="020F0502020204030204"/>
+                <a:sym typeface="Calibri" panose="020F0502020204030204"/>
               </a:defRPr>
             </a:lvl9pPr>
           </a:lstStyle>
-          <a:p>
-            <a:endParaRPr/>
-          </a:p>
+          <a:p/>
         </p:txBody>
       </p:sp>
     </p:spTree>
-    <p:extLst>
-      <p:ext uri="{BB962C8B-B14F-4D97-AF65-F5344CB8AC3E}">
-        <p14:creationId xmlns:p14="http://schemas.microsoft.com/office/powerpoint/2010/main" val="4240006534"/>
-      </p:ext>
-    </p:extLst>
   </p:cSld>
   <p:clrMapOvr>
     <a:masterClrMapping/>
@@ -1851,16 +1664,16 @@
                 <a:schemeClr val="dk1"/>
               </a:buClr>
               <a:buSzPts val="2800"/>
-              <a:buFont typeface="Arial"/>
+              <a:buFont typeface="Arial" panose="020B0604020202020204"/>
               <a:buNone/>
               <a:defRPr sz="2100" b="1" i="0" u="none" strike="noStrike" cap="none">
                 <a:solidFill>
                   <a:schemeClr val="dk1"/>
                 </a:solidFill>
-                <a:latin typeface="Arial"/>
-                <a:ea typeface="Arial"/>
-                <a:cs typeface="Arial"/>
-                <a:sym typeface="Arial"/>
+                <a:latin typeface="Arial" panose="020B0604020202020204"/>
+                <a:ea typeface="Arial" panose="020B0604020202020204"/>
+                <a:cs typeface="Arial" panose="020B0604020202020204"/>
+                <a:sym typeface="Arial" panose="020B0604020202020204"/>
               </a:defRPr>
             </a:lvl1pPr>
             <a:lvl2pPr marL="685800" marR="0" lvl="1" indent="-304800" algn="l" rtl="0">
@@ -1874,16 +1687,16 @@
                 <a:schemeClr val="dk1"/>
               </a:buClr>
               <a:buSzPts val="2800"/>
-              <a:buFont typeface="Arial"/>
+              <a:buFont typeface="Arial" panose="020B0604020202020204"/>
               <a:buChar char="–"/>
               <a:defRPr sz="2100" b="0" i="0" u="none" strike="noStrike" cap="none">
                 <a:solidFill>
                   <a:schemeClr val="dk1"/>
                 </a:solidFill>
-                <a:latin typeface="Calibri"/>
-                <a:ea typeface="Calibri"/>
-                <a:cs typeface="Calibri"/>
-                <a:sym typeface="Calibri"/>
+                <a:latin typeface="Calibri" panose="020F0502020204030204"/>
+                <a:ea typeface="Calibri" panose="020F0502020204030204"/>
+                <a:cs typeface="Calibri" panose="020F0502020204030204"/>
+                <a:sym typeface="Calibri" panose="020F0502020204030204"/>
               </a:defRPr>
             </a:lvl2pPr>
             <a:lvl3pPr marL="1028700" marR="0" lvl="2" indent="-285750" algn="l" rtl="0">
@@ -1897,16 +1710,16 @@
                 <a:schemeClr val="dk1"/>
               </a:buClr>
               <a:buSzPts val="2400"/>
-              <a:buFont typeface="Arial"/>
+              <a:buFont typeface="Arial" panose="020B0604020202020204"/>
               <a:buChar char="•"/>
               <a:defRPr sz="1800" b="0" i="0" u="none" strike="noStrike" cap="none">
                 <a:solidFill>
                   <a:schemeClr val="dk1"/>
                 </a:solidFill>
-                <a:latin typeface="Calibri"/>
-                <a:ea typeface="Calibri"/>
-                <a:cs typeface="Calibri"/>
-                <a:sym typeface="Calibri"/>
+                <a:latin typeface="Calibri" panose="020F0502020204030204"/>
+                <a:ea typeface="Calibri" panose="020F0502020204030204"/>
+                <a:cs typeface="Calibri" panose="020F0502020204030204"/>
+                <a:sym typeface="Calibri" panose="020F0502020204030204"/>
               </a:defRPr>
             </a:lvl3pPr>
             <a:lvl4pPr marL="1371600" marR="0" lvl="3" indent="-266700" algn="l" rtl="0">
@@ -1920,16 +1733,16 @@
                 <a:schemeClr val="dk1"/>
               </a:buClr>
               <a:buSzPts val="2000"/>
-              <a:buFont typeface="Arial"/>
+              <a:buFont typeface="Arial" panose="020B0604020202020204"/>
               <a:buChar char="–"/>
               <a:defRPr sz="1500" b="0" i="0" u="none" strike="noStrike" cap="none">
                 <a:solidFill>
                   <a:schemeClr val="dk1"/>
                 </a:solidFill>
-                <a:latin typeface="Calibri"/>
-                <a:ea typeface="Calibri"/>
-                <a:cs typeface="Calibri"/>
-                <a:sym typeface="Calibri"/>
+                <a:latin typeface="Calibri" panose="020F0502020204030204"/>
+                <a:ea typeface="Calibri" panose="020F0502020204030204"/>
+                <a:cs typeface="Calibri" panose="020F0502020204030204"/>
+                <a:sym typeface="Calibri" panose="020F0502020204030204"/>
               </a:defRPr>
             </a:lvl4pPr>
             <a:lvl5pPr marL="1714500" marR="0" lvl="4" indent="-266700" algn="l" rtl="0">
@@ -1943,16 +1756,16 @@
                 <a:schemeClr val="dk1"/>
               </a:buClr>
               <a:buSzPts val="2000"/>
-              <a:buFont typeface="Arial"/>
+              <a:buFont typeface="Arial" panose="020B0604020202020204"/>
               <a:buChar char="»"/>
               <a:defRPr sz="1500" b="0" i="0" u="none" strike="noStrike" cap="none">
                 <a:solidFill>
                   <a:schemeClr val="dk1"/>
                 </a:solidFill>
-                <a:latin typeface="Calibri"/>
-                <a:ea typeface="Calibri"/>
-                <a:cs typeface="Calibri"/>
-                <a:sym typeface="Calibri"/>
+                <a:latin typeface="Calibri" panose="020F0502020204030204"/>
+                <a:ea typeface="Calibri" panose="020F0502020204030204"/>
+                <a:cs typeface="Calibri" panose="020F0502020204030204"/>
+                <a:sym typeface="Calibri" panose="020F0502020204030204"/>
               </a:defRPr>
             </a:lvl5pPr>
             <a:lvl6pPr marL="2057400" marR="0" lvl="5" indent="-266700" algn="l" rtl="0">
@@ -1966,16 +1779,16 @@
                 <a:schemeClr val="dk1"/>
               </a:buClr>
               <a:buSzPts val="2000"/>
-              <a:buFont typeface="Arial"/>
+              <a:buFont typeface="Arial" panose="020B0604020202020204"/>
               <a:buChar char="•"/>
               <a:defRPr sz="1500" b="0" i="0" u="none" strike="noStrike" cap="none">
                 <a:solidFill>
                   <a:schemeClr val="dk1"/>
                 </a:solidFill>
-                <a:latin typeface="Calibri"/>
-                <a:ea typeface="Calibri"/>
-                <a:cs typeface="Calibri"/>
-                <a:sym typeface="Calibri"/>
+                <a:latin typeface="Calibri" panose="020F0502020204030204"/>
+                <a:ea typeface="Calibri" panose="020F0502020204030204"/>
+                <a:cs typeface="Calibri" panose="020F0502020204030204"/>
+                <a:sym typeface="Calibri" panose="020F0502020204030204"/>
               </a:defRPr>
             </a:lvl6pPr>
             <a:lvl7pPr marL="2400300" marR="0" lvl="6" indent="-266700" algn="l" rtl="0">
@@ -1989,16 +1802,16 @@
                 <a:schemeClr val="dk1"/>
               </a:buClr>
               <a:buSzPts val="2000"/>
-              <a:buFont typeface="Arial"/>
+              <a:buFont typeface="Arial" panose="020B0604020202020204"/>
               <a:buChar char="•"/>
               <a:defRPr sz="1500" b="0" i="0" u="none" strike="noStrike" cap="none">
                 <a:solidFill>
                   <a:schemeClr val="dk1"/>
                 </a:solidFill>
-                <a:latin typeface="Calibri"/>
-                <a:ea typeface="Calibri"/>
-                <a:cs typeface="Calibri"/>
-                <a:sym typeface="Calibri"/>
+                <a:latin typeface="Calibri" panose="020F0502020204030204"/>
+                <a:ea typeface="Calibri" panose="020F0502020204030204"/>
+                <a:cs typeface="Calibri" panose="020F0502020204030204"/>
+                <a:sym typeface="Calibri" panose="020F0502020204030204"/>
               </a:defRPr>
             </a:lvl7pPr>
             <a:lvl8pPr marL="2743200" marR="0" lvl="7" indent="-266700" algn="l" rtl="0">
@@ -2012,16 +1825,16 @@
                 <a:schemeClr val="dk1"/>
               </a:buClr>
               <a:buSzPts val="2000"/>
-              <a:buFont typeface="Arial"/>
+              <a:buFont typeface="Arial" panose="020B0604020202020204"/>
               <a:buChar char="•"/>
               <a:defRPr sz="1500" b="0" i="0" u="none" strike="noStrike" cap="none">
                 <a:solidFill>
                   <a:schemeClr val="dk1"/>
                 </a:solidFill>
-                <a:latin typeface="Calibri"/>
-                <a:ea typeface="Calibri"/>
-                <a:cs typeface="Calibri"/>
-                <a:sym typeface="Calibri"/>
+                <a:latin typeface="Calibri" panose="020F0502020204030204"/>
+                <a:ea typeface="Calibri" panose="020F0502020204030204"/>
+                <a:cs typeface="Calibri" panose="020F0502020204030204"/>
+                <a:sym typeface="Calibri" panose="020F0502020204030204"/>
               </a:defRPr>
             </a:lvl8pPr>
             <a:lvl9pPr marL="3086100" marR="0" lvl="8" indent="-266700" algn="l" rtl="0">
@@ -2035,30 +1848,23 @@
                 <a:schemeClr val="dk1"/>
               </a:buClr>
               <a:buSzPts val="2000"/>
-              <a:buFont typeface="Arial"/>
+              <a:buFont typeface="Arial" panose="020B0604020202020204"/>
               <a:buChar char="•"/>
               <a:defRPr sz="1500" b="0" i="0" u="none" strike="noStrike" cap="none">
                 <a:solidFill>
                   <a:schemeClr val="dk1"/>
                 </a:solidFill>
-                <a:latin typeface="Calibri"/>
-                <a:ea typeface="Calibri"/>
-                <a:cs typeface="Calibri"/>
-                <a:sym typeface="Calibri"/>
+                <a:latin typeface="Calibri" panose="020F0502020204030204"/>
+                <a:ea typeface="Calibri" panose="020F0502020204030204"/>
+                <a:cs typeface="Calibri" panose="020F0502020204030204"/>
+                <a:sym typeface="Calibri" panose="020F0502020204030204"/>
               </a:defRPr>
             </a:lvl9pPr>
           </a:lstStyle>
-          <a:p>
-            <a:endParaRPr/>
-          </a:p>
+          <a:p/>
         </p:txBody>
       </p:sp>
     </p:spTree>
-    <p:extLst>
-      <p:ext uri="{BB962C8B-B14F-4D97-AF65-F5344CB8AC3E}">
-        <p14:creationId xmlns:p14="http://schemas.microsoft.com/office/powerpoint/2010/main" val="1430991452"/>
-      </p:ext>
-    </p:extLst>
   </p:cSld>
   <p:clrMapOvr>
     <a:masterClrMapping/>
@@ -2142,6 +1948,7 @@
               <a:rPr lang="x-none"/>
               <a:t>Click to edit Master text styles</a:t>
             </a:r>
+            <a:endParaRPr lang="x-none"/>
           </a:p>
           <a:p>
             <a:pPr lvl="1"/>
@@ -2149,6 +1956,7 @@
               <a:rPr lang="x-none"/>
               <a:t>Second level</a:t>
             </a:r>
+            <a:endParaRPr lang="x-none"/>
           </a:p>
           <a:p>
             <a:pPr lvl="2"/>
@@ -2156,6 +1964,7 @@
               <a:rPr lang="x-none"/>
               <a:t>Third level</a:t>
             </a:r>
+            <a:endParaRPr lang="x-none"/>
           </a:p>
           <a:p>
             <a:pPr lvl="3"/>
@@ -2163,6 +1972,7 @@
               <a:rPr lang="x-none"/>
               <a:t>Fourth level</a:t>
             </a:r>
+            <a:endParaRPr lang="x-none"/>
           </a:p>
           <a:p>
             <a:pPr lvl="4"/>
@@ -2199,7 +2009,6 @@
           <a:p>
             <a:fld id="{08B874B1-D9C3-694D-A4DA-18092E26C5F8}" type="datetimeFigureOut">
               <a:rPr lang="en-US" smtClean="0"/>
-              <a:t>6/2/22</a:t>
             </a:fld>
             <a:endParaRPr lang="en-US"/>
           </a:p>
@@ -2257,18 +2066,12 @@
           <a:p>
             <a:fld id="{3B555A39-F4FC-2F4C-BCD2-8F8E6BD40159}" type="slidenum">
               <a:rPr lang="en-US" smtClean="0"/>
-              <a:t>‹nº›</a:t>
             </a:fld>
             <a:endParaRPr lang="en-US"/>
           </a:p>
         </p:txBody>
       </p:sp>
     </p:spTree>
-    <p:extLst>
-      <p:ext uri="{BB962C8B-B14F-4D97-AF65-F5344CB8AC3E}">
-        <p14:creationId xmlns:p14="http://schemas.microsoft.com/office/powerpoint/2010/main" val="99504685"/>
-      </p:ext>
-    </p:extLst>
   </p:cSld>
   <p:clrMapOvr>
     <a:masterClrMapping/>
@@ -2360,7 +2163,7 @@
                 </a:solidFill>
               </a:defRPr>
             </a:lvl1pPr>
-            <a:lvl2pPr marL="342715" indent="0">
+            <a:lvl2pPr marL="342900" indent="0">
               <a:buNone/>
               <a:defRPr sz="1400">
                 <a:solidFill>
@@ -2370,7 +2173,7 @@
                 </a:solidFill>
               </a:defRPr>
             </a:lvl2pPr>
-            <a:lvl3pPr marL="685434" indent="0">
+            <a:lvl3pPr marL="685165" indent="0">
               <a:buNone/>
               <a:defRPr sz="1200">
                 <a:solidFill>
@@ -2380,7 +2183,7 @@
                 </a:solidFill>
               </a:defRPr>
             </a:lvl3pPr>
-            <a:lvl4pPr marL="1028150" indent="0">
+            <a:lvl4pPr marL="1028065" indent="0">
               <a:buNone/>
               <a:defRPr sz="1100">
                 <a:solidFill>
@@ -2390,7 +2193,7 @@
                 </a:solidFill>
               </a:defRPr>
             </a:lvl4pPr>
-            <a:lvl5pPr marL="1370868" indent="0">
+            <a:lvl5pPr marL="1370965" indent="0">
               <a:buNone/>
               <a:defRPr sz="1100">
                 <a:solidFill>
@@ -2400,7 +2203,7 @@
                 </a:solidFill>
               </a:defRPr>
             </a:lvl5pPr>
-            <a:lvl6pPr marL="1713584" indent="0">
+            <a:lvl6pPr marL="1713865" indent="0">
               <a:buNone/>
               <a:defRPr sz="1100">
                 <a:solidFill>
@@ -2410,7 +2213,7 @@
                 </a:solidFill>
               </a:defRPr>
             </a:lvl6pPr>
-            <a:lvl7pPr marL="2056301" indent="0">
+            <a:lvl7pPr marL="2056130" indent="0">
               <a:buNone/>
               <a:defRPr sz="1100">
                 <a:solidFill>
@@ -2420,7 +2223,7 @@
                 </a:solidFill>
               </a:defRPr>
             </a:lvl7pPr>
-            <a:lvl8pPr marL="2399019" indent="0">
+            <a:lvl8pPr marL="2399030" indent="0">
               <a:buNone/>
               <a:defRPr sz="1100">
                 <a:solidFill>
@@ -2430,7 +2233,7 @@
                 </a:solidFill>
               </a:defRPr>
             </a:lvl8pPr>
-            <a:lvl9pPr marL="2741736" indent="0">
+            <a:lvl9pPr marL="2741930" indent="0">
               <a:buNone/>
               <a:defRPr sz="1100">
                 <a:solidFill>
@@ -2447,6 +2250,7 @@
               <a:rPr lang="x-none"/>
               <a:t>Click to edit Master text styles</a:t>
             </a:r>
+            <a:endParaRPr lang="x-none"/>
           </a:p>
         </p:txBody>
       </p:sp>
@@ -2475,7 +2279,6 @@
           <a:p>
             <a:fld id="{08B874B1-D9C3-694D-A4DA-18092E26C5F8}" type="datetimeFigureOut">
               <a:rPr lang="en-US" smtClean="0"/>
-              <a:t>6/2/22</a:t>
             </a:fld>
             <a:endParaRPr lang="en-US"/>
           </a:p>
@@ -2533,18 +2336,12 @@
           <a:p>
             <a:fld id="{3B555A39-F4FC-2F4C-BCD2-8F8E6BD40159}" type="slidenum">
               <a:rPr lang="en-US" smtClean="0"/>
-              <a:t>‹nº›</a:t>
             </a:fld>
             <a:endParaRPr lang="en-US"/>
           </a:p>
         </p:txBody>
       </p:sp>
     </p:spTree>
-    <p:extLst>
-      <p:ext uri="{BB962C8B-B14F-4D97-AF65-F5344CB8AC3E}">
-        <p14:creationId xmlns:p14="http://schemas.microsoft.com/office/powerpoint/2010/main" val="2560298650"/>
-      </p:ext>
-    </p:extLst>
   </p:cSld>
   <p:clrMapOvr>
     <a:masterClrMapping/>
@@ -2656,6 +2453,7 @@
               <a:rPr lang="x-none"/>
               <a:t>Click to edit Master text styles</a:t>
             </a:r>
+            <a:endParaRPr lang="x-none"/>
           </a:p>
           <a:p>
             <a:pPr lvl="1"/>
@@ -2663,6 +2461,7 @@
               <a:rPr lang="x-none"/>
               <a:t>Second level</a:t>
             </a:r>
+            <a:endParaRPr lang="x-none"/>
           </a:p>
           <a:p>
             <a:pPr lvl="2"/>
@@ -2670,6 +2469,7 @@
               <a:rPr lang="x-none"/>
               <a:t>Third level</a:t>
             </a:r>
+            <a:endParaRPr lang="x-none"/>
           </a:p>
           <a:p>
             <a:pPr lvl="3"/>
@@ -2677,6 +2477,7 @@
               <a:rPr lang="x-none"/>
               <a:t>Fourth level</a:t>
             </a:r>
+            <a:endParaRPr lang="x-none"/>
           </a:p>
           <a:p>
             <a:pPr lvl="4"/>
@@ -2744,6 +2545,7 @@
               <a:rPr lang="x-none"/>
               <a:t>Click to edit Master text styles</a:t>
             </a:r>
+            <a:endParaRPr lang="x-none"/>
           </a:p>
           <a:p>
             <a:pPr lvl="1"/>
@@ -2751,6 +2553,7 @@
               <a:rPr lang="x-none"/>
               <a:t>Second level</a:t>
             </a:r>
+            <a:endParaRPr lang="x-none"/>
           </a:p>
           <a:p>
             <a:pPr lvl="2"/>
@@ -2758,6 +2561,7 @@
               <a:rPr lang="x-none"/>
               <a:t>Third level</a:t>
             </a:r>
+            <a:endParaRPr lang="x-none"/>
           </a:p>
           <a:p>
             <a:pPr lvl="3"/>
@@ -2765,6 +2569,7 @@
               <a:rPr lang="x-none"/>
               <a:t>Fourth level</a:t>
             </a:r>
+            <a:endParaRPr lang="x-none"/>
           </a:p>
           <a:p>
             <a:pPr lvl="4"/>
@@ -2801,7 +2606,6 @@
           <a:p>
             <a:fld id="{08B874B1-D9C3-694D-A4DA-18092E26C5F8}" type="datetimeFigureOut">
               <a:rPr lang="en-US" smtClean="0"/>
-              <a:t>6/2/22</a:t>
             </a:fld>
             <a:endParaRPr lang="en-US"/>
           </a:p>
@@ -2859,18 +2663,12 @@
           <a:p>
             <a:fld id="{3B555A39-F4FC-2F4C-BCD2-8F8E6BD40159}" type="slidenum">
               <a:rPr lang="en-US" smtClean="0"/>
-              <a:t>‹nº›</a:t>
             </a:fld>
             <a:endParaRPr lang="en-US"/>
           </a:p>
         </p:txBody>
       </p:sp>
     </p:spTree>
-    <p:extLst>
-      <p:ext uri="{BB962C8B-B14F-4D97-AF65-F5344CB8AC3E}">
-        <p14:creationId xmlns:p14="http://schemas.microsoft.com/office/powerpoint/2010/main" val="3460019257"/>
-      </p:ext>
-    </p:extLst>
   </p:cSld>
   <p:clrMapOvr>
     <a:masterClrMapping/>
@@ -2956,35 +2754,35 @@
               <a:buNone/>
               <a:defRPr sz="1800" b="1"/>
             </a:lvl1pPr>
-            <a:lvl2pPr marL="342715" indent="0">
+            <a:lvl2pPr marL="342900" indent="0">
               <a:buNone/>
               <a:defRPr sz="1500" b="1"/>
             </a:lvl2pPr>
-            <a:lvl3pPr marL="685434" indent="0">
+            <a:lvl3pPr marL="685165" indent="0">
               <a:buNone/>
               <a:defRPr sz="1400" b="1"/>
             </a:lvl3pPr>
-            <a:lvl4pPr marL="1028150" indent="0">
+            <a:lvl4pPr marL="1028065" indent="0">
               <a:buNone/>
               <a:defRPr sz="1200" b="1"/>
             </a:lvl4pPr>
-            <a:lvl5pPr marL="1370868" indent="0">
+            <a:lvl5pPr marL="1370965" indent="0">
               <a:buNone/>
               <a:defRPr sz="1200" b="1"/>
             </a:lvl5pPr>
-            <a:lvl6pPr marL="1713584" indent="0">
+            <a:lvl6pPr marL="1713865" indent="0">
               <a:buNone/>
               <a:defRPr sz="1200" b="1"/>
             </a:lvl6pPr>
-            <a:lvl7pPr marL="2056301" indent="0">
+            <a:lvl7pPr marL="2056130" indent="0">
               <a:buNone/>
               <a:defRPr sz="1200" b="1"/>
             </a:lvl7pPr>
-            <a:lvl8pPr marL="2399019" indent="0">
+            <a:lvl8pPr marL="2399030" indent="0">
               <a:buNone/>
               <a:defRPr sz="1200" b="1"/>
             </a:lvl8pPr>
-            <a:lvl9pPr marL="2741736" indent="0">
+            <a:lvl9pPr marL="2741930" indent="0">
               <a:buNone/>
               <a:defRPr sz="1200" b="1"/>
             </a:lvl9pPr>
@@ -2995,6 +2793,7 @@
               <a:rPr lang="x-none"/>
               <a:t>Click to edit Master text styles</a:t>
             </a:r>
+            <a:endParaRPr lang="x-none"/>
           </a:p>
         </p:txBody>
       </p:sp>
@@ -3054,6 +2853,7 @@
               <a:rPr lang="x-none"/>
               <a:t>Click to edit Master text styles</a:t>
             </a:r>
+            <a:endParaRPr lang="x-none"/>
           </a:p>
           <a:p>
             <a:pPr lvl="1"/>
@@ -3061,6 +2861,7 @@
               <a:rPr lang="x-none"/>
               <a:t>Second level</a:t>
             </a:r>
+            <a:endParaRPr lang="x-none"/>
           </a:p>
           <a:p>
             <a:pPr lvl="2"/>
@@ -3068,6 +2869,7 @@
               <a:rPr lang="x-none"/>
               <a:t>Third level</a:t>
             </a:r>
+            <a:endParaRPr lang="x-none"/>
           </a:p>
           <a:p>
             <a:pPr lvl="3"/>
@@ -3075,6 +2877,7 @@
               <a:rPr lang="x-none"/>
               <a:t>Fourth level</a:t>
             </a:r>
+            <a:endParaRPr lang="x-none"/>
           </a:p>
           <a:p>
             <a:pPr lvl="4"/>
@@ -3112,35 +2915,35 @@
               <a:buNone/>
               <a:defRPr sz="1800" b="1"/>
             </a:lvl1pPr>
-            <a:lvl2pPr marL="342715" indent="0">
+            <a:lvl2pPr marL="342900" indent="0">
               <a:buNone/>
               <a:defRPr sz="1500" b="1"/>
             </a:lvl2pPr>
-            <a:lvl3pPr marL="685434" indent="0">
+            <a:lvl3pPr marL="685165" indent="0">
               <a:buNone/>
               <a:defRPr sz="1400" b="1"/>
             </a:lvl3pPr>
-            <a:lvl4pPr marL="1028150" indent="0">
+            <a:lvl4pPr marL="1028065" indent="0">
               <a:buNone/>
               <a:defRPr sz="1200" b="1"/>
             </a:lvl4pPr>
-            <a:lvl5pPr marL="1370868" indent="0">
+            <a:lvl5pPr marL="1370965" indent="0">
               <a:buNone/>
               <a:defRPr sz="1200" b="1"/>
             </a:lvl5pPr>
-            <a:lvl6pPr marL="1713584" indent="0">
+            <a:lvl6pPr marL="1713865" indent="0">
               <a:buNone/>
               <a:defRPr sz="1200" b="1"/>
             </a:lvl6pPr>
-            <a:lvl7pPr marL="2056301" indent="0">
+            <a:lvl7pPr marL="2056130" indent="0">
               <a:buNone/>
               <a:defRPr sz="1200" b="1"/>
             </a:lvl7pPr>
-            <a:lvl8pPr marL="2399019" indent="0">
+            <a:lvl8pPr marL="2399030" indent="0">
               <a:buNone/>
               <a:defRPr sz="1200" b="1"/>
             </a:lvl8pPr>
-            <a:lvl9pPr marL="2741736" indent="0">
+            <a:lvl9pPr marL="2741930" indent="0">
               <a:buNone/>
               <a:defRPr sz="1200" b="1"/>
             </a:lvl9pPr>
@@ -3151,6 +2954,7 @@
               <a:rPr lang="x-none"/>
               <a:t>Click to edit Master text styles</a:t>
             </a:r>
+            <a:endParaRPr lang="x-none"/>
           </a:p>
         </p:txBody>
       </p:sp>
@@ -3210,6 +3014,7 @@
               <a:rPr lang="x-none"/>
               <a:t>Click to edit Master text styles</a:t>
             </a:r>
+            <a:endParaRPr lang="x-none"/>
           </a:p>
           <a:p>
             <a:pPr lvl="1"/>
@@ -3217,6 +3022,7 @@
               <a:rPr lang="x-none"/>
               <a:t>Second level</a:t>
             </a:r>
+            <a:endParaRPr lang="x-none"/>
           </a:p>
           <a:p>
             <a:pPr lvl="2"/>
@@ -3224,6 +3030,7 @@
               <a:rPr lang="x-none"/>
               <a:t>Third level</a:t>
             </a:r>
+            <a:endParaRPr lang="x-none"/>
           </a:p>
           <a:p>
             <a:pPr lvl="3"/>
@@ -3231,6 +3038,7 @@
               <a:rPr lang="x-none"/>
               <a:t>Fourth level</a:t>
             </a:r>
+            <a:endParaRPr lang="x-none"/>
           </a:p>
           <a:p>
             <a:pPr lvl="4"/>
@@ -3267,7 +3075,6 @@
           <a:p>
             <a:fld id="{08B874B1-D9C3-694D-A4DA-18092E26C5F8}" type="datetimeFigureOut">
               <a:rPr lang="en-US" smtClean="0"/>
-              <a:t>6/2/22</a:t>
             </a:fld>
             <a:endParaRPr lang="en-US"/>
           </a:p>
@@ -3325,18 +3132,12 @@
           <a:p>
             <a:fld id="{3B555A39-F4FC-2F4C-BCD2-8F8E6BD40159}" type="slidenum">
               <a:rPr lang="en-US" smtClean="0"/>
-              <a:t>‹nº›</a:t>
             </a:fld>
             <a:endParaRPr lang="en-US"/>
           </a:p>
         </p:txBody>
       </p:sp>
     </p:spTree>
-    <p:extLst>
-      <p:ext uri="{BB962C8B-B14F-4D97-AF65-F5344CB8AC3E}">
-        <p14:creationId xmlns:p14="http://schemas.microsoft.com/office/powerpoint/2010/main" val="2906166508"/>
-      </p:ext>
-    </p:extLst>
   </p:cSld>
   <p:clrMapOvr>
     <a:masterClrMapping/>
@@ -3417,7 +3218,6 @@
           <a:p>
             <a:fld id="{08B874B1-D9C3-694D-A4DA-18092E26C5F8}" type="datetimeFigureOut">
               <a:rPr lang="en-US" smtClean="0"/>
-              <a:t>6/2/22</a:t>
             </a:fld>
             <a:endParaRPr lang="en-US"/>
           </a:p>
@@ -3475,18 +3275,12 @@
           <a:p>
             <a:fld id="{3B555A39-F4FC-2F4C-BCD2-8F8E6BD40159}" type="slidenum">
               <a:rPr lang="en-US" smtClean="0"/>
-              <a:t>‹nº›</a:t>
             </a:fld>
             <a:endParaRPr lang="en-US"/>
           </a:p>
         </p:txBody>
       </p:sp>
     </p:spTree>
-    <p:extLst>
-      <p:ext uri="{BB962C8B-B14F-4D97-AF65-F5344CB8AC3E}">
-        <p14:creationId xmlns:p14="http://schemas.microsoft.com/office/powerpoint/2010/main" val="2691442046"/>
-      </p:ext>
-    </p:extLst>
   </p:cSld>
   <p:clrMapOvr>
     <a:masterClrMapping/>
@@ -3536,7 +3330,6 @@
           <a:p>
             <a:fld id="{08B874B1-D9C3-694D-A4DA-18092E26C5F8}" type="datetimeFigureOut">
               <a:rPr lang="en-US" smtClean="0"/>
-              <a:t>6/2/22</a:t>
             </a:fld>
             <a:endParaRPr lang="en-US"/>
           </a:p>
@@ -3594,18 +3387,12 @@
           <a:p>
             <a:fld id="{3B555A39-F4FC-2F4C-BCD2-8F8E6BD40159}" type="slidenum">
               <a:rPr lang="en-US" smtClean="0"/>
-              <a:t>‹nº›</a:t>
             </a:fld>
             <a:endParaRPr lang="en-US"/>
           </a:p>
         </p:txBody>
       </p:sp>
     </p:spTree>
-    <p:extLst>
-      <p:ext uri="{BB962C8B-B14F-4D97-AF65-F5344CB8AC3E}">
-        <p14:creationId xmlns:p14="http://schemas.microsoft.com/office/powerpoint/2010/main" val="3924207551"/>
-      </p:ext>
-    </p:extLst>
   </p:cSld>
   <p:clrMapOvr>
     <a:masterClrMapping/>
@@ -3721,6 +3508,7 @@
               <a:rPr lang="x-none"/>
               <a:t>Click to edit Master text styles</a:t>
             </a:r>
+            <a:endParaRPr lang="x-none"/>
           </a:p>
           <a:p>
             <a:pPr lvl="1"/>
@@ -3728,6 +3516,7 @@
               <a:rPr lang="x-none"/>
               <a:t>Second level</a:t>
             </a:r>
+            <a:endParaRPr lang="x-none"/>
           </a:p>
           <a:p>
             <a:pPr lvl="2"/>
@@ -3735,6 +3524,7 @@
               <a:rPr lang="x-none"/>
               <a:t>Third level</a:t>
             </a:r>
+            <a:endParaRPr lang="x-none"/>
           </a:p>
           <a:p>
             <a:pPr lvl="3"/>
@@ -3742,6 +3532,7 @@
               <a:rPr lang="x-none"/>
               <a:t>Fourth level</a:t>
             </a:r>
+            <a:endParaRPr lang="x-none"/>
           </a:p>
           <a:p>
             <a:pPr lvl="4"/>
@@ -3779,35 +3570,35 @@
               <a:buNone/>
               <a:defRPr sz="1100"/>
             </a:lvl1pPr>
-            <a:lvl2pPr marL="342715" indent="0">
+            <a:lvl2pPr marL="342900" indent="0">
               <a:buNone/>
               <a:defRPr sz="900"/>
             </a:lvl2pPr>
-            <a:lvl3pPr marL="685434" indent="0">
+            <a:lvl3pPr marL="685165" indent="0">
               <a:buNone/>
               <a:defRPr sz="800"/>
             </a:lvl3pPr>
-            <a:lvl4pPr marL="1028150" indent="0">
+            <a:lvl4pPr marL="1028065" indent="0">
               <a:buNone/>
               <a:defRPr sz="700"/>
             </a:lvl4pPr>
-            <a:lvl5pPr marL="1370868" indent="0">
+            <a:lvl5pPr marL="1370965" indent="0">
               <a:buNone/>
               <a:defRPr sz="700"/>
             </a:lvl5pPr>
-            <a:lvl6pPr marL="1713584" indent="0">
+            <a:lvl6pPr marL="1713865" indent="0">
               <a:buNone/>
               <a:defRPr sz="700"/>
             </a:lvl6pPr>
-            <a:lvl7pPr marL="2056301" indent="0">
+            <a:lvl7pPr marL="2056130" indent="0">
               <a:buNone/>
               <a:defRPr sz="700"/>
             </a:lvl7pPr>
-            <a:lvl8pPr marL="2399019" indent="0">
+            <a:lvl8pPr marL="2399030" indent="0">
               <a:buNone/>
               <a:defRPr sz="700"/>
             </a:lvl8pPr>
-            <a:lvl9pPr marL="2741736" indent="0">
+            <a:lvl9pPr marL="2741930" indent="0">
               <a:buNone/>
               <a:defRPr sz="700"/>
             </a:lvl9pPr>
@@ -3818,6 +3609,7 @@
               <a:rPr lang="x-none"/>
               <a:t>Click to edit Master text styles</a:t>
             </a:r>
+            <a:endParaRPr lang="x-none"/>
           </a:p>
         </p:txBody>
       </p:sp>
@@ -3846,7 +3638,6 @@
           <a:p>
             <a:fld id="{08B874B1-D9C3-694D-A4DA-18092E26C5F8}" type="datetimeFigureOut">
               <a:rPr lang="en-US" smtClean="0"/>
-              <a:t>6/2/22</a:t>
             </a:fld>
             <a:endParaRPr lang="en-US"/>
           </a:p>
@@ -3904,18 +3695,12 @@
           <a:p>
             <a:fld id="{3B555A39-F4FC-2F4C-BCD2-8F8E6BD40159}" type="slidenum">
               <a:rPr lang="en-US" smtClean="0"/>
-              <a:t>‹nº›</a:t>
             </a:fld>
             <a:endParaRPr lang="en-US"/>
           </a:p>
         </p:txBody>
       </p:sp>
     </p:spTree>
-    <p:extLst>
-      <p:ext uri="{BB962C8B-B14F-4D97-AF65-F5344CB8AC3E}">
-        <p14:creationId xmlns:p14="http://schemas.microsoft.com/office/powerpoint/2010/main" val="2485987062"/>
-      </p:ext>
-    </p:extLst>
   </p:cSld>
   <p:clrMapOvr>
     <a:masterClrMapping/>
@@ -4001,35 +3786,35 @@
               <a:buNone/>
               <a:defRPr sz="2400"/>
             </a:lvl1pPr>
-            <a:lvl2pPr marL="342715" indent="0">
+            <a:lvl2pPr marL="342900" indent="0">
               <a:buNone/>
               <a:defRPr sz="2100"/>
             </a:lvl2pPr>
-            <a:lvl3pPr marL="685434" indent="0">
+            <a:lvl3pPr marL="685165" indent="0">
               <a:buNone/>
               <a:defRPr sz="1800"/>
             </a:lvl3pPr>
-            <a:lvl4pPr marL="1028150" indent="0">
+            <a:lvl4pPr marL="1028065" indent="0">
               <a:buNone/>
               <a:defRPr sz="1500"/>
             </a:lvl4pPr>
-            <a:lvl5pPr marL="1370868" indent="0">
+            <a:lvl5pPr marL="1370965" indent="0">
               <a:buNone/>
               <a:defRPr sz="1500"/>
             </a:lvl5pPr>
-            <a:lvl6pPr marL="1713584" indent="0">
+            <a:lvl6pPr marL="1713865" indent="0">
               <a:buNone/>
               <a:defRPr sz="1500"/>
             </a:lvl6pPr>
-            <a:lvl7pPr marL="2056301" indent="0">
+            <a:lvl7pPr marL="2056130" indent="0">
               <a:buNone/>
               <a:defRPr sz="1500"/>
             </a:lvl7pPr>
-            <a:lvl8pPr marL="2399019" indent="0">
+            <a:lvl8pPr marL="2399030" indent="0">
               <a:buNone/>
               <a:defRPr sz="1500"/>
             </a:lvl8pPr>
-            <a:lvl9pPr marL="2741736" indent="0">
+            <a:lvl9pPr marL="2741930" indent="0">
               <a:buNone/>
               <a:defRPr sz="1500"/>
             </a:lvl9pPr>
@@ -4065,35 +3850,35 @@
               <a:buNone/>
               <a:defRPr sz="1100"/>
             </a:lvl1pPr>
-            <a:lvl2pPr marL="342715" indent="0">
+            <a:lvl2pPr marL="342900" indent="0">
               <a:buNone/>
               <a:defRPr sz="900"/>
             </a:lvl2pPr>
-            <a:lvl3pPr marL="685434" indent="0">
+            <a:lvl3pPr marL="685165" indent="0">
               <a:buNone/>
               <a:defRPr sz="800"/>
             </a:lvl3pPr>
-            <a:lvl4pPr marL="1028150" indent="0">
+            <a:lvl4pPr marL="1028065" indent="0">
               <a:buNone/>
               <a:defRPr sz="700"/>
             </a:lvl4pPr>
-            <a:lvl5pPr marL="1370868" indent="0">
+            <a:lvl5pPr marL="1370965" indent="0">
               <a:buNone/>
               <a:defRPr sz="700"/>
             </a:lvl5pPr>
-            <a:lvl6pPr marL="1713584" indent="0">
+            <a:lvl6pPr marL="1713865" indent="0">
               <a:buNone/>
               <a:defRPr sz="700"/>
             </a:lvl6pPr>
-            <a:lvl7pPr marL="2056301" indent="0">
+            <a:lvl7pPr marL="2056130" indent="0">
               <a:buNone/>
               <a:defRPr sz="700"/>
             </a:lvl7pPr>
-            <a:lvl8pPr marL="2399019" indent="0">
+            <a:lvl8pPr marL="2399030" indent="0">
               <a:buNone/>
               <a:defRPr sz="700"/>
             </a:lvl8pPr>
-            <a:lvl9pPr marL="2741736" indent="0">
+            <a:lvl9pPr marL="2741930" indent="0">
               <a:buNone/>
               <a:defRPr sz="700"/>
             </a:lvl9pPr>
@@ -4104,6 +3889,7 @@
               <a:rPr lang="x-none"/>
               <a:t>Click to edit Master text styles</a:t>
             </a:r>
+            <a:endParaRPr lang="x-none"/>
           </a:p>
         </p:txBody>
       </p:sp>
@@ -4132,7 +3918,6 @@
           <a:p>
             <a:fld id="{08B874B1-D9C3-694D-A4DA-18092E26C5F8}" type="datetimeFigureOut">
               <a:rPr lang="en-US" smtClean="0"/>
-              <a:t>6/2/22</a:t>
             </a:fld>
             <a:endParaRPr lang="en-US"/>
           </a:p>
@@ -4190,18 +3975,12 @@
           <a:p>
             <a:fld id="{3B555A39-F4FC-2F4C-BCD2-8F8E6BD40159}" type="slidenum">
               <a:rPr lang="en-US" smtClean="0"/>
-              <a:t>‹nº›</a:t>
             </a:fld>
             <a:endParaRPr lang="en-US"/>
           </a:p>
         </p:txBody>
       </p:sp>
     </p:spTree>
-    <p:extLst>
-      <p:ext uri="{BB962C8B-B14F-4D97-AF65-F5344CB8AC3E}">
-        <p14:creationId xmlns:p14="http://schemas.microsoft.com/office/powerpoint/2010/main" val="313783700"/>
-      </p:ext>
-    </p:extLst>
   </p:cSld>
   <p:clrMapOvr>
     <a:masterClrMapping/>
@@ -4233,13 +4012,253 @@
       </p:grpSpPr>
       <p:pic>
         <p:nvPicPr>
-          <p:cNvPr id="12" name="Picture 13" descr="fiap_elemento2.png">
+          <p:cNvPr id="12" name="Picture 13" descr="fiap_elemento2.png"/>
+          <p:cNvPicPr>
+            <a:picLocks noChangeAspect="1"/>
+          </p:cNvPicPr>
+          <p:nvPr userDrawn="1"/>
+        </p:nvPicPr>
+        <p:blipFill>
+          <a:blip r:embed="rId14">
             <a:extLst>
-              <a:ext uri="{FF2B5EF4-FFF2-40B4-BE49-F238E27FC236}">
-                <a16:creationId xmlns:a16="http://schemas.microsoft.com/office/drawing/2014/main" id="{B74FEA52-8AAA-5240-B1A6-FCACC3B94265}"/>
+              <a:ext uri="{28A0092B-C50C-407E-A947-70E740481C1C}">
+                <a14:useLocalDpi xmlns:a14="http://schemas.microsoft.com/office/drawing/2010/main" val="0"/>
               </a:ext>
             </a:extLst>
-          </p:cNvPr>
+          </a:blip>
+          <a:stretch>
+            <a:fillRect/>
+          </a:stretch>
+        </p:blipFill>
+        <p:spPr>
+          <a:xfrm>
+            <a:off x="0" y="-6513"/>
+            <a:ext cx="9164044" cy="5154776"/>
+          </a:xfrm>
+          <a:prstGeom prst="rect">
+            <a:avLst/>
+          </a:prstGeom>
+        </p:spPr>
+      </p:pic>
+      <p:sp>
+        <p:nvSpPr>
+          <p:cNvPr id="2" name="Title Placeholder 1"/>
+          <p:cNvSpPr>
+            <a:spLocks noGrp="1"/>
+          </p:cNvSpPr>
+          <p:nvPr>
+            <p:ph type="title"/>
+          </p:nvPr>
+        </p:nvSpPr>
+        <p:spPr>
+          <a:xfrm>
+            <a:off x="342900" y="206169"/>
+            <a:ext cx="6172200" cy="858044"/>
+          </a:xfrm>
+          <a:prstGeom prst="rect">
+            <a:avLst/>
+          </a:prstGeom>
+        </p:spPr>
+        <p:txBody>
+          <a:bodyPr vert="horz" lIns="68544" tIns="34272" rIns="68544" bIns="34272" rtlCol="0" anchor="ctr">
+            <a:normAutofit/>
+          </a:bodyPr>
+          <a:lstStyle/>
+          <a:p>
+            <a:r>
+              <a:rPr lang="x-none"/>
+              <a:t>Click to edit Master title style</a:t>
+            </a:r>
+            <a:endParaRPr lang="en-US"/>
+          </a:p>
+        </p:txBody>
+      </p:sp>
+      <p:sp>
+        <p:nvSpPr>
+          <p:cNvPr id="3" name="Text Placeholder 2"/>
+          <p:cNvSpPr>
+            <a:spLocks noGrp="1"/>
+          </p:cNvSpPr>
+          <p:nvPr>
+            <p:ph type="body" idx="1"/>
+          </p:nvPr>
+        </p:nvSpPr>
+        <p:spPr>
+          <a:xfrm>
+            <a:off x="342900" y="1201262"/>
+            <a:ext cx="6172200" cy="3397616"/>
+          </a:xfrm>
+          <a:prstGeom prst="rect">
+            <a:avLst/>
+          </a:prstGeom>
+        </p:spPr>
+        <p:txBody>
+          <a:bodyPr vert="horz" lIns="68544" tIns="34272" rIns="68544" bIns="34272" rtlCol="0">
+            <a:normAutofit/>
+          </a:bodyPr>
+          <a:lstStyle/>
+          <a:p>
+            <a:pPr lvl="0"/>
+            <a:r>
+              <a:rPr lang="x-none"/>
+              <a:t>Click to edit Master text styles</a:t>
+            </a:r>
+            <a:endParaRPr lang="x-none"/>
+          </a:p>
+          <a:p>
+            <a:pPr lvl="1"/>
+            <a:r>
+              <a:rPr lang="x-none"/>
+              <a:t>Second level</a:t>
+            </a:r>
+            <a:endParaRPr lang="x-none"/>
+          </a:p>
+          <a:p>
+            <a:pPr lvl="2"/>
+            <a:r>
+              <a:rPr lang="x-none"/>
+              <a:t>Third level</a:t>
+            </a:r>
+            <a:endParaRPr lang="x-none"/>
+          </a:p>
+          <a:p>
+            <a:pPr lvl="3"/>
+            <a:r>
+              <a:rPr lang="x-none"/>
+              <a:t>Fourth level</a:t>
+            </a:r>
+            <a:endParaRPr lang="x-none"/>
+          </a:p>
+          <a:p>
+            <a:pPr lvl="4"/>
+            <a:r>
+              <a:rPr lang="x-none"/>
+              <a:t>Fifth level</a:t>
+            </a:r>
+            <a:endParaRPr lang="en-US"/>
+          </a:p>
+        </p:txBody>
+      </p:sp>
+      <p:sp>
+        <p:nvSpPr>
+          <p:cNvPr id="4" name="Date Placeholder 3"/>
+          <p:cNvSpPr>
+            <a:spLocks noGrp="1"/>
+          </p:cNvSpPr>
+          <p:nvPr>
+            <p:ph type="dt" sz="half" idx="2"/>
+          </p:nvPr>
+        </p:nvSpPr>
+        <p:spPr>
+          <a:xfrm>
+            <a:off x="342900" y="4771684"/>
+            <a:ext cx="1600200" cy="274097"/>
+          </a:xfrm>
+          <a:prstGeom prst="rect">
+            <a:avLst/>
+          </a:prstGeom>
+        </p:spPr>
+        <p:txBody>
+          <a:bodyPr vert="horz" lIns="68544" tIns="34272" rIns="68544" bIns="34272" rtlCol="0" anchor="ctr"/>
+          <a:lstStyle>
+            <a:lvl1pPr algn="l">
+              <a:defRPr sz="900">
+                <a:solidFill>
+                  <a:schemeClr val="tx1">
+                    <a:tint val="75000"/>
+                  </a:schemeClr>
+                </a:solidFill>
+              </a:defRPr>
+            </a:lvl1pPr>
+          </a:lstStyle>
+          <a:p>
+            <a:fld id="{6B3695D4-C2E3-524A-A154-E6036064930E}" type="datetimeFigureOut">
+              <a:rPr lang="en-US" smtClean="0"/>
+            </a:fld>
+            <a:endParaRPr lang="en-US"/>
+          </a:p>
+        </p:txBody>
+      </p:sp>
+      <p:sp>
+        <p:nvSpPr>
+          <p:cNvPr id="5" name="Footer Placeholder 4"/>
+          <p:cNvSpPr>
+            <a:spLocks noGrp="1"/>
+          </p:cNvSpPr>
+          <p:nvPr>
+            <p:ph type="ftr" sz="quarter" idx="3"/>
+          </p:nvPr>
+        </p:nvSpPr>
+        <p:spPr>
+          <a:xfrm>
+            <a:off x="2343150" y="4771684"/>
+            <a:ext cx="2171700" cy="274097"/>
+          </a:xfrm>
+          <a:prstGeom prst="rect">
+            <a:avLst/>
+          </a:prstGeom>
+        </p:spPr>
+        <p:txBody>
+          <a:bodyPr vert="horz" lIns="68544" tIns="34272" rIns="68544" bIns="34272" rtlCol="0" anchor="ctr"/>
+          <a:lstStyle>
+            <a:lvl1pPr algn="ctr">
+              <a:defRPr sz="900">
+                <a:solidFill>
+                  <a:schemeClr val="tx1">
+                    <a:tint val="75000"/>
+                  </a:schemeClr>
+                </a:solidFill>
+              </a:defRPr>
+            </a:lvl1pPr>
+          </a:lstStyle>
+          <a:p>
+            <a:endParaRPr lang="en-US"/>
+          </a:p>
+        </p:txBody>
+      </p:sp>
+      <p:sp>
+        <p:nvSpPr>
+          <p:cNvPr id="6" name="Slide Number Placeholder 5"/>
+          <p:cNvSpPr>
+            <a:spLocks noGrp="1"/>
+          </p:cNvSpPr>
+          <p:nvPr>
+            <p:ph type="sldNum" sz="quarter" idx="4"/>
+          </p:nvPr>
+        </p:nvSpPr>
+        <p:spPr>
+          <a:xfrm>
+            <a:off x="4914900" y="4771684"/>
+            <a:ext cx="1600200" cy="274097"/>
+          </a:xfrm>
+          <a:prstGeom prst="rect">
+            <a:avLst/>
+          </a:prstGeom>
+        </p:spPr>
+        <p:txBody>
+          <a:bodyPr vert="horz" lIns="68544" tIns="34272" rIns="68544" bIns="34272" rtlCol="0" anchor="ctr"/>
+          <a:lstStyle>
+            <a:lvl1pPr algn="r">
+              <a:defRPr sz="900">
+                <a:solidFill>
+                  <a:schemeClr val="tx1">
+                    <a:tint val="75000"/>
+                  </a:schemeClr>
+                </a:solidFill>
+              </a:defRPr>
+            </a:lvl1pPr>
+          </a:lstStyle>
+          <a:p>
+            <a:fld id="{495CFD00-10A0-8A42-BC0C-7FB4973ACCF2}" type="slidenum">
+              <a:rPr lang="en-US" smtClean="0"/>
+            </a:fld>
+            <a:endParaRPr lang="en-US"/>
+          </a:p>
+        </p:txBody>
+      </p:sp>
+      <p:pic>
+        <p:nvPicPr>
+          <p:cNvPr id="14" name="Picture 6" descr="fiap_elemento.png"/>
           <p:cNvPicPr>
             <a:picLocks noChangeAspect="1"/>
           </p:cNvPicPr>
@@ -4259,256 +4278,6 @@
         </p:blipFill>
         <p:spPr>
           <a:xfrm>
-            <a:off x="0" y="-6513"/>
-            <a:ext cx="9164044" cy="5154776"/>
-          </a:xfrm>
-          <a:prstGeom prst="rect">
-            <a:avLst/>
-          </a:prstGeom>
-        </p:spPr>
-      </p:pic>
-      <p:sp>
-        <p:nvSpPr>
-          <p:cNvPr id="2" name="Title Placeholder 1"/>
-          <p:cNvSpPr>
-            <a:spLocks noGrp="1"/>
-          </p:cNvSpPr>
-          <p:nvPr>
-            <p:ph type="title"/>
-          </p:nvPr>
-        </p:nvSpPr>
-        <p:spPr>
-          <a:xfrm>
-            <a:off x="342900" y="206169"/>
-            <a:ext cx="6172200" cy="858044"/>
-          </a:xfrm>
-          <a:prstGeom prst="rect">
-            <a:avLst/>
-          </a:prstGeom>
-        </p:spPr>
-        <p:txBody>
-          <a:bodyPr vert="horz" lIns="68544" tIns="34272" rIns="68544" bIns="34272" rtlCol="0" anchor="ctr">
-            <a:normAutofit/>
-          </a:bodyPr>
-          <a:lstStyle/>
-          <a:p>
-            <a:r>
-              <a:rPr lang="x-none"/>
-              <a:t>Click to edit Master title style</a:t>
-            </a:r>
-            <a:endParaRPr lang="en-US"/>
-          </a:p>
-        </p:txBody>
-      </p:sp>
-      <p:sp>
-        <p:nvSpPr>
-          <p:cNvPr id="3" name="Text Placeholder 2"/>
-          <p:cNvSpPr>
-            <a:spLocks noGrp="1"/>
-          </p:cNvSpPr>
-          <p:nvPr>
-            <p:ph type="body" idx="1"/>
-          </p:nvPr>
-        </p:nvSpPr>
-        <p:spPr>
-          <a:xfrm>
-            <a:off x="342900" y="1201262"/>
-            <a:ext cx="6172200" cy="3397616"/>
-          </a:xfrm>
-          <a:prstGeom prst="rect">
-            <a:avLst/>
-          </a:prstGeom>
-        </p:spPr>
-        <p:txBody>
-          <a:bodyPr vert="horz" lIns="68544" tIns="34272" rIns="68544" bIns="34272" rtlCol="0">
-            <a:normAutofit/>
-          </a:bodyPr>
-          <a:lstStyle/>
-          <a:p>
-            <a:pPr lvl="0"/>
-            <a:r>
-              <a:rPr lang="x-none"/>
-              <a:t>Click to edit Master text styles</a:t>
-            </a:r>
-          </a:p>
-          <a:p>
-            <a:pPr lvl="1"/>
-            <a:r>
-              <a:rPr lang="x-none"/>
-              <a:t>Second level</a:t>
-            </a:r>
-          </a:p>
-          <a:p>
-            <a:pPr lvl="2"/>
-            <a:r>
-              <a:rPr lang="x-none"/>
-              <a:t>Third level</a:t>
-            </a:r>
-          </a:p>
-          <a:p>
-            <a:pPr lvl="3"/>
-            <a:r>
-              <a:rPr lang="x-none"/>
-              <a:t>Fourth level</a:t>
-            </a:r>
-          </a:p>
-          <a:p>
-            <a:pPr lvl="4"/>
-            <a:r>
-              <a:rPr lang="x-none"/>
-              <a:t>Fifth level</a:t>
-            </a:r>
-            <a:endParaRPr lang="en-US"/>
-          </a:p>
-        </p:txBody>
-      </p:sp>
-      <p:sp>
-        <p:nvSpPr>
-          <p:cNvPr id="4" name="Date Placeholder 3"/>
-          <p:cNvSpPr>
-            <a:spLocks noGrp="1"/>
-          </p:cNvSpPr>
-          <p:nvPr>
-            <p:ph type="dt" sz="half" idx="2"/>
-          </p:nvPr>
-        </p:nvSpPr>
-        <p:spPr>
-          <a:xfrm>
-            <a:off x="342900" y="4771684"/>
-            <a:ext cx="1600200" cy="274097"/>
-          </a:xfrm>
-          <a:prstGeom prst="rect">
-            <a:avLst/>
-          </a:prstGeom>
-        </p:spPr>
-        <p:txBody>
-          <a:bodyPr vert="horz" lIns="68544" tIns="34272" rIns="68544" bIns="34272" rtlCol="0" anchor="ctr"/>
-          <a:lstStyle>
-            <a:lvl1pPr algn="l">
-              <a:defRPr sz="900">
-                <a:solidFill>
-                  <a:schemeClr val="tx1">
-                    <a:tint val="75000"/>
-                  </a:schemeClr>
-                </a:solidFill>
-              </a:defRPr>
-            </a:lvl1pPr>
-          </a:lstStyle>
-          <a:p>
-            <a:fld id="{6B3695D4-C2E3-524A-A154-E6036064930E}" type="datetimeFigureOut">
-              <a:rPr lang="en-US" smtClean="0"/>
-              <a:t>6/2/22</a:t>
-            </a:fld>
-            <a:endParaRPr lang="en-US"/>
-          </a:p>
-        </p:txBody>
-      </p:sp>
-      <p:sp>
-        <p:nvSpPr>
-          <p:cNvPr id="5" name="Footer Placeholder 4"/>
-          <p:cNvSpPr>
-            <a:spLocks noGrp="1"/>
-          </p:cNvSpPr>
-          <p:nvPr>
-            <p:ph type="ftr" sz="quarter" idx="3"/>
-          </p:nvPr>
-        </p:nvSpPr>
-        <p:spPr>
-          <a:xfrm>
-            <a:off x="2343150" y="4771684"/>
-            <a:ext cx="2171700" cy="274097"/>
-          </a:xfrm>
-          <a:prstGeom prst="rect">
-            <a:avLst/>
-          </a:prstGeom>
-        </p:spPr>
-        <p:txBody>
-          <a:bodyPr vert="horz" lIns="68544" tIns="34272" rIns="68544" bIns="34272" rtlCol="0" anchor="ctr"/>
-          <a:lstStyle>
-            <a:lvl1pPr algn="ctr">
-              <a:defRPr sz="900">
-                <a:solidFill>
-                  <a:schemeClr val="tx1">
-                    <a:tint val="75000"/>
-                  </a:schemeClr>
-                </a:solidFill>
-              </a:defRPr>
-            </a:lvl1pPr>
-          </a:lstStyle>
-          <a:p>
-            <a:endParaRPr lang="en-US"/>
-          </a:p>
-        </p:txBody>
-      </p:sp>
-      <p:sp>
-        <p:nvSpPr>
-          <p:cNvPr id="6" name="Slide Number Placeholder 5"/>
-          <p:cNvSpPr>
-            <a:spLocks noGrp="1"/>
-          </p:cNvSpPr>
-          <p:nvPr>
-            <p:ph type="sldNum" sz="quarter" idx="4"/>
-          </p:nvPr>
-        </p:nvSpPr>
-        <p:spPr>
-          <a:xfrm>
-            <a:off x="4914900" y="4771684"/>
-            <a:ext cx="1600200" cy="274097"/>
-          </a:xfrm>
-          <a:prstGeom prst="rect">
-            <a:avLst/>
-          </a:prstGeom>
-        </p:spPr>
-        <p:txBody>
-          <a:bodyPr vert="horz" lIns="68544" tIns="34272" rIns="68544" bIns="34272" rtlCol="0" anchor="ctr"/>
-          <a:lstStyle>
-            <a:lvl1pPr algn="r">
-              <a:defRPr sz="900">
-                <a:solidFill>
-                  <a:schemeClr val="tx1">
-                    <a:tint val="75000"/>
-                  </a:schemeClr>
-                </a:solidFill>
-              </a:defRPr>
-            </a:lvl1pPr>
-          </a:lstStyle>
-          <a:p>
-            <a:fld id="{495CFD00-10A0-8A42-BC0C-7FB4973ACCF2}" type="slidenum">
-              <a:rPr lang="en-US" smtClean="0"/>
-              <a:t>‹nº›</a:t>
-            </a:fld>
-            <a:endParaRPr lang="en-US"/>
-          </a:p>
-        </p:txBody>
-      </p:sp>
-      <p:pic>
-        <p:nvPicPr>
-          <p:cNvPr id="14" name="Picture 6" descr="fiap_elemento.png">
-            <a:extLst>
-              <a:ext uri="{FF2B5EF4-FFF2-40B4-BE49-F238E27FC236}">
-                <a16:creationId xmlns:a16="http://schemas.microsoft.com/office/drawing/2014/main" id="{C1E630A5-46CA-6F40-9553-2DE522A78E9A}"/>
-              </a:ext>
-            </a:extLst>
-          </p:cNvPr>
-          <p:cNvPicPr>
-            <a:picLocks noChangeAspect="1"/>
-          </p:cNvPicPr>
-          <p:nvPr userDrawn="1"/>
-        </p:nvPicPr>
-        <p:blipFill>
-          <a:blip r:embed="rId16">
-            <a:extLst>
-              <a:ext uri="{28A0092B-C50C-407E-A947-70E740481C1C}">
-                <a14:useLocalDpi xmlns:a14="http://schemas.microsoft.com/office/drawing/2010/main" val="0"/>
-              </a:ext>
-            </a:extLst>
-          </a:blip>
-          <a:stretch>
-            <a:fillRect/>
-          </a:stretch>
-        </p:blipFill>
-        <p:spPr>
-          <a:xfrm>
             <a:off x="-3181191" y="-379936"/>
             <a:ext cx="10040798" cy="5647950"/>
           </a:xfrm>
@@ -4519,13 +4288,7 @@
       </p:pic>
       <p:grpSp>
         <p:nvGrpSpPr>
-          <p:cNvPr id="13" name="Group 6">
-            <a:extLst>
-              <a:ext uri="{FF2B5EF4-FFF2-40B4-BE49-F238E27FC236}">
-                <a16:creationId xmlns:a16="http://schemas.microsoft.com/office/drawing/2014/main" id="{C452967C-D1A9-D444-90CE-2CEEE008EA2C}"/>
-              </a:ext>
-            </a:extLst>
-          </p:cNvPr>
+          <p:cNvPr id="13" name="Group 6"/>
           <p:cNvGrpSpPr/>
           <p:nvPr userDrawn="1"/>
         </p:nvGrpSpPr>
@@ -4539,20 +4302,14 @@
         </p:grpSpPr>
         <p:pic>
           <p:nvPicPr>
-            <p:cNvPr id="15" name="Imagem 1">
-              <a:extLst>
-                <a:ext uri="{FF2B5EF4-FFF2-40B4-BE49-F238E27FC236}">
-                  <a16:creationId xmlns:a16="http://schemas.microsoft.com/office/drawing/2014/main" id="{F7DA698C-E7F4-724B-B1B3-937C8D7B8B2C}"/>
-                </a:ext>
-              </a:extLst>
-            </p:cNvPr>
+            <p:cNvPr id="15" name="Imagem 1"/>
             <p:cNvPicPr>
               <a:picLocks noChangeAspect="1"/>
             </p:cNvPicPr>
             <p:nvPr/>
           </p:nvPicPr>
           <p:blipFill>
-            <a:blip r:embed="rId17">
+            <a:blip r:embed="rId16">
               <a:extLst>
                 <a:ext uri="{28A0092B-C50C-407E-A947-70E740481C1C}">
                   <a14:useLocalDpi xmlns:a14="http://schemas.microsoft.com/office/drawing/2010/main" val="0"/>
@@ -4575,20 +4332,14 @@
         </p:pic>
         <p:pic>
           <p:nvPicPr>
-            <p:cNvPr id="16" name="Picture 9" descr="mba.png">
-              <a:extLst>
-                <a:ext uri="{FF2B5EF4-FFF2-40B4-BE49-F238E27FC236}">
-                  <a16:creationId xmlns:a16="http://schemas.microsoft.com/office/drawing/2014/main" id="{335E9A58-E6DE-9E42-A9CF-94622145E2EA}"/>
-                </a:ext>
-              </a:extLst>
-            </p:cNvPr>
+            <p:cNvPr id="16" name="Picture 9" descr="mba.png"/>
             <p:cNvPicPr>
               <a:picLocks noChangeAspect="1"/>
             </p:cNvPicPr>
             <p:nvPr/>
           </p:nvPicPr>
           <p:blipFill>
-            <a:blip r:embed="rId18">
+            <a:blip r:embed="rId17">
               <a:extLst>
                 <a:ext uri="{28A0092B-C50C-407E-A947-70E740481C1C}">
                   <a14:useLocalDpi xmlns:a14="http://schemas.microsoft.com/office/drawing/2010/main" val="0"/>
@@ -4611,31 +4362,26 @@
         </p:pic>
       </p:grpSp>
     </p:spTree>
-    <p:extLst>
-      <p:ext uri="{BB962C8B-B14F-4D97-AF65-F5344CB8AC3E}">
-        <p14:creationId xmlns:p14="http://schemas.microsoft.com/office/powerpoint/2010/main" val="142928760"/>
-      </p:ext>
-    </p:extLst>
   </p:cSld>
   <p:clrMap bg1="lt1" tx1="dk1" bg2="lt2" tx2="dk2" accent1="accent1" accent2="accent2" accent3="accent3" accent4="accent4" accent5="accent5" accent6="accent6" hlink="hlink" folHlink="folHlink"/>
   <p:sldLayoutIdLst>
-    <p:sldLayoutId id="2147483766" r:id="rId1"/>
-    <p:sldLayoutId id="2147483767" r:id="rId2"/>
-    <p:sldLayoutId id="2147483768" r:id="rId3"/>
-    <p:sldLayoutId id="2147483769" r:id="rId4"/>
-    <p:sldLayoutId id="2147483770" r:id="rId5"/>
-    <p:sldLayoutId id="2147483771" r:id="rId6"/>
-    <p:sldLayoutId id="2147483772" r:id="rId7"/>
-    <p:sldLayoutId id="2147483773" r:id="rId8"/>
-    <p:sldLayoutId id="2147483774" r:id="rId9"/>
-    <p:sldLayoutId id="2147483775" r:id="rId10"/>
-    <p:sldLayoutId id="2147483776" r:id="rId11"/>
-    <p:sldLayoutId id="2147483778" r:id="rId12"/>
-    <p:sldLayoutId id="2147483779" r:id="rId13"/>
+    <p:sldLayoutId id="2147483649" r:id="rId1"/>
+    <p:sldLayoutId id="2147483650" r:id="rId2"/>
+    <p:sldLayoutId id="2147483651" r:id="rId3"/>
+    <p:sldLayoutId id="2147483652" r:id="rId4"/>
+    <p:sldLayoutId id="2147483653" r:id="rId5"/>
+    <p:sldLayoutId id="2147483654" r:id="rId6"/>
+    <p:sldLayoutId id="2147483655" r:id="rId7"/>
+    <p:sldLayoutId id="2147483656" r:id="rId8"/>
+    <p:sldLayoutId id="2147483657" r:id="rId9"/>
+    <p:sldLayoutId id="2147483658" r:id="rId10"/>
+    <p:sldLayoutId id="2147483659" r:id="rId11"/>
+    <p:sldLayoutId id="2147483660" r:id="rId12"/>
+    <p:sldLayoutId id="2147483661" r:id="rId13"/>
   </p:sldLayoutIdLst>
   <p:txStyles>
     <p:titleStyle>
-      <a:lvl1pPr algn="ctr" defTabSz="342715" rtl="0" eaLnBrk="1" latinLnBrk="0" hangingPunct="1">
+      <a:lvl1pPr algn="ctr" defTabSz="342900" rtl="0" eaLnBrk="1" latinLnBrk="0" hangingPunct="1">
         <a:spcBef>
           <a:spcPct val="0"/>
         </a:spcBef>
@@ -4651,11 +4397,11 @@
       </a:lvl1pPr>
     </p:titleStyle>
     <p:bodyStyle>
-      <a:lvl1pPr marL="257039" indent="-257039" algn="l" defTabSz="342715" rtl="0" eaLnBrk="1" latinLnBrk="0" hangingPunct="1">
+      <a:lvl1pPr marL="257175" indent="-257175" algn="l" defTabSz="342900" rtl="0" eaLnBrk="1" latinLnBrk="0" hangingPunct="1">
         <a:spcBef>
           <a:spcPct val="20000"/>
         </a:spcBef>
-        <a:buFont typeface="Arial"/>
+        <a:buFont typeface="Arial" panose="020B0604020202020204"/>
         <a:buChar char="•"/>
         <a:defRPr sz="2400" kern="1200">
           <a:solidFill>
@@ -4666,11 +4412,11 @@
           <a:cs typeface="+mn-cs"/>
         </a:defRPr>
       </a:lvl1pPr>
-      <a:lvl2pPr marL="556915" indent="-214199" algn="l" defTabSz="342715" rtl="0" eaLnBrk="1" latinLnBrk="0" hangingPunct="1">
+      <a:lvl2pPr marL="556895" indent="-213995" algn="l" defTabSz="342900" rtl="0" eaLnBrk="1" latinLnBrk="0" hangingPunct="1">
         <a:spcBef>
           <a:spcPct val="20000"/>
         </a:spcBef>
-        <a:buFont typeface="Arial"/>
+        <a:buFont typeface="Arial" panose="020B0604020202020204"/>
         <a:buChar char="–"/>
         <a:defRPr sz="2100" kern="1200">
           <a:solidFill>
@@ -4681,11 +4427,11 @@
           <a:cs typeface="+mn-cs"/>
         </a:defRPr>
       </a:lvl2pPr>
-      <a:lvl3pPr marL="856794" indent="-171358" algn="l" defTabSz="342715" rtl="0" eaLnBrk="1" latinLnBrk="0" hangingPunct="1">
+      <a:lvl3pPr marL="856615" indent="-171450" algn="l" defTabSz="342900" rtl="0" eaLnBrk="1" latinLnBrk="0" hangingPunct="1">
         <a:spcBef>
           <a:spcPct val="20000"/>
         </a:spcBef>
-        <a:buFont typeface="Arial"/>
+        <a:buFont typeface="Arial" panose="020B0604020202020204"/>
         <a:buChar char="•"/>
         <a:defRPr sz="1800" kern="1200">
           <a:solidFill>
@@ -4696,11 +4442,11 @@
           <a:cs typeface="+mn-cs"/>
         </a:defRPr>
       </a:lvl3pPr>
-      <a:lvl4pPr marL="1199509" indent="-171358" algn="l" defTabSz="342715" rtl="0" eaLnBrk="1" latinLnBrk="0" hangingPunct="1">
+      <a:lvl4pPr marL="1199515" indent="-171450" algn="l" defTabSz="342900" rtl="0" eaLnBrk="1" latinLnBrk="0" hangingPunct="1">
         <a:spcBef>
           <a:spcPct val="20000"/>
         </a:spcBef>
-        <a:buFont typeface="Arial"/>
+        <a:buFont typeface="Arial" panose="020B0604020202020204"/>
         <a:buChar char="–"/>
         <a:defRPr sz="1500" kern="1200">
           <a:solidFill>
@@ -4711,11 +4457,11 @@
           <a:cs typeface="+mn-cs"/>
         </a:defRPr>
       </a:lvl4pPr>
-      <a:lvl5pPr marL="1542225" indent="-171358" algn="l" defTabSz="342715" rtl="0" eaLnBrk="1" latinLnBrk="0" hangingPunct="1">
+      <a:lvl5pPr marL="1542415" indent="-171450" algn="l" defTabSz="342900" rtl="0" eaLnBrk="1" latinLnBrk="0" hangingPunct="1">
         <a:spcBef>
           <a:spcPct val="20000"/>
         </a:spcBef>
-        <a:buFont typeface="Arial"/>
+        <a:buFont typeface="Arial" panose="020B0604020202020204"/>
         <a:buChar char="»"/>
         <a:defRPr sz="1500" kern="1200">
           <a:solidFill>
@@ -4726,11 +4472,11 @@
           <a:cs typeface="+mn-cs"/>
         </a:defRPr>
       </a:lvl5pPr>
-      <a:lvl6pPr marL="1884943" indent="-171358" algn="l" defTabSz="342715" rtl="0" eaLnBrk="1" latinLnBrk="0" hangingPunct="1">
+      <a:lvl6pPr marL="1884680" indent="-171450" algn="l" defTabSz="342900" rtl="0" eaLnBrk="1" latinLnBrk="0" hangingPunct="1">
         <a:spcBef>
           <a:spcPct val="20000"/>
         </a:spcBef>
-        <a:buFont typeface="Arial"/>
+        <a:buFont typeface="Arial" panose="020B0604020202020204"/>
         <a:buChar char="•"/>
         <a:defRPr sz="1500" kern="1200">
           <a:solidFill>
@@ -4741,11 +4487,11 @@
           <a:cs typeface="+mn-cs"/>
         </a:defRPr>
       </a:lvl6pPr>
-      <a:lvl7pPr marL="2227660" indent="-171358" algn="l" defTabSz="342715" rtl="0" eaLnBrk="1" latinLnBrk="0" hangingPunct="1">
+      <a:lvl7pPr marL="2227580" indent="-171450" algn="l" defTabSz="342900" rtl="0" eaLnBrk="1" latinLnBrk="0" hangingPunct="1">
         <a:spcBef>
           <a:spcPct val="20000"/>
         </a:spcBef>
-        <a:buFont typeface="Arial"/>
+        <a:buFont typeface="Arial" panose="020B0604020202020204"/>
         <a:buChar char="•"/>
         <a:defRPr sz="1500" kern="1200">
           <a:solidFill>
@@ -4756,11 +4502,11 @@
           <a:cs typeface="+mn-cs"/>
         </a:defRPr>
       </a:lvl7pPr>
-      <a:lvl8pPr marL="2570378" indent="-171358" algn="l" defTabSz="342715" rtl="0" eaLnBrk="1" latinLnBrk="0" hangingPunct="1">
+      <a:lvl8pPr marL="2570480" indent="-171450" algn="l" defTabSz="342900" rtl="0" eaLnBrk="1" latinLnBrk="0" hangingPunct="1">
         <a:spcBef>
           <a:spcPct val="20000"/>
         </a:spcBef>
-        <a:buFont typeface="Arial"/>
+        <a:buFont typeface="Arial" panose="020B0604020202020204"/>
         <a:buChar char="•"/>
         <a:defRPr sz="1500" kern="1200">
           <a:solidFill>
@@ -4771,11 +4517,11 @@
           <a:cs typeface="+mn-cs"/>
         </a:defRPr>
       </a:lvl8pPr>
-      <a:lvl9pPr marL="2913093" indent="-171358" algn="l" defTabSz="342715" rtl="0" eaLnBrk="1" latinLnBrk="0" hangingPunct="1">
+      <a:lvl9pPr marL="2913380" indent="-171450" algn="l" defTabSz="342900" rtl="0" eaLnBrk="1" latinLnBrk="0" hangingPunct="1">
         <a:spcBef>
           <a:spcPct val="20000"/>
         </a:spcBef>
-        <a:buFont typeface="Arial"/>
+        <a:buFont typeface="Arial" panose="020B0604020202020204"/>
         <a:buChar char="•"/>
         <a:defRPr sz="1500" kern="1200">
           <a:solidFill>
@@ -4791,7 +4537,7 @@
       <a:defPPr>
         <a:defRPr lang="en-US"/>
       </a:defPPr>
-      <a:lvl1pPr marL="0" algn="l" defTabSz="342715" rtl="0" eaLnBrk="1" latinLnBrk="0" hangingPunct="1">
+      <a:lvl1pPr marL="0" algn="l" defTabSz="342900" rtl="0" eaLnBrk="1" latinLnBrk="0" hangingPunct="1">
         <a:defRPr sz="1400" kern="1200">
           <a:solidFill>
             <a:schemeClr val="tx1"/>
@@ -4801,7 +4547,7 @@
           <a:cs typeface="+mn-cs"/>
         </a:defRPr>
       </a:lvl1pPr>
-      <a:lvl2pPr marL="342715" algn="l" defTabSz="342715" rtl="0" eaLnBrk="1" latinLnBrk="0" hangingPunct="1">
+      <a:lvl2pPr marL="342900" algn="l" defTabSz="342900" rtl="0" eaLnBrk="1" latinLnBrk="0" hangingPunct="1">
         <a:defRPr sz="1400" kern="1200">
           <a:solidFill>
             <a:schemeClr val="tx1"/>
@@ -4811,7 +4557,7 @@
           <a:cs typeface="+mn-cs"/>
         </a:defRPr>
       </a:lvl2pPr>
-      <a:lvl3pPr marL="685434" algn="l" defTabSz="342715" rtl="0" eaLnBrk="1" latinLnBrk="0" hangingPunct="1">
+      <a:lvl3pPr marL="685165" algn="l" defTabSz="342900" rtl="0" eaLnBrk="1" latinLnBrk="0" hangingPunct="1">
         <a:defRPr sz="1400" kern="1200">
           <a:solidFill>
             <a:schemeClr val="tx1"/>
@@ -4821,7 +4567,7 @@
           <a:cs typeface="+mn-cs"/>
         </a:defRPr>
       </a:lvl3pPr>
-      <a:lvl4pPr marL="1028150" algn="l" defTabSz="342715" rtl="0" eaLnBrk="1" latinLnBrk="0" hangingPunct="1">
+      <a:lvl4pPr marL="1028065" algn="l" defTabSz="342900" rtl="0" eaLnBrk="1" latinLnBrk="0" hangingPunct="1">
         <a:defRPr sz="1400" kern="1200">
           <a:solidFill>
             <a:schemeClr val="tx1"/>
@@ -4831,7 +4577,7 @@
           <a:cs typeface="+mn-cs"/>
         </a:defRPr>
       </a:lvl4pPr>
-      <a:lvl5pPr marL="1370868" algn="l" defTabSz="342715" rtl="0" eaLnBrk="1" latinLnBrk="0" hangingPunct="1">
+      <a:lvl5pPr marL="1370965" algn="l" defTabSz="342900" rtl="0" eaLnBrk="1" latinLnBrk="0" hangingPunct="1">
         <a:defRPr sz="1400" kern="1200">
           <a:solidFill>
             <a:schemeClr val="tx1"/>
@@ -4841,7 +4587,7 @@
           <a:cs typeface="+mn-cs"/>
         </a:defRPr>
       </a:lvl5pPr>
-      <a:lvl6pPr marL="1713584" algn="l" defTabSz="342715" rtl="0" eaLnBrk="1" latinLnBrk="0" hangingPunct="1">
+      <a:lvl6pPr marL="1713865" algn="l" defTabSz="342900" rtl="0" eaLnBrk="1" latinLnBrk="0" hangingPunct="1">
         <a:defRPr sz="1400" kern="1200">
           <a:solidFill>
             <a:schemeClr val="tx1"/>
@@ -4851,7 +4597,7 @@
           <a:cs typeface="+mn-cs"/>
         </a:defRPr>
       </a:lvl6pPr>
-      <a:lvl7pPr marL="2056301" algn="l" defTabSz="342715" rtl="0" eaLnBrk="1" latinLnBrk="0" hangingPunct="1">
+      <a:lvl7pPr marL="2056130" algn="l" defTabSz="342900" rtl="0" eaLnBrk="1" latinLnBrk="0" hangingPunct="1">
         <a:defRPr sz="1400" kern="1200">
           <a:solidFill>
             <a:schemeClr val="tx1"/>
@@ -4861,7 +4607,7 @@
           <a:cs typeface="+mn-cs"/>
         </a:defRPr>
       </a:lvl7pPr>
-      <a:lvl8pPr marL="2399019" algn="l" defTabSz="342715" rtl="0" eaLnBrk="1" latinLnBrk="0" hangingPunct="1">
+      <a:lvl8pPr marL="2399030" algn="l" defTabSz="342900" rtl="0" eaLnBrk="1" latinLnBrk="0" hangingPunct="1">
         <a:defRPr sz="1400" kern="1200">
           <a:solidFill>
             <a:schemeClr val="tx1"/>
@@ -4871,7 +4617,7 @@
           <a:cs typeface="+mn-cs"/>
         </a:defRPr>
       </a:lvl8pPr>
-      <a:lvl9pPr marL="2741736" algn="l" defTabSz="342715" rtl="0" eaLnBrk="1" latinLnBrk="0" hangingPunct="1">
+      <a:lvl9pPr marL="2741930" algn="l" defTabSz="342900" rtl="0" eaLnBrk="1" latinLnBrk="0" hangingPunct="1">
         <a:defRPr sz="1400" kern="1200">
           <a:solidFill>
             <a:schemeClr val="tx1"/>
@@ -4949,6 +4695,11 @@
               </a:rPr>
               <a:t>TRABALHO 1</a:t>
             </a:r>
+            <a:endParaRPr lang="en-US" dirty="0">
+              <a:solidFill>
+                <a:schemeClr val="tx1"/>
+              </a:solidFill>
+            </a:endParaRPr>
           </a:p>
           <a:p>
             <a:pPr marL="0" indent="0">
@@ -4984,6 +4735,11 @@
               </a:rPr>
               <a:t>EQUIPE:</a:t>
             </a:r>
+            <a:endParaRPr lang="en-US" dirty="0">
+              <a:solidFill>
+                <a:schemeClr val="tx1"/>
+              </a:solidFill>
+            </a:endParaRPr>
           </a:p>
           <a:p>
             <a:pPr marL="0" indent="0">
@@ -5008,13 +4764,46 @@
                   <a:srgbClr val="FF0000"/>
                 </a:solidFill>
               </a:rPr>
-              <a:t>PREENCHER</a:t>
+              <a:t>Ricardo Lacerda: RM343169</a:t>
             </a:r>
             <a:endParaRPr lang="pt-BR" dirty="0">
               <a:solidFill>
                 <a:srgbClr val="FF0000"/>
               </a:solidFill>
-              <a:cs typeface="Calibri"/>
+            </a:endParaRPr>
+          </a:p>
+          <a:p>
+            <a:r>
+              <a:rPr lang="pt-BR" dirty="0">
+                <a:solidFill>
+                  <a:srgbClr val="FF0000"/>
+                </a:solidFill>
+                <a:cs typeface="Calibri" panose="020F0502020204030204"/>
+              </a:rPr>
+              <a:t>Gabriel Batalha: RM343023 </a:t>
+            </a:r>
+            <a:endParaRPr lang="pt-BR" dirty="0">
+              <a:solidFill>
+                <a:srgbClr val="FF0000"/>
+              </a:solidFill>
+              <a:cs typeface="Calibri" panose="020F0502020204030204"/>
+            </a:endParaRPr>
+          </a:p>
+          <a:p>
+            <a:r>
+              <a:rPr lang="pt-BR" dirty="0">
+                <a:solidFill>
+                  <a:srgbClr val="FF0000"/>
+                </a:solidFill>
+                <a:cs typeface="Calibri" panose="020F0502020204030204"/>
+              </a:rPr>
+              <a:t>Marcos Porto: RM343447</a:t>
+            </a:r>
+            <a:endParaRPr lang="pt-BR" dirty="0">
+              <a:solidFill>
+                <a:srgbClr val="FF0000"/>
+              </a:solidFill>
+              <a:cs typeface="Calibri" panose="020F0502020204030204"/>
             </a:endParaRPr>
           </a:p>
         </p:txBody>
@@ -5052,27 +4841,27 @@
             </a:pPr>
             <a:r>
               <a:rPr lang="en-US" sz="900" b="1" dirty="0">
-                <a:latin typeface="Arial"/>
-                <a:ea typeface="Arial"/>
-                <a:cs typeface="Arial"/>
-                <a:sym typeface="Arial"/>
+                <a:latin typeface="Arial" panose="020B0604020202020204"/>
+                <a:ea typeface="Arial" panose="020B0604020202020204"/>
+                <a:cs typeface="Arial" panose="020B0604020202020204"/>
+                <a:sym typeface="Arial" panose="020B0604020202020204"/>
               </a:rPr>
               <a:t>Profª . André Pontes </a:t>
             </a:r>
             <a:r>
               <a:rPr lang="en-US" sz="900" b="1" dirty="0" err="1">
-                <a:latin typeface="Arial"/>
-                <a:ea typeface="Arial"/>
-                <a:cs typeface="Arial"/>
-                <a:sym typeface="Arial"/>
+                <a:latin typeface="Arial" panose="020B0604020202020204"/>
+                <a:ea typeface="Arial" panose="020B0604020202020204"/>
+                <a:cs typeface="Arial" panose="020B0604020202020204"/>
+                <a:sym typeface="Arial" panose="020B0604020202020204"/>
               </a:rPr>
               <a:t>Sampaio</a:t>
             </a:r>
             <a:endParaRPr sz="900" b="1" dirty="0">
-              <a:latin typeface="Arial"/>
-              <a:ea typeface="Arial"/>
-              <a:cs typeface="Arial"/>
-              <a:sym typeface="Arial"/>
+              <a:latin typeface="Arial" panose="020B0604020202020204"/>
+              <a:ea typeface="Arial" panose="020B0604020202020204"/>
+              <a:cs typeface="Arial" panose="020B0604020202020204"/>
+              <a:sym typeface="Arial" panose="020B0604020202020204"/>
             </a:endParaRPr>
           </a:p>
           <a:p>
@@ -5090,23 +4879,17 @@
               <a:t>profandre.sampaio@fiap.com.br</a:t>
             </a:r>
             <a:endParaRPr sz="900" dirty="0">
-              <a:latin typeface="Arial"/>
-              <a:ea typeface="Arial"/>
-              <a:cs typeface="Arial"/>
-              <a:sym typeface="Arial"/>
+              <a:latin typeface="Arial" panose="020B0604020202020204"/>
+              <a:ea typeface="Arial" panose="020B0604020202020204"/>
+              <a:cs typeface="Arial" panose="020B0604020202020204"/>
+              <a:sym typeface="Arial" panose="020B0604020202020204"/>
             </a:endParaRPr>
           </a:p>
         </p:txBody>
       </p:sp>
       <p:sp>
         <p:nvSpPr>
-          <p:cNvPr id="5" name="TextBox 5">
-            <a:extLst>
-              <a:ext uri="{FF2B5EF4-FFF2-40B4-BE49-F238E27FC236}">
-                <a16:creationId xmlns:a16="http://schemas.microsoft.com/office/drawing/2014/main" id="{4EBD7EC8-6B4B-594B-B8FC-572E1B498D45}"/>
-              </a:ext>
-            </a:extLst>
-          </p:cNvPr>
+          <p:cNvPr id="5" name="TextBox 5"/>
           <p:cNvSpPr txBox="1"/>
           <p:nvPr/>
         </p:nvSpPr>
@@ -5137,6 +4920,13 @@
               </a:rPr>
               <a:t>CONTEINERS E </a:t>
             </a:r>
+            <a:endParaRPr lang="en-US" sz="3500" dirty="0">
+              <a:solidFill>
+                <a:srgbClr val="626E73"/>
+              </a:solidFill>
+              <a:latin typeface="Gotham HTF Light"/>
+              <a:cs typeface="Gotham HTF Light"/>
+            </a:endParaRPr>
           </a:p>
           <a:p>
             <a:pPr algn="ctr"/>
@@ -5150,18 +4940,19 @@
               </a:rPr>
               <a:t>VIRTUALIZATION</a:t>
             </a:r>
+            <a:endParaRPr lang="en-US" sz="3500" dirty="0">
+              <a:solidFill>
+                <a:srgbClr val="626E73"/>
+              </a:solidFill>
+              <a:latin typeface="Gotham HTF Light"/>
+              <a:cs typeface="Gotham HTF Light"/>
+            </a:endParaRPr>
           </a:p>
         </p:txBody>
       </p:sp>
       <p:cxnSp>
         <p:nvCxnSpPr>
-          <p:cNvPr id="6" name="Straight Connector 4">
-            <a:extLst>
-              <a:ext uri="{FF2B5EF4-FFF2-40B4-BE49-F238E27FC236}">
-                <a16:creationId xmlns:a16="http://schemas.microsoft.com/office/drawing/2014/main" id="{CDD46417-C48B-A84A-B3DC-1E81B50C0B3D}"/>
-              </a:ext>
-            </a:extLst>
-          </p:cNvPr>
+          <p:cNvPr id="6" name="Straight Connector 4"/>
           <p:cNvCxnSpPr/>
           <p:nvPr/>
         </p:nvCxnSpPr>
@@ -5196,11 +4987,6 @@
         </p:style>
       </p:cxnSp>
     </p:spTree>
-    <p:extLst>
-      <p:ext uri="{BB962C8B-B14F-4D97-AF65-F5344CB8AC3E}">
-        <p14:creationId xmlns:p14="http://schemas.microsoft.com/office/powerpoint/2010/main" val="3447061909"/>
-      </p:ext>
-    </p:extLst>
   </p:cSld>
   <p:clrMapOvr>
     <a:masterClrMapping/>
@@ -5227,16 +5013,8 @@
       </p:grpSpPr>
       <p:sp>
         <p:nvSpPr>
-          <p:cNvPr id="9" name="Google Shape;171;p44">
-            <a:extLst>
-              <a:ext uri="{FF2B5EF4-FFF2-40B4-BE49-F238E27FC236}">
-                <a16:creationId xmlns:a16="http://schemas.microsoft.com/office/drawing/2014/main" id="{84DC1B38-1F09-B74F-BA39-59B80008A055}"/>
-              </a:ext>
-            </a:extLst>
-          </p:cNvPr>
-          <p:cNvSpPr txBox="1">
-            <a:spLocks/>
-          </p:cNvSpPr>
+          <p:cNvPr id="9" name="Google Shape;171;p44"/>
+          <p:cNvSpPr txBox="1"/>
           <p:nvPr/>
         </p:nvSpPr>
         <p:spPr>
@@ -5257,11 +5035,11 @@
             <a:noAutofit/>
           </a:bodyPr>
           <a:lstStyle>
-            <a:lvl1pPr marL="0" indent="0" algn="ctr" defTabSz="342715" rtl="0" eaLnBrk="1" latinLnBrk="0" hangingPunct="1">
+            <a:lvl1pPr marL="0" indent="0" algn="ctr" defTabSz="342900" rtl="0" eaLnBrk="1" latinLnBrk="0" hangingPunct="1">
               <a:spcBef>
                 <a:spcPct val="20000"/>
               </a:spcBef>
-              <a:buFont typeface="Arial"/>
+              <a:buFont typeface="Arial" panose="020B0604020202020204"/>
               <a:buNone/>
               <a:defRPr sz="2400" kern="1200">
                 <a:solidFill>
@@ -5274,11 +5052,11 @@
                 <a:cs typeface="+mn-cs"/>
               </a:defRPr>
             </a:lvl1pPr>
-            <a:lvl2pPr marL="342715" indent="0" algn="ctr" defTabSz="342715" rtl="0" eaLnBrk="1" latinLnBrk="0" hangingPunct="1">
+            <a:lvl2pPr marL="342900" indent="0" algn="ctr" defTabSz="342900" rtl="0" eaLnBrk="1" latinLnBrk="0" hangingPunct="1">
               <a:spcBef>
                 <a:spcPct val="20000"/>
               </a:spcBef>
-              <a:buFont typeface="Arial"/>
+              <a:buFont typeface="Arial" panose="020B0604020202020204"/>
               <a:buNone/>
               <a:defRPr sz="2100" kern="1200">
                 <a:solidFill>
@@ -5291,11 +5069,11 @@
                 <a:cs typeface="+mn-cs"/>
               </a:defRPr>
             </a:lvl2pPr>
-            <a:lvl3pPr marL="685434" indent="0" algn="ctr" defTabSz="342715" rtl="0" eaLnBrk="1" latinLnBrk="0" hangingPunct="1">
+            <a:lvl3pPr marL="685165" indent="0" algn="ctr" defTabSz="342900" rtl="0" eaLnBrk="1" latinLnBrk="0" hangingPunct="1">
               <a:spcBef>
                 <a:spcPct val="20000"/>
               </a:spcBef>
-              <a:buFont typeface="Arial"/>
+              <a:buFont typeface="Arial" panose="020B0604020202020204"/>
               <a:buNone/>
               <a:defRPr sz="1800" kern="1200">
                 <a:solidFill>
@@ -5308,11 +5086,11 @@
                 <a:cs typeface="+mn-cs"/>
               </a:defRPr>
             </a:lvl3pPr>
-            <a:lvl4pPr marL="1028150" indent="0" algn="ctr" defTabSz="342715" rtl="0" eaLnBrk="1" latinLnBrk="0" hangingPunct="1">
+            <a:lvl4pPr marL="1028065" indent="0" algn="ctr" defTabSz="342900" rtl="0" eaLnBrk="1" latinLnBrk="0" hangingPunct="1">
               <a:spcBef>
                 <a:spcPct val="20000"/>
               </a:spcBef>
-              <a:buFont typeface="Arial"/>
+              <a:buFont typeface="Arial" panose="020B0604020202020204"/>
               <a:buNone/>
               <a:defRPr sz="1500" kern="1200">
                 <a:solidFill>
@@ -5325,11 +5103,11 @@
                 <a:cs typeface="+mn-cs"/>
               </a:defRPr>
             </a:lvl4pPr>
-            <a:lvl5pPr marL="1370868" indent="0" algn="ctr" defTabSz="342715" rtl="0" eaLnBrk="1" latinLnBrk="0" hangingPunct="1">
+            <a:lvl5pPr marL="1370965" indent="0" algn="ctr" defTabSz="342900" rtl="0" eaLnBrk="1" latinLnBrk="0" hangingPunct="1">
               <a:spcBef>
                 <a:spcPct val="20000"/>
               </a:spcBef>
-              <a:buFont typeface="Arial"/>
+              <a:buFont typeface="Arial" panose="020B0604020202020204"/>
               <a:buNone/>
               <a:defRPr sz="1500" kern="1200">
                 <a:solidFill>
@@ -5342,11 +5120,11 @@
                 <a:cs typeface="+mn-cs"/>
               </a:defRPr>
             </a:lvl5pPr>
-            <a:lvl6pPr marL="1713584" indent="0" algn="ctr" defTabSz="342715" rtl="0" eaLnBrk="1" latinLnBrk="0" hangingPunct="1">
+            <a:lvl6pPr marL="1713865" indent="0" algn="ctr" defTabSz="342900" rtl="0" eaLnBrk="1" latinLnBrk="0" hangingPunct="1">
               <a:spcBef>
                 <a:spcPct val="20000"/>
               </a:spcBef>
-              <a:buFont typeface="Arial"/>
+              <a:buFont typeface="Arial" panose="020B0604020202020204"/>
               <a:buNone/>
               <a:defRPr sz="1500" kern="1200">
                 <a:solidFill>
@@ -5359,11 +5137,11 @@
                 <a:cs typeface="+mn-cs"/>
               </a:defRPr>
             </a:lvl6pPr>
-            <a:lvl7pPr marL="2056301" indent="0" algn="ctr" defTabSz="342715" rtl="0" eaLnBrk="1" latinLnBrk="0" hangingPunct="1">
+            <a:lvl7pPr marL="2056130" indent="0" algn="ctr" defTabSz="342900" rtl="0" eaLnBrk="1" latinLnBrk="0" hangingPunct="1">
               <a:spcBef>
                 <a:spcPct val="20000"/>
               </a:spcBef>
-              <a:buFont typeface="Arial"/>
+              <a:buFont typeface="Arial" panose="020B0604020202020204"/>
               <a:buNone/>
               <a:defRPr sz="1500" kern="1200">
                 <a:solidFill>
@@ -5376,11 +5154,11 @@
                 <a:cs typeface="+mn-cs"/>
               </a:defRPr>
             </a:lvl7pPr>
-            <a:lvl8pPr marL="2399019" indent="0" algn="ctr" defTabSz="342715" rtl="0" eaLnBrk="1" latinLnBrk="0" hangingPunct="1">
+            <a:lvl8pPr marL="2399030" indent="0" algn="ctr" defTabSz="342900" rtl="0" eaLnBrk="1" latinLnBrk="0" hangingPunct="1">
               <a:spcBef>
                 <a:spcPct val="20000"/>
               </a:spcBef>
-              <a:buFont typeface="Arial"/>
+              <a:buFont typeface="Arial" panose="020B0604020202020204"/>
               <a:buNone/>
               <a:defRPr sz="1500" kern="1200">
                 <a:solidFill>
@@ -5393,11 +5171,11 @@
                 <a:cs typeface="+mn-cs"/>
               </a:defRPr>
             </a:lvl8pPr>
-            <a:lvl9pPr marL="2741736" indent="0" algn="ctr" defTabSz="342715" rtl="0" eaLnBrk="1" latinLnBrk="0" hangingPunct="1">
+            <a:lvl9pPr marL="2741930" indent="0" algn="ctr" defTabSz="342900" rtl="0" eaLnBrk="1" latinLnBrk="0" hangingPunct="1">
               <a:spcBef>
                 <a:spcPct val="20000"/>
               </a:spcBef>
-              <a:buFont typeface="Arial"/>
+              <a:buFont typeface="Arial" panose="020B0604020202020204"/>
               <a:buNone/>
               <a:defRPr sz="1500" kern="1200">
                 <a:solidFill>
@@ -5424,20 +5202,21 @@
               <a:spcBef>
                 <a:spcPts val="0"/>
               </a:spcBef>
-              <a:buFont typeface="Arial"/>
+              <a:buFont typeface="Arial" panose="020B0604020202020204"/>
               <a:buAutoNum type="arabicParenR"/>
             </a:pPr>
             <a:r>
               <a:rPr lang="pt-BR" sz="2000" dirty="0"/>
               <a:t>TOPOLOGIA DA SOLUÇÃO:					3 PONTOS</a:t>
             </a:r>
+            <a:endParaRPr lang="pt-BR" sz="2000" dirty="0"/>
           </a:p>
           <a:p>
             <a:pPr marL="514350" indent="-514350" algn="l">
               <a:spcBef>
                 <a:spcPts val="0"/>
               </a:spcBef>
-              <a:buFont typeface="Arial"/>
+              <a:buFont typeface="Arial" panose="020B0604020202020204"/>
               <a:buAutoNum type="arabicParenR"/>
             </a:pPr>
             <a:endParaRPr lang="pt-BR" sz="2000" dirty="0"/>
@@ -5447,7 +5226,7 @@
               <a:spcBef>
                 <a:spcPts val="0"/>
               </a:spcBef>
-              <a:buFont typeface="Arial"/>
+              <a:buFont typeface="Arial" panose="020B0604020202020204"/>
               <a:buAutoNum type="arabicParenR"/>
             </a:pPr>
             <a:endParaRPr lang="pt-BR" sz="2000" dirty="0"/>
@@ -5457,20 +5236,21 @@
               <a:spcBef>
                 <a:spcPts val="0"/>
               </a:spcBef>
-              <a:buFont typeface="Arial"/>
+              <a:buFont typeface="Arial" panose="020B0604020202020204"/>
               <a:buAutoNum type="arabicParenR"/>
             </a:pPr>
             <a:r>
               <a:rPr lang="pt-BR" sz="2000" dirty="0"/>
               <a:t>CONFIGURAÇÃO DECLARATIVA (YML)		3 PONTOS</a:t>
             </a:r>
+            <a:endParaRPr lang="pt-BR" sz="2000" dirty="0"/>
           </a:p>
           <a:p>
             <a:pPr marL="514350" indent="-514350" algn="l">
               <a:spcBef>
                 <a:spcPts val="0"/>
               </a:spcBef>
-              <a:buFont typeface="Arial"/>
+              <a:buFont typeface="Arial" panose="020B0604020202020204"/>
               <a:buAutoNum type="arabicParenR"/>
             </a:pPr>
             <a:endParaRPr lang="pt-BR" sz="2000" dirty="0"/>
@@ -5480,7 +5260,7 @@
               <a:spcBef>
                 <a:spcPts val="0"/>
               </a:spcBef>
-              <a:buFont typeface="Arial"/>
+              <a:buFont typeface="Arial" panose="020B0604020202020204"/>
               <a:buAutoNum type="arabicParenR"/>
             </a:pPr>
             <a:endParaRPr lang="pt-BR" sz="2000" dirty="0"/>
@@ -5490,25 +5270,20 @@
               <a:spcBef>
                 <a:spcPts val="0"/>
               </a:spcBef>
-              <a:buFont typeface="Arial"/>
+              <a:buFont typeface="Arial" panose="020B0604020202020204"/>
               <a:buAutoNum type="arabicParenR"/>
             </a:pPr>
             <a:r>
               <a:rPr lang="pt-BR" sz="2000" dirty="0"/>
               <a:t>VÍDEO DEMONSTRATIVO DA SOLUÇÃO	2 PONTOS</a:t>
             </a:r>
-          </a:p>
-        </p:txBody>
-      </p:sp>
-      <p:sp>
-        <p:nvSpPr>
-          <p:cNvPr id="8" name="TextBox 5">
-            <a:extLst>
-              <a:ext uri="{FF2B5EF4-FFF2-40B4-BE49-F238E27FC236}">
-                <a16:creationId xmlns:a16="http://schemas.microsoft.com/office/drawing/2014/main" id="{F82FFD2B-C0C9-7146-96C6-A13001314499}"/>
-              </a:ext>
-            </a:extLst>
-          </p:cNvPr>
+            <a:endParaRPr lang="pt-BR" sz="2000" dirty="0"/>
+          </a:p>
+        </p:txBody>
+      </p:sp>
+      <p:sp>
+        <p:nvSpPr>
+          <p:cNvPr id="8" name="TextBox 5"/>
           <p:cNvSpPr txBox="1"/>
           <p:nvPr/>
         </p:nvSpPr>
@@ -5539,15 +5314,17 @@
               </a:rPr>
               <a:t> INSTRUÇÕES</a:t>
             </a:r>
+            <a:endParaRPr lang="en-US" sz="3500" dirty="0">
+              <a:solidFill>
+                <a:srgbClr val="626E73"/>
+              </a:solidFill>
+              <a:latin typeface="Gotham HTF Light"/>
+              <a:cs typeface="Gotham HTF Light"/>
+            </a:endParaRPr>
           </a:p>
         </p:txBody>
       </p:sp>
     </p:spTree>
-    <p:extLst>
-      <p:ext uri="{BB962C8B-B14F-4D97-AF65-F5344CB8AC3E}">
-        <p14:creationId xmlns:p14="http://schemas.microsoft.com/office/powerpoint/2010/main" val="2612494020"/>
-      </p:ext>
-    </p:extLst>
   </p:cSld>
   <p:clrMapOvr>
     <a:masterClrMapping/>
@@ -5633,24 +5410,25 @@
             <a:endParaRPr lang="pt-BR" sz="1050" dirty="0"/>
           </a:p>
           <a:p>
-            <a:pPr marL="385763" indent="-385763" algn="l">
-              <a:spcBef>
-                <a:spcPts val="0"/>
-              </a:spcBef>
-              <a:buFont typeface="Wingdings" pitchFamily="2" charset="2"/>
+            <a:pPr marL="386080" indent="-386080" algn="l">
+              <a:spcBef>
+                <a:spcPts val="0"/>
+              </a:spcBef>
+              <a:buFont typeface="Wingdings" panose="05000000000000000000" pitchFamily="2" charset="2"/>
               <a:buChar char="q"/>
             </a:pPr>
             <a:r>
               <a:rPr lang="pt-BR" sz="1400" dirty="0"/>
               <a:t>MICROSERVIÇO COM AÇÕES CRUD</a:t>
             </a:r>
-          </a:p>
-          <a:p>
-            <a:pPr marL="385763" indent="-385763" algn="l">
-              <a:spcBef>
-                <a:spcPts val="0"/>
-              </a:spcBef>
-              <a:buFont typeface="Wingdings" pitchFamily="2" charset="2"/>
+            <a:endParaRPr lang="pt-BR" sz="1400" dirty="0"/>
+          </a:p>
+          <a:p>
+            <a:pPr marL="386080" indent="-386080" algn="l">
+              <a:spcBef>
+                <a:spcPts val="0"/>
+              </a:spcBef>
+              <a:buFont typeface="Wingdings" panose="05000000000000000000" pitchFamily="2" charset="2"/>
               <a:buChar char="q"/>
             </a:pPr>
             <a:endParaRPr lang="pt-BR" sz="1400" dirty="0">
@@ -5660,11 +5438,11 @@
             </a:endParaRPr>
           </a:p>
           <a:p>
-            <a:pPr marL="385763" indent="-385763" algn="l">
-              <a:spcBef>
-                <a:spcPts val="0"/>
-              </a:spcBef>
-              <a:buFont typeface="Wingdings" pitchFamily="2" charset="2"/>
+            <a:pPr marL="386080" indent="-386080" algn="l">
+              <a:spcBef>
+                <a:spcPts val="0"/>
+              </a:spcBef>
+              <a:buFont typeface="Wingdings" panose="05000000000000000000" pitchFamily="2" charset="2"/>
               <a:buChar char="q"/>
             </a:pPr>
             <a:r>
@@ -5675,92 +5453,100 @@
               </a:rPr>
               <a:t>USO DE BANCO DE DADOS</a:t>
             </a:r>
-          </a:p>
-          <a:p>
-            <a:pPr marL="385763" indent="-385763" algn="l">
-              <a:spcBef>
-                <a:spcPts val="0"/>
-              </a:spcBef>
-              <a:buFont typeface="Wingdings" pitchFamily="2" charset="2"/>
+            <a:endParaRPr lang="pt-BR" sz="1400" dirty="0">
+              <a:solidFill>
+                <a:schemeClr val="tx1"/>
+              </a:solidFill>
+            </a:endParaRPr>
+          </a:p>
+          <a:p>
+            <a:pPr marL="386080" indent="-386080" algn="l">
+              <a:spcBef>
+                <a:spcPts val="0"/>
+              </a:spcBef>
+              <a:buFont typeface="Wingdings" panose="05000000000000000000" pitchFamily="2" charset="2"/>
               <a:buChar char="q"/>
             </a:pPr>
             <a:endParaRPr lang="pt-BR" sz="1400" dirty="0"/>
           </a:p>
           <a:p>
-            <a:pPr marL="385763" indent="-385763" algn="l">
-              <a:spcBef>
-                <a:spcPts val="0"/>
-              </a:spcBef>
-              <a:buFont typeface="Wingdings" pitchFamily="2" charset="2"/>
+            <a:pPr marL="386080" indent="-386080" algn="l">
+              <a:spcBef>
+                <a:spcPts val="0"/>
+              </a:spcBef>
+              <a:buFont typeface="Wingdings" panose="05000000000000000000" pitchFamily="2" charset="2"/>
               <a:buChar char="q"/>
             </a:pPr>
             <a:r>
               <a:rPr lang="pt-BR" sz="1400" dirty="0"/>
               <a:t>COMUNICAÇÃO SINCRONA API COM SWAGGER	</a:t>
             </a:r>
-          </a:p>
-          <a:p>
-            <a:pPr marL="385763" indent="-385763" algn="l">
-              <a:spcBef>
-                <a:spcPts val="0"/>
-              </a:spcBef>
-              <a:buFont typeface="Wingdings" pitchFamily="2" charset="2"/>
+            <a:endParaRPr lang="pt-BR" sz="1400" dirty="0"/>
+          </a:p>
+          <a:p>
+            <a:pPr marL="386080" indent="-386080" algn="l">
+              <a:spcBef>
+                <a:spcPts val="0"/>
+              </a:spcBef>
+              <a:buFont typeface="Wingdings" panose="05000000000000000000" pitchFamily="2" charset="2"/>
               <a:buChar char="q"/>
             </a:pPr>
             <a:endParaRPr lang="pt-BR" sz="1400" dirty="0"/>
           </a:p>
           <a:p>
-            <a:pPr marL="385763" indent="-385763" algn="l">
-              <a:spcBef>
-                <a:spcPts val="0"/>
-              </a:spcBef>
-              <a:buFont typeface="Wingdings" pitchFamily="2" charset="2"/>
+            <a:pPr marL="386080" indent="-386080" algn="l">
+              <a:spcBef>
+                <a:spcPts val="0"/>
+              </a:spcBef>
+              <a:buFont typeface="Wingdings" panose="05000000000000000000" pitchFamily="2" charset="2"/>
               <a:buChar char="q"/>
             </a:pPr>
             <a:r>
               <a:rPr lang="pt-BR" sz="1400" dirty="0"/>
               <a:t>COMUNICAÇÃO ASSINCRONA EVENTOS		</a:t>
             </a:r>
-          </a:p>
-          <a:p>
-            <a:pPr marL="385763" indent="-385763" algn="l">
-              <a:spcBef>
-                <a:spcPts val="0"/>
-              </a:spcBef>
-              <a:buFont typeface="Wingdings" pitchFamily="2" charset="2"/>
+            <a:endParaRPr lang="pt-BR" sz="1400" dirty="0"/>
+          </a:p>
+          <a:p>
+            <a:pPr marL="386080" indent="-386080" algn="l">
+              <a:spcBef>
+                <a:spcPts val="0"/>
+              </a:spcBef>
+              <a:buFont typeface="Wingdings" panose="05000000000000000000" pitchFamily="2" charset="2"/>
               <a:buChar char="q"/>
             </a:pPr>
             <a:endParaRPr lang="pt-BR" sz="1400" dirty="0"/>
           </a:p>
           <a:p>
-            <a:pPr marL="385763" indent="-385763" algn="l">
-              <a:spcBef>
-                <a:spcPts val="0"/>
-              </a:spcBef>
-              <a:buFont typeface="Wingdings" pitchFamily="2" charset="2"/>
+            <a:pPr marL="386080" indent="-386080" algn="l">
+              <a:spcBef>
+                <a:spcPts val="0"/>
+              </a:spcBef>
+              <a:buFont typeface="Wingdings" panose="05000000000000000000" pitchFamily="2" charset="2"/>
               <a:buChar char="q"/>
             </a:pPr>
             <a:r>
               <a:rPr lang="pt-BR" sz="1400" dirty="0"/>
               <a:t>FRONT END 					</a:t>
             </a:r>
-          </a:p>
-          <a:p>
-            <a:pPr marL="385763" indent="-385763" algn="l">
-              <a:spcBef>
-                <a:spcPts val="0"/>
-              </a:spcBef>
-              <a:buFont typeface="Wingdings" pitchFamily="2" charset="2"/>
+            <a:endParaRPr lang="pt-BR" sz="1400" dirty="0"/>
+          </a:p>
+          <a:p>
+            <a:pPr marL="386080" indent="-386080" algn="l">
+              <a:spcBef>
+                <a:spcPts val="0"/>
+              </a:spcBef>
+              <a:buFont typeface="Wingdings" panose="05000000000000000000" pitchFamily="2" charset="2"/>
               <a:buChar char="q"/>
             </a:pPr>
             <a:endParaRPr lang="pt-BR" sz="1400" dirty="0"/>
           </a:p>
           <a:p>
-            <a:pPr marL="385763" indent="-385763" algn="l">
-              <a:spcBef>
-                <a:spcPts val="0"/>
-              </a:spcBef>
-              <a:buFont typeface="Wingdings" pitchFamily="2" charset="2"/>
+            <a:pPr marL="386080" indent="-386080" algn="l">
+              <a:spcBef>
+                <a:spcPts val="0"/>
+              </a:spcBef>
+              <a:buFont typeface="Wingdings" panose="05000000000000000000" pitchFamily="2" charset="2"/>
               <a:buChar char="q"/>
             </a:pPr>
             <a:r>
@@ -5771,9 +5557,10 @@
               <a:rPr lang="pt-BR" sz="1200" dirty="0"/>
               <a:t>				</a:t>
             </a:r>
-          </a:p>
-          <a:p>
-            <a:pPr marL="385763" indent="-385763" algn="l">
+            <a:endParaRPr lang="pt-BR" sz="1200" dirty="0"/>
+          </a:p>
+          <a:p>
+            <a:pPr marL="386080" indent="-386080" algn="l">
               <a:spcBef>
                 <a:spcPts val="0"/>
               </a:spcBef>
@@ -5782,7 +5569,7 @@
             <a:endParaRPr lang="pt-BR" sz="1200" dirty="0"/>
           </a:p>
           <a:p>
-            <a:pPr marL="385763" indent="-385763" algn="l">
+            <a:pPr marL="386080" indent="-386080" algn="l">
               <a:spcBef>
                 <a:spcPts val="0"/>
               </a:spcBef>
@@ -5794,13 +5581,7 @@
       </p:sp>
       <p:sp>
         <p:nvSpPr>
-          <p:cNvPr id="3" name="Retângulo de cantos arredondados 14">
-            <a:extLst>
-              <a:ext uri="{FF2B5EF4-FFF2-40B4-BE49-F238E27FC236}">
-                <a16:creationId xmlns:a16="http://schemas.microsoft.com/office/drawing/2014/main" id="{401AEE7C-7401-45EF-9BD2-05F337644C25}"/>
-              </a:ext>
-            </a:extLst>
-          </p:cNvPr>
+          <p:cNvPr id="3" name="Retângulo de cantos arredondados 14"/>
           <p:cNvSpPr/>
           <p:nvPr/>
         </p:nvSpPr>
@@ -5849,6 +5630,12 @@
               </a:rPr>
               <a:t>ESCOLHER NO MÍNIMO 2 requisitos da aplicação </a:t>
             </a:r>
+            <a:endParaRPr lang="pt-BR" sz="1500" b="1" cap="all" dirty="0">
+              <a:solidFill>
+                <a:srgbClr val="FF6801"/>
+              </a:solidFill>
+              <a:latin typeface="HelveticaNeue-Condensed"/>
+            </a:endParaRPr>
           </a:p>
           <a:p>
             <a:pPr algn="ctr"/>
@@ -5889,13 +5676,7 @@
       </p:sp>
       <p:sp>
         <p:nvSpPr>
-          <p:cNvPr id="4" name="TextBox 5">
-            <a:extLst>
-              <a:ext uri="{FF2B5EF4-FFF2-40B4-BE49-F238E27FC236}">
-                <a16:creationId xmlns:a16="http://schemas.microsoft.com/office/drawing/2014/main" id="{3899E32C-DE80-114D-BF0A-FB6947E4E8A1}"/>
-              </a:ext>
-            </a:extLst>
-          </p:cNvPr>
+          <p:cNvPr id="4" name="TextBox 5"/>
           <p:cNvSpPr txBox="1"/>
           <p:nvPr/>
         </p:nvSpPr>
@@ -5926,24 +5707,25 @@
               </a:rPr>
               <a:t> INSTRUÇÕES</a:t>
             </a:r>
-          </a:p>
-        </p:txBody>
-      </p:sp>
-      <p:sp>
-        <p:nvSpPr>
-          <p:cNvPr id="2" name="Seta para a Direita 1">
-            <a:extLst>
-              <a:ext uri="{FF2B5EF4-FFF2-40B4-BE49-F238E27FC236}">
-                <a16:creationId xmlns:a16="http://schemas.microsoft.com/office/drawing/2014/main" id="{27D7A92F-E430-7649-B712-FB55052CA236}"/>
-              </a:ext>
-            </a:extLst>
-          </p:cNvPr>
+            <a:endParaRPr lang="en-US" sz="3500" dirty="0">
+              <a:solidFill>
+                <a:srgbClr val="626E73"/>
+              </a:solidFill>
+              <a:latin typeface="Gotham HTF Light"/>
+              <a:cs typeface="Gotham HTF Light"/>
+            </a:endParaRPr>
+          </a:p>
+        </p:txBody>
+      </p:sp>
+      <p:sp>
+        <p:nvSpPr>
+          <p:cNvPr id="2" name="Seta para a direita 1"/>
           <p:cNvSpPr/>
           <p:nvPr/>
         </p:nvSpPr>
         <p:spPr>
           <a:xfrm>
-            <a:off x="535708" y="1480795"/>
+            <a:off x="535073" y="2638400"/>
             <a:ext cx="350982" cy="249382"/>
           </a:xfrm>
           <a:prstGeom prst="rightArrow">
@@ -5973,12 +5755,81 @@
           </a:p>
         </p:txBody>
       </p:sp>
+      <p:sp>
+        <p:nvSpPr>
+          <p:cNvPr id="5" name="Seta para a direita 4"/>
+          <p:cNvSpPr/>
+          <p:nvPr/>
+        </p:nvSpPr>
+        <p:spPr>
+          <a:xfrm>
+            <a:off x="535073" y="3030830"/>
+            <a:ext cx="350982" cy="249382"/>
+          </a:xfrm>
+          <a:prstGeom prst="rightArrow">
+            <a:avLst/>
+          </a:prstGeom>
+        </p:spPr>
+        <p:style>
+          <a:lnRef idx="1">
+            <a:schemeClr val="accent6"/>
+          </a:lnRef>
+          <a:fillRef idx="2">
+            <a:schemeClr val="accent6"/>
+          </a:fillRef>
+          <a:effectRef idx="1">
+            <a:schemeClr val="accent6"/>
+          </a:effectRef>
+          <a:fontRef idx="minor">
+            <a:schemeClr val="dk1"/>
+          </a:fontRef>
+        </p:style>
+        <p:txBody>
+          <a:bodyPr rtlCol="0" anchor="ctr"/>
+          <a:p>
+            <a:pPr algn="ctr"/>
+            <a:endParaRPr lang="pt-BR"/>
+          </a:p>
+        </p:txBody>
+      </p:sp>
+      <p:sp>
+        <p:nvSpPr>
+          <p:cNvPr id="6" name="Seta para a direita 5"/>
+          <p:cNvSpPr/>
+          <p:nvPr/>
+        </p:nvSpPr>
+        <p:spPr>
+          <a:xfrm>
+            <a:off x="535073" y="3507715"/>
+            <a:ext cx="350982" cy="249382"/>
+          </a:xfrm>
+          <a:prstGeom prst="rightArrow">
+            <a:avLst/>
+          </a:prstGeom>
+        </p:spPr>
+        <p:style>
+          <a:lnRef idx="1">
+            <a:schemeClr val="accent6"/>
+          </a:lnRef>
+          <a:fillRef idx="2">
+            <a:schemeClr val="accent6"/>
+          </a:fillRef>
+          <a:effectRef idx="1">
+            <a:schemeClr val="accent6"/>
+          </a:effectRef>
+          <a:fontRef idx="minor">
+            <a:schemeClr val="dk1"/>
+          </a:fontRef>
+        </p:style>
+        <p:txBody>
+          <a:bodyPr rtlCol="0" anchor="ctr"/>
+          <a:p>
+            <a:pPr algn="ctr"/>
+            <a:endParaRPr lang="pt-BR"/>
+          </a:p>
+        </p:txBody>
+      </p:sp>
     </p:spTree>
-    <p:extLst>
-      <p:ext uri="{BB962C8B-B14F-4D97-AF65-F5344CB8AC3E}">
-        <p14:creationId xmlns:p14="http://schemas.microsoft.com/office/powerpoint/2010/main" val="3223938091"/>
-      </p:ext>
-    </p:extLst>
   </p:cSld>
   <p:clrMapOvr>
     <a:masterClrMapping/>
@@ -6094,16 +5945,8 @@
       </p:grpSpPr>
       <p:sp>
         <p:nvSpPr>
-          <p:cNvPr id="25" name="Título 1">
-            <a:extLst>
-              <a:ext uri="{FF2B5EF4-FFF2-40B4-BE49-F238E27FC236}">
-                <a16:creationId xmlns:a16="http://schemas.microsoft.com/office/drawing/2014/main" id="{F4807A3E-7788-2644-8E55-E1327533FF72}"/>
-              </a:ext>
-            </a:extLst>
-          </p:cNvPr>
-          <p:cNvSpPr txBox="1">
-            <a:spLocks/>
-          </p:cNvSpPr>
+          <p:cNvPr id="25" name="Título 1"/>
+          <p:cNvSpPr txBox="1"/>
           <p:nvPr/>
         </p:nvSpPr>
         <p:spPr>
@@ -6147,16 +5990,16 @@
                 <a:srgbClr val="000000"/>
               </a:buClr>
               <a:buSzPts val="1400"/>
-              <a:buFont typeface="Arial"/>
+              <a:buFont typeface="Arial" panose="020B0604020202020204"/>
               <a:buNone/>
               <a:defRPr sz="2800" b="1" i="0" u="none" strike="noStrike" cap="none">
                 <a:solidFill>
                   <a:schemeClr val="dk1"/>
                 </a:solidFill>
-                <a:latin typeface="Arial"/>
-                <a:ea typeface="Arial"/>
-                <a:cs typeface="Arial"/>
-                <a:sym typeface="Arial"/>
+                <a:latin typeface="Arial" panose="020B0604020202020204"/>
+                <a:ea typeface="Arial" panose="020B0604020202020204"/>
+                <a:cs typeface="Arial" panose="020B0604020202020204"/>
+                <a:sym typeface="Arial" panose="020B0604020202020204"/>
               </a:defRPr>
             </a:lvl1pPr>
             <a:lvl2pPr marR="0" lvl="1" algn="l" rtl="0">
@@ -6173,16 +6016,16 @@
                 <a:srgbClr val="000000"/>
               </a:buClr>
               <a:buSzPts val="1400"/>
-              <a:buFont typeface="Arial"/>
+              <a:buFont typeface="Arial" panose="020B0604020202020204"/>
               <a:buNone/>
               <a:defRPr sz="2800" b="1" i="0" u="none" strike="noStrike" cap="none">
                 <a:solidFill>
                   <a:schemeClr val="dk1"/>
                 </a:solidFill>
-                <a:latin typeface="Arial"/>
-                <a:ea typeface="Arial"/>
-                <a:cs typeface="Arial"/>
-                <a:sym typeface="Arial"/>
+                <a:latin typeface="Arial" panose="020B0604020202020204"/>
+                <a:ea typeface="Arial" panose="020B0604020202020204"/>
+                <a:cs typeface="Arial" panose="020B0604020202020204"/>
+                <a:sym typeface="Arial" panose="020B0604020202020204"/>
               </a:defRPr>
             </a:lvl2pPr>
             <a:lvl3pPr marR="0" lvl="2" algn="l" rtl="0">
@@ -6199,16 +6042,16 @@
                 <a:srgbClr val="000000"/>
               </a:buClr>
               <a:buSzPts val="1400"/>
-              <a:buFont typeface="Arial"/>
+              <a:buFont typeface="Arial" panose="020B0604020202020204"/>
               <a:buNone/>
               <a:defRPr sz="2800" b="1" i="0" u="none" strike="noStrike" cap="none">
                 <a:solidFill>
                   <a:schemeClr val="dk1"/>
                 </a:solidFill>
-                <a:latin typeface="Arial"/>
-                <a:ea typeface="Arial"/>
-                <a:cs typeface="Arial"/>
-                <a:sym typeface="Arial"/>
+                <a:latin typeface="Arial" panose="020B0604020202020204"/>
+                <a:ea typeface="Arial" panose="020B0604020202020204"/>
+                <a:cs typeface="Arial" panose="020B0604020202020204"/>
+                <a:sym typeface="Arial" panose="020B0604020202020204"/>
               </a:defRPr>
             </a:lvl3pPr>
             <a:lvl4pPr marR="0" lvl="3" algn="l" rtl="0">
@@ -6225,16 +6068,16 @@
                 <a:srgbClr val="000000"/>
               </a:buClr>
               <a:buSzPts val="1400"/>
-              <a:buFont typeface="Arial"/>
+              <a:buFont typeface="Arial" panose="020B0604020202020204"/>
               <a:buNone/>
               <a:defRPr sz="2800" b="1" i="0" u="none" strike="noStrike" cap="none">
                 <a:solidFill>
                   <a:schemeClr val="dk1"/>
                 </a:solidFill>
-                <a:latin typeface="Arial"/>
-                <a:ea typeface="Arial"/>
-                <a:cs typeface="Arial"/>
-                <a:sym typeface="Arial"/>
+                <a:latin typeface="Arial" panose="020B0604020202020204"/>
+                <a:ea typeface="Arial" panose="020B0604020202020204"/>
+                <a:cs typeface="Arial" panose="020B0604020202020204"/>
+                <a:sym typeface="Arial" panose="020B0604020202020204"/>
               </a:defRPr>
             </a:lvl4pPr>
             <a:lvl5pPr marR="0" lvl="4" algn="l" rtl="0">
@@ -6251,16 +6094,16 @@
                 <a:srgbClr val="000000"/>
               </a:buClr>
               <a:buSzPts val="1400"/>
-              <a:buFont typeface="Arial"/>
+              <a:buFont typeface="Arial" panose="020B0604020202020204"/>
               <a:buNone/>
               <a:defRPr sz="2800" b="1" i="0" u="none" strike="noStrike" cap="none">
                 <a:solidFill>
                   <a:schemeClr val="dk1"/>
                 </a:solidFill>
-                <a:latin typeface="Arial"/>
-                <a:ea typeface="Arial"/>
-                <a:cs typeface="Arial"/>
-                <a:sym typeface="Arial"/>
+                <a:latin typeface="Arial" panose="020B0604020202020204"/>
+                <a:ea typeface="Arial" panose="020B0604020202020204"/>
+                <a:cs typeface="Arial" panose="020B0604020202020204"/>
+                <a:sym typeface="Arial" panose="020B0604020202020204"/>
               </a:defRPr>
             </a:lvl5pPr>
             <a:lvl6pPr marR="0" lvl="5" algn="ctr" rtl="0">
@@ -6277,16 +6120,16 @@
                 <a:srgbClr val="000000"/>
               </a:buClr>
               <a:buSzPts val="1400"/>
-              <a:buFont typeface="Arial"/>
+              <a:buFont typeface="Arial" panose="020B0604020202020204"/>
               <a:buNone/>
               <a:defRPr sz="4400" b="0" i="0" u="none" strike="noStrike" cap="none">
                 <a:solidFill>
                   <a:schemeClr val="dk1"/>
                 </a:solidFill>
-                <a:latin typeface="Calibri"/>
-                <a:ea typeface="Calibri"/>
-                <a:cs typeface="Calibri"/>
-                <a:sym typeface="Calibri"/>
+                <a:latin typeface="Calibri" panose="020F0502020204030204"/>
+                <a:ea typeface="Calibri" panose="020F0502020204030204"/>
+                <a:cs typeface="Calibri" panose="020F0502020204030204"/>
+                <a:sym typeface="Calibri" panose="020F0502020204030204"/>
               </a:defRPr>
             </a:lvl6pPr>
             <a:lvl7pPr marR="0" lvl="6" algn="ctr" rtl="0">
@@ -6303,16 +6146,16 @@
                 <a:srgbClr val="000000"/>
               </a:buClr>
               <a:buSzPts val="1400"/>
-              <a:buFont typeface="Arial"/>
+              <a:buFont typeface="Arial" panose="020B0604020202020204"/>
               <a:buNone/>
               <a:defRPr sz="4400" b="0" i="0" u="none" strike="noStrike" cap="none">
                 <a:solidFill>
                   <a:schemeClr val="dk1"/>
                 </a:solidFill>
-                <a:latin typeface="Calibri"/>
-                <a:ea typeface="Calibri"/>
-                <a:cs typeface="Calibri"/>
-                <a:sym typeface="Calibri"/>
+                <a:latin typeface="Calibri" panose="020F0502020204030204"/>
+                <a:ea typeface="Calibri" panose="020F0502020204030204"/>
+                <a:cs typeface="Calibri" panose="020F0502020204030204"/>
+                <a:sym typeface="Calibri" panose="020F0502020204030204"/>
               </a:defRPr>
             </a:lvl7pPr>
             <a:lvl8pPr marR="0" lvl="7" algn="ctr" rtl="0">
@@ -6329,16 +6172,16 @@
                 <a:srgbClr val="000000"/>
               </a:buClr>
               <a:buSzPts val="1400"/>
-              <a:buFont typeface="Arial"/>
+              <a:buFont typeface="Arial" panose="020B0604020202020204"/>
               <a:buNone/>
               <a:defRPr sz="4400" b="0" i="0" u="none" strike="noStrike" cap="none">
                 <a:solidFill>
                   <a:schemeClr val="dk1"/>
                 </a:solidFill>
-                <a:latin typeface="Calibri"/>
-                <a:ea typeface="Calibri"/>
-                <a:cs typeface="Calibri"/>
-                <a:sym typeface="Calibri"/>
+                <a:latin typeface="Calibri" panose="020F0502020204030204"/>
+                <a:ea typeface="Calibri" panose="020F0502020204030204"/>
+                <a:cs typeface="Calibri" panose="020F0502020204030204"/>
+                <a:sym typeface="Calibri" panose="020F0502020204030204"/>
               </a:defRPr>
             </a:lvl8pPr>
             <a:lvl9pPr marR="0" lvl="8" algn="ctr" rtl="0">
@@ -6355,16 +6198,16 @@
                 <a:srgbClr val="000000"/>
               </a:buClr>
               <a:buSzPts val="1400"/>
-              <a:buFont typeface="Arial"/>
+              <a:buFont typeface="Arial" panose="020B0604020202020204"/>
               <a:buNone/>
               <a:defRPr sz="4400" b="0" i="0" u="none" strike="noStrike" cap="none">
                 <a:solidFill>
                   <a:schemeClr val="dk1"/>
                 </a:solidFill>
-                <a:latin typeface="Calibri"/>
-                <a:ea typeface="Calibri"/>
-                <a:cs typeface="Calibri"/>
-                <a:sym typeface="Calibri"/>
+                <a:latin typeface="Calibri" panose="020F0502020204030204"/>
+                <a:ea typeface="Calibri" panose="020F0502020204030204"/>
+                <a:cs typeface="Calibri" panose="020F0502020204030204"/>
+                <a:sym typeface="Calibri" panose="020F0502020204030204"/>
               </a:defRPr>
             </a:lvl9pPr>
           </a:lstStyle>
@@ -6379,6 +6222,13 @@
               </a:rPr>
               <a:t>1 – TOPOLOGIA DA SOLUÇÃO</a:t>
             </a:r>
+            <a:endParaRPr lang="pt-BR" sz="2400" dirty="0">
+              <a:solidFill>
+                <a:srgbClr val="626E73"/>
+              </a:solidFill>
+              <a:latin typeface="Gotham HTF Light"/>
+              <a:ea typeface="+mn-ea"/>
+            </a:endParaRPr>
           </a:p>
         </p:txBody>
       </p:sp>
@@ -6441,7 +6291,7 @@
             <p:nvPr/>
           </p:nvPicPr>
           <p:blipFill>
-            <a:blip r:embed="rId2">
+            <a:blip r:embed="rId1">
               <a:extLst>
                 <a:ext uri="{28A0092B-C50C-407E-A947-70E740481C1C}">
                   <a14:useLocalDpi xmlns:a14="http://schemas.microsoft.com/office/drawing/2010/main" val="0"/>
@@ -6471,7 +6321,7 @@
             <p:nvPr/>
           </p:nvPicPr>
           <p:blipFill>
-            <a:blip r:embed="rId3">
+            <a:blip r:embed="rId2">
               <a:extLst>
                 <a:ext uri="{28A0092B-C50C-407E-A947-70E740481C1C}">
                   <a14:useLocalDpi xmlns:a14="http://schemas.microsoft.com/office/drawing/2010/main" val="0"/>
@@ -6495,13 +6345,7 @@
       </p:grpSp>
       <p:sp>
         <p:nvSpPr>
-          <p:cNvPr id="26" name="CaixaDeTexto 25">
-            <a:extLst>
-              <a:ext uri="{FF2B5EF4-FFF2-40B4-BE49-F238E27FC236}">
-                <a16:creationId xmlns:a16="http://schemas.microsoft.com/office/drawing/2014/main" id="{57F3AFE6-C3E3-FC4E-AF93-DC9D768C97D2}"/>
-              </a:ext>
-            </a:extLst>
-          </p:cNvPr>
+          <p:cNvPr id="26" name="CaixaDeTexto 25"/>
           <p:cNvSpPr txBox="1"/>
           <p:nvPr/>
         </p:nvSpPr>
@@ -6552,25 +6396,24 @@
               </a:rPr>
               <a:t>CONTEINERS? ALTA DISPONIBILIDADE? )</a:t>
             </a:r>
+            <a:endParaRPr lang="pt-BR" b="1" dirty="0">
+              <a:solidFill>
+                <a:srgbClr val="FF0000"/>
+              </a:solidFill>
+            </a:endParaRPr>
           </a:p>
         </p:txBody>
       </p:sp>
       <p:pic>
         <p:nvPicPr>
-          <p:cNvPr id="6" name="Imagem 5" descr="Uma imagem contendo screenshot, texto, monitor, computador&#10;&#10;Descrição gerada automaticamente">
-            <a:extLst>
-              <a:ext uri="{FF2B5EF4-FFF2-40B4-BE49-F238E27FC236}">
-                <a16:creationId xmlns:a16="http://schemas.microsoft.com/office/drawing/2014/main" id="{051E93ED-1755-BB48-95CC-510B6CFCD51F}"/>
-              </a:ext>
-            </a:extLst>
-          </p:cNvPr>
+          <p:cNvPr id="6" name="Imagem 5" descr="Uma imagem contendo screenshot, texto, monitor, computador&#10;&#10;Descrição gerada automaticamente"/>
           <p:cNvPicPr>
             <a:picLocks noChangeAspect="1"/>
           </p:cNvPicPr>
           <p:nvPr/>
         </p:nvPicPr>
         <p:blipFill>
-          <a:blip r:embed="rId4"/>
+          <a:blip r:embed="rId3"/>
           <a:stretch>
             <a:fillRect/>
           </a:stretch>
@@ -6587,13 +6430,7 @@
       </p:pic>
       <p:sp>
         <p:nvSpPr>
-          <p:cNvPr id="7" name="Retângulo 6">
-            <a:extLst>
-              <a:ext uri="{FF2B5EF4-FFF2-40B4-BE49-F238E27FC236}">
-                <a16:creationId xmlns:a16="http://schemas.microsoft.com/office/drawing/2014/main" id="{EC1ECD4C-C354-4644-879B-39607ABD0A32}"/>
-              </a:ext>
-            </a:extLst>
-          </p:cNvPr>
+          <p:cNvPr id="7" name="Retângulo 6"/>
           <p:cNvSpPr/>
           <p:nvPr/>
         </p:nvSpPr>
@@ -6622,15 +6459,16 @@
               </a:rPr>
               <a:t>Exemplo de topologia que outra turma montou.</a:t>
             </a:r>
+            <a:endParaRPr lang="pt-BR" sz="1000" i="1" dirty="0">
+              <a:solidFill>
+                <a:srgbClr val="1D1C1D"/>
+              </a:solidFill>
+              <a:latin typeface="Slack-Lato"/>
+            </a:endParaRPr>
           </a:p>
         </p:txBody>
       </p:sp>
     </p:spTree>
-    <p:extLst>
-      <p:ext uri="{BB962C8B-B14F-4D97-AF65-F5344CB8AC3E}">
-        <p14:creationId xmlns:p14="http://schemas.microsoft.com/office/powerpoint/2010/main" val="38968002"/>
-      </p:ext>
-    </p:extLst>
   </p:cSld>
   <p:clrMapOvr>
     <a:masterClrMapping/>
@@ -6657,16 +6495,8 @@
       </p:grpSpPr>
       <p:sp>
         <p:nvSpPr>
-          <p:cNvPr id="25" name="Título 1">
-            <a:extLst>
-              <a:ext uri="{FF2B5EF4-FFF2-40B4-BE49-F238E27FC236}">
-                <a16:creationId xmlns:a16="http://schemas.microsoft.com/office/drawing/2014/main" id="{F4807A3E-7788-2644-8E55-E1327533FF72}"/>
-              </a:ext>
-            </a:extLst>
-          </p:cNvPr>
-          <p:cNvSpPr txBox="1">
-            <a:spLocks/>
-          </p:cNvSpPr>
+          <p:cNvPr id="25" name="Título 1"/>
+          <p:cNvSpPr txBox="1"/>
           <p:nvPr/>
         </p:nvSpPr>
         <p:spPr>
@@ -6710,16 +6540,16 @@
                 <a:srgbClr val="000000"/>
               </a:buClr>
               <a:buSzPts val="1400"/>
-              <a:buFont typeface="Arial"/>
+              <a:buFont typeface="Arial" panose="020B0604020202020204"/>
               <a:buNone/>
               <a:defRPr sz="2800" b="1" i="0" u="none" strike="noStrike" cap="none">
                 <a:solidFill>
                   <a:schemeClr val="dk1"/>
                 </a:solidFill>
-                <a:latin typeface="Arial"/>
-                <a:ea typeface="Arial"/>
-                <a:cs typeface="Arial"/>
-                <a:sym typeface="Arial"/>
+                <a:latin typeface="Arial" panose="020B0604020202020204"/>
+                <a:ea typeface="Arial" panose="020B0604020202020204"/>
+                <a:cs typeface="Arial" panose="020B0604020202020204"/>
+                <a:sym typeface="Arial" panose="020B0604020202020204"/>
               </a:defRPr>
             </a:lvl1pPr>
             <a:lvl2pPr marR="0" lvl="1" algn="l" rtl="0">
@@ -6736,16 +6566,16 @@
                 <a:srgbClr val="000000"/>
               </a:buClr>
               <a:buSzPts val="1400"/>
-              <a:buFont typeface="Arial"/>
+              <a:buFont typeface="Arial" panose="020B0604020202020204"/>
               <a:buNone/>
               <a:defRPr sz="2800" b="1" i="0" u="none" strike="noStrike" cap="none">
                 <a:solidFill>
                   <a:schemeClr val="dk1"/>
                 </a:solidFill>
-                <a:latin typeface="Arial"/>
-                <a:ea typeface="Arial"/>
-                <a:cs typeface="Arial"/>
-                <a:sym typeface="Arial"/>
+                <a:latin typeface="Arial" panose="020B0604020202020204"/>
+                <a:ea typeface="Arial" panose="020B0604020202020204"/>
+                <a:cs typeface="Arial" panose="020B0604020202020204"/>
+                <a:sym typeface="Arial" panose="020B0604020202020204"/>
               </a:defRPr>
             </a:lvl2pPr>
             <a:lvl3pPr marR="0" lvl="2" algn="l" rtl="0">
@@ -6762,16 +6592,16 @@
                 <a:srgbClr val="000000"/>
               </a:buClr>
               <a:buSzPts val="1400"/>
-              <a:buFont typeface="Arial"/>
+              <a:buFont typeface="Arial" panose="020B0604020202020204"/>
               <a:buNone/>
               <a:defRPr sz="2800" b="1" i="0" u="none" strike="noStrike" cap="none">
                 <a:solidFill>
                   <a:schemeClr val="dk1"/>
                 </a:solidFill>
-                <a:latin typeface="Arial"/>
-                <a:ea typeface="Arial"/>
-                <a:cs typeface="Arial"/>
-                <a:sym typeface="Arial"/>
+                <a:latin typeface="Arial" panose="020B0604020202020204"/>
+                <a:ea typeface="Arial" panose="020B0604020202020204"/>
+                <a:cs typeface="Arial" panose="020B0604020202020204"/>
+                <a:sym typeface="Arial" panose="020B0604020202020204"/>
               </a:defRPr>
             </a:lvl3pPr>
             <a:lvl4pPr marR="0" lvl="3" algn="l" rtl="0">
@@ -6788,16 +6618,16 @@
                 <a:srgbClr val="000000"/>
               </a:buClr>
               <a:buSzPts val="1400"/>
-              <a:buFont typeface="Arial"/>
+              <a:buFont typeface="Arial" panose="020B0604020202020204"/>
               <a:buNone/>
               <a:defRPr sz="2800" b="1" i="0" u="none" strike="noStrike" cap="none">
                 <a:solidFill>
                   <a:schemeClr val="dk1"/>
                 </a:solidFill>
-                <a:latin typeface="Arial"/>
-                <a:ea typeface="Arial"/>
-                <a:cs typeface="Arial"/>
-                <a:sym typeface="Arial"/>
+                <a:latin typeface="Arial" panose="020B0604020202020204"/>
+                <a:ea typeface="Arial" panose="020B0604020202020204"/>
+                <a:cs typeface="Arial" panose="020B0604020202020204"/>
+                <a:sym typeface="Arial" panose="020B0604020202020204"/>
               </a:defRPr>
             </a:lvl4pPr>
             <a:lvl5pPr marR="0" lvl="4" algn="l" rtl="0">
@@ -6814,16 +6644,16 @@
                 <a:srgbClr val="000000"/>
               </a:buClr>
               <a:buSzPts val="1400"/>
-              <a:buFont typeface="Arial"/>
+              <a:buFont typeface="Arial" panose="020B0604020202020204"/>
               <a:buNone/>
               <a:defRPr sz="2800" b="1" i="0" u="none" strike="noStrike" cap="none">
                 <a:solidFill>
                   <a:schemeClr val="dk1"/>
                 </a:solidFill>
-                <a:latin typeface="Arial"/>
-                <a:ea typeface="Arial"/>
-                <a:cs typeface="Arial"/>
-                <a:sym typeface="Arial"/>
+                <a:latin typeface="Arial" panose="020B0604020202020204"/>
+                <a:ea typeface="Arial" panose="020B0604020202020204"/>
+                <a:cs typeface="Arial" panose="020B0604020202020204"/>
+                <a:sym typeface="Arial" panose="020B0604020202020204"/>
               </a:defRPr>
             </a:lvl5pPr>
             <a:lvl6pPr marR="0" lvl="5" algn="ctr" rtl="0">
@@ -6840,16 +6670,16 @@
                 <a:srgbClr val="000000"/>
               </a:buClr>
               <a:buSzPts val="1400"/>
-              <a:buFont typeface="Arial"/>
+              <a:buFont typeface="Arial" panose="020B0604020202020204"/>
               <a:buNone/>
               <a:defRPr sz="4400" b="0" i="0" u="none" strike="noStrike" cap="none">
                 <a:solidFill>
                   <a:schemeClr val="dk1"/>
                 </a:solidFill>
-                <a:latin typeface="Calibri"/>
-                <a:ea typeface="Calibri"/>
-                <a:cs typeface="Calibri"/>
-                <a:sym typeface="Calibri"/>
+                <a:latin typeface="Calibri" panose="020F0502020204030204"/>
+                <a:ea typeface="Calibri" panose="020F0502020204030204"/>
+                <a:cs typeface="Calibri" panose="020F0502020204030204"/>
+                <a:sym typeface="Calibri" panose="020F0502020204030204"/>
               </a:defRPr>
             </a:lvl6pPr>
             <a:lvl7pPr marR="0" lvl="6" algn="ctr" rtl="0">
@@ -6866,16 +6696,16 @@
                 <a:srgbClr val="000000"/>
               </a:buClr>
               <a:buSzPts val="1400"/>
-              <a:buFont typeface="Arial"/>
+              <a:buFont typeface="Arial" panose="020B0604020202020204"/>
               <a:buNone/>
               <a:defRPr sz="4400" b="0" i="0" u="none" strike="noStrike" cap="none">
                 <a:solidFill>
                   <a:schemeClr val="dk1"/>
                 </a:solidFill>
-                <a:latin typeface="Calibri"/>
-                <a:ea typeface="Calibri"/>
-                <a:cs typeface="Calibri"/>
-                <a:sym typeface="Calibri"/>
+                <a:latin typeface="Calibri" panose="020F0502020204030204"/>
+                <a:ea typeface="Calibri" panose="020F0502020204030204"/>
+                <a:cs typeface="Calibri" panose="020F0502020204030204"/>
+                <a:sym typeface="Calibri" panose="020F0502020204030204"/>
               </a:defRPr>
             </a:lvl7pPr>
             <a:lvl8pPr marR="0" lvl="7" algn="ctr" rtl="0">
@@ -6892,16 +6722,16 @@
                 <a:srgbClr val="000000"/>
               </a:buClr>
               <a:buSzPts val="1400"/>
-              <a:buFont typeface="Arial"/>
+              <a:buFont typeface="Arial" panose="020B0604020202020204"/>
               <a:buNone/>
               <a:defRPr sz="4400" b="0" i="0" u="none" strike="noStrike" cap="none">
                 <a:solidFill>
                   <a:schemeClr val="dk1"/>
                 </a:solidFill>
-                <a:latin typeface="Calibri"/>
-                <a:ea typeface="Calibri"/>
-                <a:cs typeface="Calibri"/>
-                <a:sym typeface="Calibri"/>
+                <a:latin typeface="Calibri" panose="020F0502020204030204"/>
+                <a:ea typeface="Calibri" panose="020F0502020204030204"/>
+                <a:cs typeface="Calibri" panose="020F0502020204030204"/>
+                <a:sym typeface="Calibri" panose="020F0502020204030204"/>
               </a:defRPr>
             </a:lvl8pPr>
             <a:lvl9pPr marR="0" lvl="8" algn="ctr" rtl="0">
@@ -6918,16 +6748,16 @@
                 <a:srgbClr val="000000"/>
               </a:buClr>
               <a:buSzPts val="1400"/>
-              <a:buFont typeface="Arial"/>
+              <a:buFont typeface="Arial" panose="020B0604020202020204"/>
               <a:buNone/>
               <a:defRPr sz="4400" b="0" i="0" u="none" strike="noStrike" cap="none">
                 <a:solidFill>
                   <a:schemeClr val="dk1"/>
                 </a:solidFill>
-                <a:latin typeface="Calibri"/>
-                <a:ea typeface="Calibri"/>
-                <a:cs typeface="Calibri"/>
-                <a:sym typeface="Calibri"/>
+                <a:latin typeface="Calibri" panose="020F0502020204030204"/>
+                <a:ea typeface="Calibri" panose="020F0502020204030204"/>
+                <a:cs typeface="Calibri" panose="020F0502020204030204"/>
+                <a:sym typeface="Calibri" panose="020F0502020204030204"/>
               </a:defRPr>
             </a:lvl9pPr>
           </a:lstStyle>
@@ -6959,6 +6789,12 @@
               </a:rPr>
               <a:t>)</a:t>
             </a:r>
+            <a:endParaRPr lang="pt-BR" sz="2400" dirty="0">
+              <a:solidFill>
+                <a:srgbClr val="626E73"/>
+              </a:solidFill>
+              <a:latin typeface="Gotham HTF Light"/>
+            </a:endParaRPr>
           </a:p>
         </p:txBody>
       </p:sp>
@@ -7021,7 +6857,7 @@
             <p:nvPr/>
           </p:nvPicPr>
           <p:blipFill>
-            <a:blip r:embed="rId2">
+            <a:blip r:embed="rId1">
               <a:extLst>
                 <a:ext uri="{28A0092B-C50C-407E-A947-70E740481C1C}">
                   <a14:useLocalDpi xmlns:a14="http://schemas.microsoft.com/office/drawing/2010/main" val="0"/>
@@ -7051,7 +6887,7 @@
             <p:nvPr/>
           </p:nvPicPr>
           <p:blipFill>
-            <a:blip r:embed="rId3">
+            <a:blip r:embed="rId2">
               <a:extLst>
                 <a:ext uri="{28A0092B-C50C-407E-A947-70E740481C1C}">
                   <a14:useLocalDpi xmlns:a14="http://schemas.microsoft.com/office/drawing/2010/main" val="0"/>
@@ -7075,13 +6911,7 @@
       </p:grpSp>
       <p:sp>
         <p:nvSpPr>
-          <p:cNvPr id="26" name="CaixaDeTexto 25">
-            <a:extLst>
-              <a:ext uri="{FF2B5EF4-FFF2-40B4-BE49-F238E27FC236}">
-                <a16:creationId xmlns:a16="http://schemas.microsoft.com/office/drawing/2014/main" id="{57F3AFE6-C3E3-FC4E-AF93-DC9D768C97D2}"/>
-              </a:ext>
-            </a:extLst>
-          </p:cNvPr>
+          <p:cNvPr id="26" name="CaixaDeTexto 25"/>
           <p:cNvSpPr txBox="1"/>
           <p:nvPr/>
         </p:nvSpPr>
@@ -7123,28 +6953,24 @@
               </a:rPr>
               <a:t>ARQUIVOS YML : AUXILIAM NA DEFINIÇÃO DE INFRA AS CODE</a:t>
             </a:r>
+            <a:endParaRPr lang="pt-BR" b="1" dirty="0">
+              <a:solidFill>
+                <a:schemeClr val="tx1">
+                  <a:lumMod val="65000"/>
+                  <a:lumOff val="35000"/>
+                </a:schemeClr>
+              </a:solidFill>
+            </a:endParaRPr>
           </a:p>
         </p:txBody>
       </p:sp>
       <p:graphicFrame>
         <p:nvGraphicFramePr>
-          <p:cNvPr id="8" name="Tabela 7">
-            <a:extLst>
-              <a:ext uri="{FF2B5EF4-FFF2-40B4-BE49-F238E27FC236}">
-                <a16:creationId xmlns:a16="http://schemas.microsoft.com/office/drawing/2014/main" id="{4918A00E-35EC-EE44-966F-3E0A38A6046D}"/>
-              </a:ext>
-            </a:extLst>
-          </p:cNvPr>
+          <p:cNvPr id="8" name="Tabela 7"/>
           <p:cNvGraphicFramePr>
             <a:graphicFrameLocks noGrp="1"/>
           </p:cNvGraphicFramePr>
-          <p:nvPr>
-            <p:extLst>
-              <p:ext uri="{D42A27DB-BD31-4B8C-83A1-F6EECF244321}">
-                <p14:modId xmlns:p14="http://schemas.microsoft.com/office/powerpoint/2010/main" val="644015201"/>
-              </p:ext>
-            </p:extLst>
-          </p:nvPr>
+          <p:nvPr/>
         </p:nvGraphicFramePr>
         <p:xfrm>
           <a:off x="565036" y="2913734"/>
@@ -7157,20 +6983,8 @@
                 <a:tableStyleId>{5C22544A-7EE6-4342-B048-85BDC9FD1C3A}</a:tableStyleId>
               </a:tblPr>
               <a:tblGrid>
-                <a:gridCol w="2863964">
-                  <a:extLst>
-                    <a:ext uri="{9D8B030D-6E8A-4147-A177-3AD203B41FA5}">
-                      <a16:colId xmlns:a16="http://schemas.microsoft.com/office/drawing/2014/main" val="1487149640"/>
-                    </a:ext>
-                  </a:extLst>
-                </a:gridCol>
-                <a:gridCol w="2863964">
-                  <a:extLst>
-                    <a:ext uri="{9D8B030D-6E8A-4147-A177-3AD203B41FA5}">
-                      <a16:colId xmlns:a16="http://schemas.microsoft.com/office/drawing/2014/main" val="3328852588"/>
-                    </a:ext>
-                  </a:extLst>
-                </a:gridCol>
+                <a:gridCol w="2863964"/>
+                <a:gridCol w="2863964"/>
               </a:tblGrid>
               <a:tr h="662940">
                 <a:tc>
@@ -7190,6 +7004,7 @@
                         <a:rPr lang="pt-BR" sz="1800" dirty="0"/>
                         <a:t> ( GITHUB )</a:t>
                       </a:r>
+                      <a:endParaRPr lang="pt-BR" sz="1800" dirty="0"/>
                     </a:p>
                     <a:p>
                       <a:endParaRPr lang="pt-BR" sz="2100" dirty="0"/>
@@ -7206,15 +7021,11 @@
                         <a:rPr lang="pt-BR" sz="1800" dirty="0"/>
                         <a:t>LINK  ( IMAGEM DOCKER )</a:t>
                       </a:r>
+                      <a:endParaRPr lang="pt-BR" sz="1800" dirty="0"/>
                     </a:p>
                   </a:txBody>
                   <a:tcPr marL="68580" marR="68580" marT="34290" marB="34290"/>
                 </a:tc>
-                <a:extLst>
-                  <a:ext uri="{0D108BD9-81ED-4DB2-BD59-A6C34878D82A}">
-                    <a16:rowId xmlns:a16="http://schemas.microsoft.com/office/drawing/2014/main" val="584658956"/>
-                  </a:ext>
-                </a:extLst>
               </a:tr>
               <a:tr h="675653">
                 <a:tc>
@@ -7277,11 +7088,6 @@
                   </a:txBody>
                   <a:tcPr marL="68580" marR="68580" marT="34290" marB="34290"/>
                 </a:tc>
-                <a:extLst>
-                  <a:ext uri="{0D108BD9-81ED-4DB2-BD59-A6C34878D82A}">
-                    <a16:rowId xmlns:a16="http://schemas.microsoft.com/office/drawing/2014/main" val="2378660924"/>
-                  </a:ext>
-                </a:extLst>
               </a:tr>
             </a:tbl>
           </a:graphicData>
@@ -7289,23 +7095,11 @@
       </p:graphicFrame>
       <p:graphicFrame>
         <p:nvGraphicFramePr>
-          <p:cNvPr id="9" name="Tabela 8">
-            <a:extLst>
-              <a:ext uri="{FF2B5EF4-FFF2-40B4-BE49-F238E27FC236}">
-                <a16:creationId xmlns:a16="http://schemas.microsoft.com/office/drawing/2014/main" id="{FE5B8DBD-E72B-244A-BE76-6CA67CAE2465}"/>
-              </a:ext>
-            </a:extLst>
-          </p:cNvPr>
+          <p:cNvPr id="9" name="Tabela 8"/>
           <p:cNvGraphicFramePr>
             <a:graphicFrameLocks noGrp="1"/>
           </p:cNvGraphicFramePr>
-          <p:nvPr>
-            <p:extLst>
-              <p:ext uri="{D42A27DB-BD31-4B8C-83A1-F6EECF244321}">
-                <p14:modId xmlns:p14="http://schemas.microsoft.com/office/powerpoint/2010/main" val="3575785227"/>
-              </p:ext>
-            </p:extLst>
-          </p:nvPr>
+          <p:nvPr/>
         </p:nvGraphicFramePr>
         <p:xfrm>
           <a:off x="206872" y="1394941"/>
@@ -7318,20 +7112,8 @@
                 <a:tableStyleId>{5C22544A-7EE6-4342-B048-85BDC9FD1C3A}</a:tableStyleId>
               </a:tblPr>
               <a:tblGrid>
-                <a:gridCol w="3222128">
-                  <a:extLst>
-                    <a:ext uri="{9D8B030D-6E8A-4147-A177-3AD203B41FA5}">
-                      <a16:colId xmlns:a16="http://schemas.microsoft.com/office/drawing/2014/main" val="2557101832"/>
-                    </a:ext>
-                  </a:extLst>
-                </a:gridCol>
-                <a:gridCol w="3222128">
-                  <a:extLst>
-                    <a:ext uri="{9D8B030D-6E8A-4147-A177-3AD203B41FA5}">
-                      <a16:colId xmlns:a16="http://schemas.microsoft.com/office/drawing/2014/main" val="764271452"/>
-                    </a:ext>
-                  </a:extLst>
-                </a:gridCol>
+                <a:gridCol w="3222128"/>
+                <a:gridCol w="3222128"/>
               </a:tblGrid>
               <a:tr h="370840">
                 <a:tc>
@@ -7344,6 +7126,7 @@
                         <a:rPr lang="pt-BR" dirty="0"/>
                         <a:t>REQUISITOS</a:t>
                       </a:r>
+                      <a:endParaRPr lang="pt-BR" dirty="0"/>
                     </a:p>
                   </a:txBody>
                   <a:tcPr/>
@@ -7358,15 +7141,11 @@
                         <a:rPr lang="pt-BR" dirty="0"/>
                         <a:t>AMBIENTE ALTA DISPONIBILIDADE</a:t>
                       </a:r>
+                      <a:endParaRPr lang="pt-BR" dirty="0"/>
                     </a:p>
                   </a:txBody>
                   <a:tcPr/>
                 </a:tc>
-                <a:extLst>
-                  <a:ext uri="{0D108BD9-81ED-4DB2-BD59-A6C34878D82A}">
-                    <a16:rowId xmlns:a16="http://schemas.microsoft.com/office/drawing/2014/main" val="4072682013"/>
-                  </a:ext>
-                </a:extLst>
               </a:tr>
               <a:tr h="370840">
                 <a:tc>
@@ -7379,6 +7158,143 @@
                         <a:rPr lang="pt-BR" dirty="0"/>
                         <a:t>SOLUÇÃO ESCOLHIDA:</a:t>
                       </a:r>
+                      <a:endParaRPr lang="pt-BR" dirty="0"/>
+                    </a:p>
+                    <a:p>
+                      <a:pPr algn="ctr"/>
+                      <a:r>
+                        <a:rPr lang="pt-BR" dirty="0"/>
+                        <a:t>- Docker</a:t>
+                      </a:r>
+                      <a:endParaRPr lang="pt-BR" dirty="0"/>
+                    </a:p>
+                    <a:p>
+                      <a:pPr algn="ctr"/>
+                      <a:r>
+                        <a:rPr lang="pt-BR" dirty="0"/>
+                        <a:t>- Spring Boot</a:t>
+                      </a:r>
+                      <a:endParaRPr lang="pt-BR" dirty="0"/>
+                    </a:p>
+                    <a:p>
+                      <a:pPr algn="ctr"/>
+                      <a:r>
+                        <a:rPr lang="pt-BR" dirty="0"/>
+                        <a:t>- Spring Kafka</a:t>
+                      </a:r>
+                      <a:endParaRPr lang="pt-BR" dirty="0"/>
+                    </a:p>
+                    <a:p>
+                      <a:pPr algn="ctr"/>
+                      <a:r>
+                        <a:rPr lang="pt-BR" dirty="0"/>
+                        <a:t>- Spring Data Mongo</a:t>
+                      </a:r>
+                      <a:endParaRPr lang="pt-BR" dirty="0"/>
+                    </a:p>
+                    <a:p>
+                      <a:pPr algn="ctr"/>
+                      <a:r>
+                        <a:rPr lang="pt-BR" dirty="0"/>
+                        <a:t>- Spring RestTemplate</a:t>
+                      </a:r>
+                      <a:endParaRPr lang="pt-BR" dirty="0"/>
+                    </a:p>
+                    <a:p>
+                      <a:pPr algn="ctr"/>
+                      <a:r>
+                        <a:rPr lang="pt-BR" dirty="0"/>
+                        <a:t>- Spring Freemaker</a:t>
+                      </a:r>
+                      <a:endParaRPr lang="pt-BR" dirty="0"/>
+                    </a:p>
+                    <a:p>
+                      <a:pPr algn="ctr"/>
+                      <a:r>
+                        <a:rPr lang="pt-BR" dirty="0"/>
+                        <a:t>- Lombok</a:t>
+                      </a:r>
+                      <a:endParaRPr lang="pt-BR" dirty="0"/>
+                    </a:p>
+                    <a:p>
+                      <a:pPr algn="ctr"/>
+                      <a:r>
+                        <a:rPr lang="pt-BR" dirty="0"/>
+                        <a:t>- Java 11</a:t>
+                      </a:r>
+                      <a:endParaRPr lang="pt-BR" dirty="0"/>
+                    </a:p>
+                    <a:p>
+                      <a:pPr algn="ctr"/>
+                      <a:r>
+                        <a:rPr lang="pt-BR" dirty="0"/>
+                        <a:t>- Gradle</a:t>
+                      </a:r>
+                      <a:endParaRPr lang="pt-BR" dirty="0"/>
+                    </a:p>
+                    <a:p>
+                      <a:pPr algn="ctr"/>
+                      <a:r>
+                        <a:rPr lang="pt-BR" dirty="0"/>
+                        <a:t>- Kafka</a:t>
+                      </a:r>
+                      <a:endParaRPr lang="pt-BR" dirty="0"/>
+                    </a:p>
+                    <a:p>
+                      <a:pPr algn="ctr"/>
+                      <a:r>
+                        <a:rPr lang="pt-BR" dirty="0"/>
+                        <a:t>- Job Scheduled</a:t>
+                      </a:r>
+                      <a:endParaRPr lang="pt-BR" dirty="0"/>
+                    </a:p>
+                    <a:p>
+                      <a:pPr algn="ctr"/>
+                      <a:r>
+                        <a:rPr lang="pt-BR" dirty="0"/>
+                        <a:t>- JavaMail</a:t>
+                      </a:r>
+                      <a:endParaRPr lang="pt-BR" dirty="0"/>
+                    </a:p>
+                    <a:p>
+                      <a:pPr algn="ctr"/>
+                      <a:r>
+                        <a:rPr lang="pt-BR" dirty="0"/>
+                        <a:t>- MongoDB</a:t>
+                      </a:r>
+                      <a:endParaRPr lang="pt-BR" dirty="0"/>
+                    </a:p>
+                    <a:p>
+                      <a:pPr algn="ctr"/>
+                      <a:r>
+                        <a:rPr lang="pt-BR" dirty="0"/>
+                        <a:t>- Mongo Express</a:t>
+                      </a:r>
+                      <a:endParaRPr lang="pt-BR" dirty="0"/>
+                    </a:p>
+                    <a:p>
+                      <a:pPr algn="ctr"/>
+                      <a:r>
+                        <a:rPr lang="pt-BR" dirty="0"/>
+                        <a:t>- Swagger 3.0</a:t>
+                      </a:r>
+                      <a:endParaRPr lang="pt-BR" dirty="0"/>
+                    </a:p>
+                    <a:p>
+                      <a:pPr algn="ctr"/>
+                      <a:r>
+                        <a:rPr lang="pt-BR" dirty="0"/>
+                        <a:t>- Kowl</a:t>
+                      </a:r>
+                      <a:endParaRPr lang="pt-BR" dirty="0"/>
+                    </a:p>
+                    <a:p>
+                      <a:pPr algn="ctr"/>
+                      <a:r>
+                        <a:rPr lang="pt-BR" dirty="0"/>
+                        <a:t>- Gson</a:t>
+                      </a:r>
+                      <a:endParaRPr lang="pt-BR" dirty="0"/>
                     </a:p>
                   </a:txBody>
                   <a:tcPr/>
@@ -7395,7 +7311,7 @@
                             <a:srgbClr val="FF0000"/>
                           </a:solidFill>
                         </a:rPr>
-                        <a:t>Cluster </a:t>
+                        <a:t>- Cluster </a:t>
                       </a:r>
                       <a:r>
                         <a:rPr lang="pt-BR" b="1" dirty="0" err="1">
@@ -7405,14 +7321,11 @@
                         </a:rPr>
                         <a:t>Swarm</a:t>
                       </a:r>
-                      <a:r>
-                        <a:rPr lang="pt-BR" b="1" dirty="0">
-                          <a:solidFill>
-                            <a:srgbClr val="FF0000"/>
-                          </a:solidFill>
-                        </a:rPr>
-                        <a:t> ? </a:t>
-                      </a:r>
+                      <a:endParaRPr lang="pt-BR" b="1" dirty="0" err="1">
+                        <a:solidFill>
+                          <a:srgbClr val="FF0000"/>
+                        </a:solidFill>
+                      </a:endParaRPr>
                     </a:p>
                     <a:p>
                       <a:pPr algn="ctr"/>
@@ -7422,88 +7335,19 @@
                             <a:srgbClr val="FF0000"/>
                           </a:solidFill>
                         </a:rPr>
-                        <a:t>Cluster </a:t>
-                      </a:r>
-                      <a:r>
-                        <a:rPr lang="pt-BR" b="1" dirty="0" err="1">
-                          <a:solidFill>
-                            <a:srgbClr val="FF0000"/>
-                          </a:solidFill>
-                        </a:rPr>
-                        <a:t>Kubernetes</a:t>
-                      </a:r>
-                      <a:r>
-                        <a:rPr lang="pt-BR" b="1" dirty="0">
-                          <a:solidFill>
-                            <a:srgbClr val="FF0000"/>
-                          </a:solidFill>
-                        </a:rPr>
-                        <a:t> ?</a:t>
-                      </a:r>
-                    </a:p>
-                    <a:p>
-                      <a:pPr algn="ctr"/>
-                      <a:r>
-                        <a:rPr lang="pt-BR" b="1" dirty="0">
-                          <a:solidFill>
-                            <a:srgbClr val="FF0000"/>
-                          </a:solidFill>
-                        </a:rPr>
-                        <a:t>AWS, </a:t>
-                      </a:r>
-                      <a:r>
-                        <a:rPr lang="pt-BR" b="1" dirty="0" err="1">
-                          <a:solidFill>
-                            <a:srgbClr val="FF0000"/>
-                          </a:solidFill>
-                        </a:rPr>
-                        <a:t>Azure</a:t>
-                      </a:r>
-                      <a:r>
-                        <a:rPr lang="pt-BR" b="1" dirty="0">
-                          <a:solidFill>
-                            <a:srgbClr val="FF0000"/>
-                          </a:solidFill>
-                        </a:rPr>
-                        <a:t>, Google </a:t>
-                      </a:r>
-                      <a:r>
-                        <a:rPr lang="pt-BR" b="1" dirty="0" err="1">
-                          <a:solidFill>
-                            <a:srgbClr val="FF0000"/>
-                          </a:solidFill>
-                        </a:rPr>
-                        <a:t>Cloud</a:t>
-                      </a:r>
-                      <a:r>
-                        <a:rPr lang="pt-BR" b="1" dirty="0">
-                          <a:solidFill>
-                            <a:srgbClr val="FF0000"/>
-                          </a:solidFill>
-                        </a:rPr>
-                        <a:t>, Outro?</a:t>
+                        <a:t>- AWS</a:t>
                       </a:r>
                       <a:endParaRPr lang="pt-BR" dirty="0"/>
                     </a:p>
                   </a:txBody>
                   <a:tcPr/>
                 </a:tc>
-                <a:extLst>
-                  <a:ext uri="{0D108BD9-81ED-4DB2-BD59-A6C34878D82A}">
-                    <a16:rowId xmlns:a16="http://schemas.microsoft.com/office/drawing/2014/main" val="2020347839"/>
-                  </a:ext>
-                </a:extLst>
               </a:tr>
             </a:tbl>
           </a:graphicData>
         </a:graphic>
       </p:graphicFrame>
     </p:spTree>
-    <p:extLst>
-      <p:ext uri="{BB962C8B-B14F-4D97-AF65-F5344CB8AC3E}">
-        <p14:creationId xmlns:p14="http://schemas.microsoft.com/office/powerpoint/2010/main" val="436659116"/>
-      </p:ext>
-    </p:extLst>
   </p:cSld>
   <p:clrMapOvr>
     <a:masterClrMapping/>
@@ -7530,16 +7374,8 @@
       </p:grpSpPr>
       <p:sp>
         <p:nvSpPr>
-          <p:cNvPr id="25" name="Título 1">
-            <a:extLst>
-              <a:ext uri="{FF2B5EF4-FFF2-40B4-BE49-F238E27FC236}">
-                <a16:creationId xmlns:a16="http://schemas.microsoft.com/office/drawing/2014/main" id="{F4807A3E-7788-2644-8E55-E1327533FF72}"/>
-              </a:ext>
-            </a:extLst>
-          </p:cNvPr>
-          <p:cNvSpPr txBox="1">
-            <a:spLocks/>
-          </p:cNvSpPr>
+          <p:cNvPr id="25" name="Título 1"/>
+          <p:cNvSpPr txBox="1"/>
           <p:nvPr/>
         </p:nvSpPr>
         <p:spPr>
@@ -7583,16 +7419,16 @@
                 <a:srgbClr val="000000"/>
               </a:buClr>
               <a:buSzPts val="1400"/>
-              <a:buFont typeface="Arial"/>
+              <a:buFont typeface="Arial" panose="020B0604020202020204"/>
               <a:buNone/>
               <a:defRPr sz="2800" b="1" i="0" u="none" strike="noStrike" cap="none">
                 <a:solidFill>
                   <a:schemeClr val="dk1"/>
                 </a:solidFill>
-                <a:latin typeface="Arial"/>
-                <a:ea typeface="Arial"/>
-                <a:cs typeface="Arial"/>
-                <a:sym typeface="Arial"/>
+                <a:latin typeface="Arial" panose="020B0604020202020204"/>
+                <a:ea typeface="Arial" panose="020B0604020202020204"/>
+                <a:cs typeface="Arial" panose="020B0604020202020204"/>
+                <a:sym typeface="Arial" panose="020B0604020202020204"/>
               </a:defRPr>
             </a:lvl1pPr>
             <a:lvl2pPr marR="0" lvl="1" algn="l" rtl="0">
@@ -7609,16 +7445,16 @@
                 <a:srgbClr val="000000"/>
               </a:buClr>
               <a:buSzPts val="1400"/>
-              <a:buFont typeface="Arial"/>
+              <a:buFont typeface="Arial" panose="020B0604020202020204"/>
               <a:buNone/>
               <a:defRPr sz="2800" b="1" i="0" u="none" strike="noStrike" cap="none">
                 <a:solidFill>
                   <a:schemeClr val="dk1"/>
                 </a:solidFill>
-                <a:latin typeface="Arial"/>
-                <a:ea typeface="Arial"/>
-                <a:cs typeface="Arial"/>
-                <a:sym typeface="Arial"/>
+                <a:latin typeface="Arial" panose="020B0604020202020204"/>
+                <a:ea typeface="Arial" panose="020B0604020202020204"/>
+                <a:cs typeface="Arial" panose="020B0604020202020204"/>
+                <a:sym typeface="Arial" panose="020B0604020202020204"/>
               </a:defRPr>
             </a:lvl2pPr>
             <a:lvl3pPr marR="0" lvl="2" algn="l" rtl="0">
@@ -7635,16 +7471,16 @@
                 <a:srgbClr val="000000"/>
               </a:buClr>
               <a:buSzPts val="1400"/>
-              <a:buFont typeface="Arial"/>
+              <a:buFont typeface="Arial" panose="020B0604020202020204"/>
               <a:buNone/>
               <a:defRPr sz="2800" b="1" i="0" u="none" strike="noStrike" cap="none">
                 <a:solidFill>
                   <a:schemeClr val="dk1"/>
                 </a:solidFill>
-                <a:latin typeface="Arial"/>
-                <a:ea typeface="Arial"/>
-                <a:cs typeface="Arial"/>
-                <a:sym typeface="Arial"/>
+                <a:latin typeface="Arial" panose="020B0604020202020204"/>
+                <a:ea typeface="Arial" panose="020B0604020202020204"/>
+                <a:cs typeface="Arial" panose="020B0604020202020204"/>
+                <a:sym typeface="Arial" panose="020B0604020202020204"/>
               </a:defRPr>
             </a:lvl3pPr>
             <a:lvl4pPr marR="0" lvl="3" algn="l" rtl="0">
@@ -7661,16 +7497,16 @@
                 <a:srgbClr val="000000"/>
               </a:buClr>
               <a:buSzPts val="1400"/>
-              <a:buFont typeface="Arial"/>
+              <a:buFont typeface="Arial" panose="020B0604020202020204"/>
               <a:buNone/>
               <a:defRPr sz="2800" b="1" i="0" u="none" strike="noStrike" cap="none">
                 <a:solidFill>
                   <a:schemeClr val="dk1"/>
                 </a:solidFill>
-                <a:latin typeface="Arial"/>
-                <a:ea typeface="Arial"/>
-                <a:cs typeface="Arial"/>
-                <a:sym typeface="Arial"/>
+                <a:latin typeface="Arial" panose="020B0604020202020204"/>
+                <a:ea typeface="Arial" panose="020B0604020202020204"/>
+                <a:cs typeface="Arial" panose="020B0604020202020204"/>
+                <a:sym typeface="Arial" panose="020B0604020202020204"/>
               </a:defRPr>
             </a:lvl4pPr>
             <a:lvl5pPr marR="0" lvl="4" algn="l" rtl="0">
@@ -7687,16 +7523,16 @@
                 <a:srgbClr val="000000"/>
               </a:buClr>
               <a:buSzPts val="1400"/>
-              <a:buFont typeface="Arial"/>
+              <a:buFont typeface="Arial" panose="020B0604020202020204"/>
               <a:buNone/>
               <a:defRPr sz="2800" b="1" i="0" u="none" strike="noStrike" cap="none">
                 <a:solidFill>
                   <a:schemeClr val="dk1"/>
                 </a:solidFill>
-                <a:latin typeface="Arial"/>
-                <a:ea typeface="Arial"/>
-                <a:cs typeface="Arial"/>
-                <a:sym typeface="Arial"/>
+                <a:latin typeface="Arial" panose="020B0604020202020204"/>
+                <a:ea typeface="Arial" panose="020B0604020202020204"/>
+                <a:cs typeface="Arial" panose="020B0604020202020204"/>
+                <a:sym typeface="Arial" panose="020B0604020202020204"/>
               </a:defRPr>
             </a:lvl5pPr>
             <a:lvl6pPr marR="0" lvl="5" algn="ctr" rtl="0">
@@ -7713,16 +7549,16 @@
                 <a:srgbClr val="000000"/>
               </a:buClr>
               <a:buSzPts val="1400"/>
-              <a:buFont typeface="Arial"/>
+              <a:buFont typeface="Arial" panose="020B0604020202020204"/>
               <a:buNone/>
               <a:defRPr sz="4400" b="0" i="0" u="none" strike="noStrike" cap="none">
                 <a:solidFill>
                   <a:schemeClr val="dk1"/>
                 </a:solidFill>
-                <a:latin typeface="Calibri"/>
-                <a:ea typeface="Calibri"/>
-                <a:cs typeface="Calibri"/>
-                <a:sym typeface="Calibri"/>
+                <a:latin typeface="Calibri" panose="020F0502020204030204"/>
+                <a:ea typeface="Calibri" panose="020F0502020204030204"/>
+                <a:cs typeface="Calibri" panose="020F0502020204030204"/>
+                <a:sym typeface="Calibri" panose="020F0502020204030204"/>
               </a:defRPr>
             </a:lvl6pPr>
             <a:lvl7pPr marR="0" lvl="6" algn="ctr" rtl="0">
@@ -7739,16 +7575,16 @@
                 <a:srgbClr val="000000"/>
               </a:buClr>
               <a:buSzPts val="1400"/>
-              <a:buFont typeface="Arial"/>
+              <a:buFont typeface="Arial" panose="020B0604020202020204"/>
               <a:buNone/>
               <a:defRPr sz="4400" b="0" i="0" u="none" strike="noStrike" cap="none">
                 <a:solidFill>
                   <a:schemeClr val="dk1"/>
                 </a:solidFill>
-                <a:latin typeface="Calibri"/>
-                <a:ea typeface="Calibri"/>
-                <a:cs typeface="Calibri"/>
-                <a:sym typeface="Calibri"/>
+                <a:latin typeface="Calibri" panose="020F0502020204030204"/>
+                <a:ea typeface="Calibri" panose="020F0502020204030204"/>
+                <a:cs typeface="Calibri" panose="020F0502020204030204"/>
+                <a:sym typeface="Calibri" panose="020F0502020204030204"/>
               </a:defRPr>
             </a:lvl7pPr>
             <a:lvl8pPr marR="0" lvl="7" algn="ctr" rtl="0">
@@ -7765,16 +7601,16 @@
                 <a:srgbClr val="000000"/>
               </a:buClr>
               <a:buSzPts val="1400"/>
-              <a:buFont typeface="Arial"/>
+              <a:buFont typeface="Arial" panose="020B0604020202020204"/>
               <a:buNone/>
               <a:defRPr sz="4400" b="0" i="0" u="none" strike="noStrike" cap="none">
                 <a:solidFill>
                   <a:schemeClr val="dk1"/>
                 </a:solidFill>
-                <a:latin typeface="Calibri"/>
-                <a:ea typeface="Calibri"/>
-                <a:cs typeface="Calibri"/>
-                <a:sym typeface="Calibri"/>
+                <a:latin typeface="Calibri" panose="020F0502020204030204"/>
+                <a:ea typeface="Calibri" panose="020F0502020204030204"/>
+                <a:cs typeface="Calibri" panose="020F0502020204030204"/>
+                <a:sym typeface="Calibri" panose="020F0502020204030204"/>
               </a:defRPr>
             </a:lvl8pPr>
             <a:lvl9pPr marR="0" lvl="8" algn="ctr" rtl="0">
@@ -7791,16 +7627,16 @@
                 <a:srgbClr val="000000"/>
               </a:buClr>
               <a:buSzPts val="1400"/>
-              <a:buFont typeface="Arial"/>
+              <a:buFont typeface="Arial" panose="020B0604020202020204"/>
               <a:buNone/>
               <a:defRPr sz="4400" b="0" i="0" u="none" strike="noStrike" cap="none">
                 <a:solidFill>
                   <a:schemeClr val="dk1"/>
                 </a:solidFill>
-                <a:latin typeface="Calibri"/>
-                <a:ea typeface="Calibri"/>
-                <a:cs typeface="Calibri"/>
-                <a:sym typeface="Calibri"/>
+                <a:latin typeface="Calibri" panose="020F0502020204030204"/>
+                <a:ea typeface="Calibri" panose="020F0502020204030204"/>
+                <a:cs typeface="Calibri" panose="020F0502020204030204"/>
+                <a:sym typeface="Calibri" panose="020F0502020204030204"/>
               </a:defRPr>
             </a:lvl9pPr>
           </a:lstStyle>
@@ -7814,6 +7650,12 @@
               </a:rPr>
               <a:t>3 – VÍDEO DEMONSTRATIVO DA SOLUÇÃO</a:t>
             </a:r>
+            <a:endParaRPr lang="pt-BR" sz="2400" dirty="0">
+              <a:solidFill>
+                <a:srgbClr val="626E73"/>
+              </a:solidFill>
+              <a:latin typeface="Gotham HTF Light"/>
+            </a:endParaRPr>
           </a:p>
         </p:txBody>
       </p:sp>
@@ -7876,7 +7718,7 @@
             <p:nvPr/>
           </p:nvPicPr>
           <p:blipFill>
-            <a:blip r:embed="rId2">
+            <a:blip r:embed="rId1">
               <a:extLst>
                 <a:ext uri="{28A0092B-C50C-407E-A947-70E740481C1C}">
                   <a14:useLocalDpi xmlns:a14="http://schemas.microsoft.com/office/drawing/2010/main" val="0"/>
@@ -7906,7 +7748,7 @@
             <p:nvPr/>
           </p:nvPicPr>
           <p:blipFill>
-            <a:blip r:embed="rId3">
+            <a:blip r:embed="rId2">
               <a:extLst>
                 <a:ext uri="{28A0092B-C50C-407E-A947-70E740481C1C}">
                   <a14:useLocalDpi xmlns:a14="http://schemas.microsoft.com/office/drawing/2010/main" val="0"/>
@@ -7930,13 +7772,7 @@
       </p:grpSp>
       <p:sp>
         <p:nvSpPr>
-          <p:cNvPr id="26" name="CaixaDeTexto 25">
-            <a:extLst>
-              <a:ext uri="{FF2B5EF4-FFF2-40B4-BE49-F238E27FC236}">
-                <a16:creationId xmlns:a16="http://schemas.microsoft.com/office/drawing/2014/main" id="{57F3AFE6-C3E3-FC4E-AF93-DC9D768C97D2}"/>
-              </a:ext>
-            </a:extLst>
-          </p:cNvPr>
+          <p:cNvPr id="26" name="CaixaDeTexto 25"/>
           <p:cNvSpPr txBox="1"/>
           <p:nvPr/>
         </p:nvSpPr>
@@ -7978,28 +7814,24 @@
               </a:rPr>
               <a:t>DEMONSTRAÇÃO DO USO</a:t>
             </a:r>
+            <a:endParaRPr lang="pt-BR" b="1" dirty="0">
+              <a:solidFill>
+                <a:schemeClr val="tx1">
+                  <a:lumMod val="65000"/>
+                  <a:lumOff val="35000"/>
+                </a:schemeClr>
+              </a:solidFill>
+            </a:endParaRPr>
           </a:p>
         </p:txBody>
       </p:sp>
       <p:graphicFrame>
         <p:nvGraphicFramePr>
-          <p:cNvPr id="11" name="Tabela 10">
-            <a:extLst>
-              <a:ext uri="{FF2B5EF4-FFF2-40B4-BE49-F238E27FC236}">
-                <a16:creationId xmlns:a16="http://schemas.microsoft.com/office/drawing/2014/main" id="{8E9EED7D-971A-C54C-9E3E-13D53DBE0DA1}"/>
-              </a:ext>
-            </a:extLst>
-          </p:cNvPr>
+          <p:cNvPr id="11" name="Tabela 10"/>
           <p:cNvGraphicFramePr>
             <a:graphicFrameLocks noGrp="1"/>
           </p:cNvGraphicFramePr>
-          <p:nvPr>
-            <p:extLst>
-              <p:ext uri="{D42A27DB-BD31-4B8C-83A1-F6EECF244321}">
-                <p14:modId xmlns:p14="http://schemas.microsoft.com/office/powerpoint/2010/main" val="3284554125"/>
-              </p:ext>
-            </p:extLst>
-          </p:nvPr>
+          <p:nvPr/>
         </p:nvGraphicFramePr>
         <p:xfrm>
           <a:off x="209853" y="1343385"/>
@@ -8012,20 +7844,8 @@
                 <a:tableStyleId>{5C22544A-7EE6-4342-B048-85BDC9FD1C3A}</a:tableStyleId>
               </a:tblPr>
               <a:tblGrid>
-                <a:gridCol w="1972238">
-                  <a:extLst>
-                    <a:ext uri="{9D8B030D-6E8A-4147-A177-3AD203B41FA5}">
-                      <a16:colId xmlns:a16="http://schemas.microsoft.com/office/drawing/2014/main" val="2557101832"/>
-                    </a:ext>
-                  </a:extLst>
-                </a:gridCol>
-                <a:gridCol w="4466057">
-                  <a:extLst>
-                    <a:ext uri="{9D8B030D-6E8A-4147-A177-3AD203B41FA5}">
-                      <a16:colId xmlns:a16="http://schemas.microsoft.com/office/drawing/2014/main" val="764271452"/>
-                    </a:ext>
-                  </a:extLst>
-                </a:gridCol>
+                <a:gridCol w="1972238"/>
+                <a:gridCol w="4466057"/>
               </a:tblGrid>
               <a:tr h="370497">
                 <a:tc>
@@ -8038,6 +7858,7 @@
                         <a:rPr lang="pt-BR" sz="1400" dirty="0"/>
                         <a:t>PLATAFORMA</a:t>
                       </a:r>
+                      <a:endParaRPr lang="pt-BR" sz="1400" dirty="0"/>
                     </a:p>
                   </a:txBody>
                   <a:tcPr marL="91355" marR="91355" marT="45678" marB="45678"/>
@@ -8052,15 +7873,11 @@
                         <a:rPr lang="pt-BR" sz="1400" dirty="0"/>
                         <a:t>LINK</a:t>
                       </a:r>
+                      <a:endParaRPr lang="pt-BR" sz="1400" dirty="0"/>
                     </a:p>
                   </a:txBody>
                   <a:tcPr marL="91355" marR="91355" marT="45678" marB="45678"/>
                 </a:tc>
-                <a:extLst>
-                  <a:ext uri="{0D108BD9-81ED-4DB2-BD59-A6C34878D82A}">
-                    <a16:rowId xmlns:a16="http://schemas.microsoft.com/office/drawing/2014/main" val="4072682013"/>
-                  </a:ext>
-                </a:extLst>
               </a:tr>
               <a:tr h="960036">
                 <a:tc>
@@ -8075,7 +7892,7 @@
                       <a:pPr algn="ctr"/>
                       <a:r>
                         <a:rPr lang="pt-BR" sz="1400" dirty="0">
-                          <a:hlinkClick r:id="rId4"/>
+                          <a:hlinkClick r:id="rId3"/>
                         </a:rPr>
                         <a:t>https://www.loom.com/screen-recorder</a:t>
                       </a:r>
@@ -8083,6 +7900,7 @@
                         <a:rPr lang="pt-BR" sz="1400" dirty="0"/>
                         <a:t> </a:t>
                       </a:r>
+                      <a:endParaRPr lang="pt-BR" sz="1400" dirty="0"/>
                     </a:p>
                   </a:txBody>
                   <a:tcPr marL="91355" marR="91355" marT="45678" marB="45678"/>
@@ -8092,7 +7910,7 @@
                     <a:bodyPr/>
                     <a:lstStyle/>
                     <a:p>
-                      <a:pPr marL="0" marR="0" lvl="0" indent="0" algn="ctr" defTabSz="342715" rtl="0" eaLnBrk="1" fontAlgn="auto" latinLnBrk="0" hangingPunct="1">
+                      <a:pPr marL="0" marR="0" lvl="0" indent="0" algn="ctr" defTabSz="342900" rtl="0" eaLnBrk="1" fontAlgn="auto" latinLnBrk="0" hangingPunct="1">
                         <a:lnSpc>
                           <a:spcPct val="100000"/>
                         </a:lnSpc>
@@ -8106,11 +7924,10 @@
                         <a:buSzTx/>
                         <a:buFontTx/>
                         <a:buNone/>
-                        <a:tabLst/>
                         <a:defRPr/>
                       </a:pPr>
                       <a:endParaRPr lang="en-US" sz="1400" dirty="0">
-                        <a:hlinkClick r:id="rId5"/>
+                        <a:hlinkClick r:id="rId4"/>
                       </a:endParaRPr>
                     </a:p>
                     <a:p>
@@ -8139,15 +7956,11 @@
                         <a:rPr lang="pt-BR" sz="1400" dirty="0"/>
                         <a:t>/6960f41e8b3d482ab1c9e9a49fe58acf</a:t>
                       </a:r>
+                      <a:endParaRPr lang="pt-BR" sz="1400" dirty="0"/>
                     </a:p>
                   </a:txBody>
                   <a:tcPr marL="91355" marR="91355" marT="45678" marB="45678"/>
                 </a:tc>
-                <a:extLst>
-                  <a:ext uri="{0D108BD9-81ED-4DB2-BD59-A6C34878D82A}">
-                    <a16:rowId xmlns:a16="http://schemas.microsoft.com/office/drawing/2014/main" val="2020347839"/>
-                  </a:ext>
-                </a:extLst>
               </a:tr>
             </a:tbl>
           </a:graphicData>
@@ -8155,20 +7968,14 @@
       </p:graphicFrame>
       <p:pic>
         <p:nvPicPr>
-          <p:cNvPr id="13" name="Imagem 12">
-            <a:extLst>
-              <a:ext uri="{FF2B5EF4-FFF2-40B4-BE49-F238E27FC236}">
-                <a16:creationId xmlns:a16="http://schemas.microsoft.com/office/drawing/2014/main" id="{5151B87D-A53F-5040-956D-0A2A61A4EDC1}"/>
-              </a:ext>
-            </a:extLst>
-          </p:cNvPr>
+          <p:cNvPr id="13" name="Imagem 12"/>
           <p:cNvPicPr>
             <a:picLocks noChangeAspect="1"/>
           </p:cNvPicPr>
           <p:nvPr/>
         </p:nvPicPr>
         <p:blipFill>
-          <a:blip r:embed="rId6"/>
+          <a:blip r:embed="rId5"/>
           <a:stretch>
             <a:fillRect/>
           </a:stretch>
@@ -8185,13 +7992,7 @@
       </p:pic>
       <p:sp>
         <p:nvSpPr>
-          <p:cNvPr id="15" name="Retângulo 14">
-            <a:extLst>
-              <a:ext uri="{FF2B5EF4-FFF2-40B4-BE49-F238E27FC236}">
-                <a16:creationId xmlns:a16="http://schemas.microsoft.com/office/drawing/2014/main" id="{EDC7731D-C98B-CB4C-8060-C9BB8FEAD229}"/>
-              </a:ext>
-            </a:extLst>
-          </p:cNvPr>
+          <p:cNvPr id="15" name="Retângulo 14"/>
           <p:cNvSpPr/>
           <p:nvPr/>
         </p:nvSpPr>
@@ -8220,6 +8021,12 @@
               </a:rPr>
               <a:t>Exibir durante a apresentação da última aula.</a:t>
             </a:r>
+            <a:endParaRPr lang="pt-BR" sz="1050" i="1" dirty="0">
+              <a:solidFill>
+                <a:srgbClr val="1D1C1D"/>
+              </a:solidFill>
+              <a:latin typeface="Slack-Lato"/>
+            </a:endParaRPr>
           </a:p>
           <a:p>
             <a:pPr algn="ctr"/>
@@ -8247,7 +8054,7 @@
                   <a:srgbClr val="1D1C1D"/>
                 </a:solidFill>
                 <a:latin typeface="Slack-Lato"/>
-                <a:hlinkClick r:id="rId7"/>
+                <a:hlinkClick r:id="rId6"/>
               </a:rPr>
               <a:t>https://github.com/tonanuvem/hall</a:t>
             </a:r>
@@ -8260,15 +8067,16 @@
               </a:rPr>
               <a:t> </a:t>
             </a:r>
+            <a:endParaRPr lang="pt-BR" sz="1050" i="1" dirty="0">
+              <a:solidFill>
+                <a:srgbClr val="1D1C1D"/>
+              </a:solidFill>
+              <a:latin typeface="Slack-Lato"/>
+            </a:endParaRPr>
           </a:p>
         </p:txBody>
       </p:sp>
     </p:spTree>
-    <p:extLst>
-      <p:ext uri="{BB962C8B-B14F-4D97-AF65-F5344CB8AC3E}">
-        <p14:creationId xmlns:p14="http://schemas.microsoft.com/office/powerpoint/2010/main" val="139236812"/>
-      </p:ext>
-    </p:extLst>
   </p:cSld>
   <p:clrMapOvr>
     <a:masterClrMapping/>
@@ -8592,7 +8400,11 @@
       </a:style>
     </a:lnDef>
   </a:objectDefaults>
-  <a:extraClrSchemeLst/>
+  <a:extLst>
+    <a:ext uri="{05A4C25C-085E-4340-85A3-A5531E510DB2}">
+      <thm15:themeFamily xmlns:thm15="http://schemas.microsoft.com/office/thememl/2012/main" name="Office Theme" id="{62F939B6-93AF-4DB8-9C6B-D6C7DFDC589F}" vid="{4A3C46E8-61CC-4603-A589-7422A47A8E4A}"/>
+    </a:ext>
+  </a:extLst>
 </a:theme>
 </file>
 
@@ -8912,6 +8724,10 @@
       </a:style>
     </a:lnDef>
   </a:objectDefaults>
-  <a:extraClrSchemeLst/>
+  <a:extLst>
+    <a:ext uri="{05A4C25C-085E-4340-85A3-A5531E510DB2}">
+      <thm15:themeFamily xmlns:thm15="http://schemas.microsoft.com/office/thememl/2012/main" name="Office Theme" id="{62F939B6-93AF-4DB8-9C6B-D6C7DFDC589F}" vid="{4A3C46E8-61CC-4603-A589-7422A47A8E4A}"/>
+    </a:ext>
+  </a:extLst>
 </a:theme>
 </file>